--- a/Presentation/Hackathon-RFTD.pptx
+++ b/Presentation/Hackathon-RFTD.pptx
@@ -5,7 +5,7 @@
     <p:sldMasterId id="2147483686" r:id="rId1"/>
   </p:sldMasterIdLst>
   <p:notesMasterIdLst>
-    <p:notesMasterId r:id="rId11"/>
+    <p:notesMasterId r:id="rId13"/>
   </p:notesMasterIdLst>
   <p:sldIdLst>
     <p:sldId id="256" r:id="rId2"/>
@@ -15,8 +15,10 @@
     <p:sldId id="260" r:id="rId6"/>
     <p:sldId id="261" r:id="rId7"/>
     <p:sldId id="262" r:id="rId8"/>
-    <p:sldId id="263" r:id="rId9"/>
-    <p:sldId id="264" r:id="rId10"/>
+    <p:sldId id="265" r:id="rId9"/>
+    <p:sldId id="263" r:id="rId10"/>
+    <p:sldId id="264" r:id="rId11"/>
+    <p:sldId id="267" r:id="rId12"/>
   </p:sldIdLst>
   <p:sldSz cx="12192000" cy="6858000"/>
   <p:notesSz cx="6858000" cy="9144000"/>
@@ -126,8 +128,15 @@
 <file path=ppt/revisionInfo.xml><?xml version="1.0" encoding="utf-8"?>
 <p1510:revInfo xmlns:a="http://schemas.openxmlformats.org/drawingml/2006/main" xmlns:r="http://schemas.openxmlformats.org/officeDocument/2006/relationships" xmlns:p1510="http://schemas.microsoft.com/office/powerpoint/2015/10/main">
   <p1510:revLst>
+    <p1510:client id="{07C1BBEA-4A4D-1AC7-2940-1AB972E65A61}" v="3" dt="2021-06-19T17:37:01.181"/>
     <p1510:client id="{0C2C10A7-BC04-5C55-BDA8-82DACB4A4AD6}" v="1646" dt="2021-06-19T12:27:07.833"/>
+    <p1510:client id="{1B0AE1F7-8FA2-70DD-7AAD-26F15C295FED}" v="2" dt="2021-06-21T07:49:08.869"/>
     <p1510:client id="{22BF2CCC-DAE1-4D9D-8689-8B8BCBE12596}" v="1432" dt="2021-06-14T09:35:19.006"/>
+    <p1510:client id="{6B889502-F603-1353-6018-F1F33D554BCF}" v="60" dt="2021-06-22T13:40:32.436"/>
+    <p1510:client id="{8AE48862-4DFD-61B4-C40A-7FFF1F8C1323}" v="3" dt="2021-06-19T18:18:19.639"/>
+    <p1510:client id="{BBA105AF-87E3-0A4A-91D8-3737D4F95AE5}" v="35" dt="2021-06-19T17:38:26.885"/>
+    <p1510:client id="{C17D2BD1-E8D4-6683-24DE-C50BB0245673}" v="30" dt="2021-06-21T07:46:47.112"/>
+    <p1510:client id="{C506D186-E4A0-2F2E-8C09-1D145C6E7354}" v="15" dt="2021-06-21T15:43:48.502"/>
     <p1510:client id="{E4923930-B6FA-FBC9-5038-A1C12F3125B5}" v="31" dt="2021-06-19T10:30:00.106"/>
     <p1510:client id="{FB1FC8B1-826F-B0A1-F182-2F46516576BC}" v="6" dt="2021-06-14T15:41:29.779"/>
   </p1510:revLst>
@@ -3303,7 +3312,7 @@
 <dgm:dataModel xmlns:dgm="http://schemas.openxmlformats.org/drawingml/2006/diagram" xmlns:a="http://schemas.openxmlformats.org/drawingml/2006/main">
   <dgm:ptLst>
     <dgm:pt modelId="{E7311698-7F68-492F-A9F1-8937042EABB4}" type="doc">
-      <dgm:prSet loTypeId="urn:microsoft.com/office/officeart/2005/8/layout/vList2" loCatId="list" qsTypeId="urn:microsoft.com/office/officeart/2005/8/quickstyle/simple1" qsCatId="simple" csTypeId="urn:microsoft.com/office/officeart/2005/8/colors/accent1_2" csCatId="accent1"/>
+      <dgm:prSet loTypeId="urn:microsoft.com/office/officeart/2005/8/layout/vList2" loCatId="list" qsTypeId="urn:microsoft.com/office/officeart/2005/8/quickstyle/simple1" qsCatId="simple" csTypeId="urn:microsoft.com/office/officeart/2005/8/colors/accent1_2" csCatId="accent1" phldr="1"/>
       <dgm:spPr/>
       <dgm:t>
         <a:bodyPr/>
@@ -3320,11 +3329,21 @@
         <a:bodyPr/>
         <a:lstStyle/>
         <a:p>
+          <a:pPr rtl="0"/>
           <a:r>
             <a:rPr lang="pl-PL"/>
-            <a:t>Wyboru jakich metryk użyć dokonaliśmy a podstawie kilku prac naukowych napisanych na ten temat. Silną metryką okazała się długość części hosta, ilość znaków specjalnych takich jak `-` szczególnie w ostatniej subdomenie. Obliczyliśmy metryki takie jak:</a:t>
+            <a:t>Wyboru metryk dokonaliśmy </a:t>
           </a:r>
-          <a:endParaRPr lang="en-US"/>
+          <a:r>
+            <a:rPr lang="pl-PL">
+              <a:latin typeface="Gill Sans Nova"/>
+            </a:rPr>
+            <a:t>na</a:t>
+          </a:r>
+          <a:r>
+            <a:rPr lang="pl-PL"/>
+            <a:t> podstawie kilku prac naukowych napisanych na ten temat. Silną metryką okazała się długość części hosta, ilość znaków specjalnych takich jak `-` szczególnie w ostatniej subdomenie. Obliczyliśmy metryki takie jak:</a:t>
+          </a:r>
         </a:p>
       </dgm:t>
     </dgm:pt>
@@ -3683,6 +3702,28 @@
         </a:p>
       </dgm:t>
     </dgm:pt>
+    <dgm:pt modelId="{2485591E-199A-493B-8D3F-F0D6CAEC1DC4}">
+      <dgm:prSet phldr="0"/>
+      <dgm:spPr/>
+      <dgm:t>
+        <a:bodyPr/>
+        <a:lstStyle/>
+        <a:p>
+          <a:pPr rtl="0"/>
+          <a:endParaRPr lang="pl-PL">
+            <a:latin typeface="Gill Sans Nova"/>
+          </a:endParaRPr>
+        </a:p>
+      </dgm:t>
+    </dgm:pt>
+    <dgm:pt modelId="{3F772099-B18D-4610-9810-48EE53454697}" type="parTrans" cxnId="{E941F379-85CC-4F69-876B-0905E93B0F89}">
+      <dgm:prSet/>
+      <dgm:spPr/>
+    </dgm:pt>
+    <dgm:pt modelId="{74E441A8-F7D1-448E-B4B7-5D74C5E4FFAD}" type="sibTrans" cxnId="{E941F379-85CC-4F69-876B-0905E93B0F89}">
+      <dgm:prSet/>
+      <dgm:spPr/>
+    </dgm:pt>
     <dgm:pt modelId="{635AB4D6-50DE-45E6-B28A-5945C620E36E}" type="pres">
       <dgm:prSet presAssocID="{E7311698-7F68-492F-A9F1-8937042EABB4}" presName="linear" presStyleCnt="0">
         <dgm:presLayoutVars>
@@ -3701,7 +3742,7 @@
       </dgm:prSet>
       <dgm:spPr/>
     </dgm:pt>
-    <dgm:pt modelId="{33C3D43C-7130-4920-8507-BA48C5633EC7}" type="pres">
+    <dgm:pt modelId="{F0489B6F-08D1-47B0-9C5B-F3ACF05F976F}" type="pres">
       <dgm:prSet presAssocID="{05595CCA-93A8-48B7-8D1C-4052FC273F5F}" presName="childText" presStyleLbl="revTx" presStyleIdx="0" presStyleCnt="1">
         <dgm:presLayoutVars>
           <dgm:bulletEnabled val="1"/>
@@ -3712,34 +3753,36 @@
   </dgm:ptLst>
   <dgm:cxnLst>
     <dgm:cxn modelId="{595BF410-738C-48C2-BC11-B841DC996877}" srcId="{E7311698-7F68-492F-A9F1-8937042EABB4}" destId="{05595CCA-93A8-48B7-8D1C-4052FC273F5F}" srcOrd="0" destOrd="0" parTransId="{3CF9E09F-1221-4352-89C8-6548EE76740B}" sibTransId="{0670F156-287D-4E27-AC83-FF3F99C2B58F}"/>
-    <dgm:cxn modelId="{0ECD431B-1865-4D3F-A5C5-09BA96409581}" type="presOf" srcId="{04C625C1-4456-469A-B798-FB576D2FF8AA}" destId="{33C3D43C-7130-4920-8507-BA48C5633EC7}" srcOrd="0" destOrd="6" presId="urn:microsoft.com/office/officeart/2005/8/layout/vList2"/>
-    <dgm:cxn modelId="{EAB78B26-FB69-4880-B7BA-19BE3B91ABEE}" srcId="{05595CCA-93A8-48B7-8D1C-4052FC273F5F}" destId="{7B5C7B60-9CBA-4F83-B14D-364A20F22179}" srcOrd="0" destOrd="0" parTransId="{28C4684D-4725-45E7-BC01-FB323DBB6197}" sibTransId="{D9FF77DF-8C26-498C-ADA9-C4FE712616D5}"/>
-    <dgm:cxn modelId="{9382D42D-FB65-4068-A0FC-8248B16A499C}" type="presOf" srcId="{1A0B33BC-662B-425B-9958-EF103EF1BC85}" destId="{33C3D43C-7130-4920-8507-BA48C5633EC7}" srcOrd="0" destOrd="1" presId="urn:microsoft.com/office/officeart/2005/8/layout/vList2"/>
-    <dgm:cxn modelId="{5927BF31-0C8B-4DBB-A254-D1A86FB96B32}" type="presOf" srcId="{05595CCA-93A8-48B7-8D1C-4052FC273F5F}" destId="{C343C2F5-B7FF-4E48-897B-DD95D3E4F5FC}" srcOrd="0" destOrd="0" presId="urn:microsoft.com/office/officeart/2005/8/layout/vList2"/>
-    <dgm:cxn modelId="{D3127F3C-59D1-453C-9D2B-9C6DF16267B2}" srcId="{05595CCA-93A8-48B7-8D1C-4052FC273F5F}" destId="{D32469D2-C34C-4161-9AF6-496CD487DE25}" srcOrd="8" destOrd="0" parTransId="{9547B267-0192-41C5-8FA4-4A9DFC323522}" sibTransId="{F9B1FFCF-C9E9-47E8-B100-AE2ACEE48032}"/>
-    <dgm:cxn modelId="{7A010166-9D34-40D7-97A1-95341C1D6077}" srcId="{05595CCA-93A8-48B7-8D1C-4052FC273F5F}" destId="{D66CAE47-6661-4928-A85A-FEFC967D9833}" srcOrd="2" destOrd="0" parTransId="{3AA01B08-39AE-49E7-BBAA-9CF5F3C60BFE}" sibTransId="{A0DC4FFA-9DDD-4631-86FD-0E3EC7BE9EDB}"/>
-    <dgm:cxn modelId="{D4DA1B6A-D137-4D0E-8CA9-D7B613DD8527}" type="presOf" srcId="{7B5C7B60-9CBA-4F83-B14D-364A20F22179}" destId="{33C3D43C-7130-4920-8507-BA48C5633EC7}" srcOrd="0" destOrd="0" presId="urn:microsoft.com/office/officeart/2005/8/layout/vList2"/>
-    <dgm:cxn modelId="{94EA116E-3F22-4A0D-B614-330699F9374B}" type="presOf" srcId="{2E52E6D0-E1A2-445D-8DA6-4DC85F4AF2CD}" destId="{33C3D43C-7130-4920-8507-BA48C5633EC7}" srcOrd="0" destOrd="4" presId="urn:microsoft.com/office/officeart/2005/8/layout/vList2"/>
-    <dgm:cxn modelId="{82DDA281-B292-4250-91A4-71FAE23E8A9D}" srcId="{05595CCA-93A8-48B7-8D1C-4052FC273F5F}" destId="{95D429C6-2ACD-40E3-84CA-763FF8D70A6F}" srcOrd="3" destOrd="0" parTransId="{38977C4E-46EC-456D-B694-A89A07A20C8B}" sibTransId="{04DC199A-E78F-424E-BF9D-54D2CC241FD6}"/>
-    <dgm:cxn modelId="{81C4F98D-0025-476F-AED8-5BA8C22D3C5D}" srcId="{05595CCA-93A8-48B7-8D1C-4052FC273F5F}" destId="{04C625C1-4456-469A-B798-FB576D2FF8AA}" srcOrd="6" destOrd="0" parTransId="{07FF98C9-3509-4528-86C0-044240AA395F}" sibTransId="{BEB1CBC7-5154-402D-B82F-BBD41858BEFB}"/>
-    <dgm:cxn modelId="{9C95A6A2-72E3-4EF5-8F60-1CE1A33E01C1}" srcId="{05595CCA-93A8-48B7-8D1C-4052FC273F5F}" destId="{1A0B33BC-662B-425B-9958-EF103EF1BC85}" srcOrd="1" destOrd="0" parTransId="{930790A0-B61A-48AD-B61A-798178D57E3D}" sibTransId="{8EAE17DD-6A31-4188-A7BA-101021D4F23F}"/>
-    <dgm:cxn modelId="{BFFD14AD-7F3E-423A-89A0-56E4401613FD}" type="presOf" srcId="{AC1F8A70-85E7-48D0-9C99-3E1DAF274CD0}" destId="{33C3D43C-7130-4920-8507-BA48C5633EC7}" srcOrd="0" destOrd="7" presId="urn:microsoft.com/office/officeart/2005/8/layout/vList2"/>
+    <dgm:cxn modelId="{EAB78B26-FB69-4880-B7BA-19BE3B91ABEE}" srcId="{05595CCA-93A8-48B7-8D1C-4052FC273F5F}" destId="{7B5C7B60-9CBA-4F83-B14D-364A20F22179}" srcOrd="1" destOrd="0" parTransId="{28C4684D-4725-45E7-BC01-FB323DBB6197}" sibTransId="{D9FF77DF-8C26-498C-ADA9-C4FE712616D5}"/>
+    <dgm:cxn modelId="{D3127F3C-59D1-453C-9D2B-9C6DF16267B2}" srcId="{05595CCA-93A8-48B7-8D1C-4052FC273F5F}" destId="{D32469D2-C34C-4161-9AF6-496CD487DE25}" srcOrd="9" destOrd="0" parTransId="{9547B267-0192-41C5-8FA4-4A9DFC323522}" sibTransId="{F9B1FFCF-C9E9-47E8-B100-AE2ACEE48032}"/>
+    <dgm:cxn modelId="{5EBD3F3F-7BF0-4B3F-94F3-B5488D9A0DC1}" type="presOf" srcId="{AC1F8A70-85E7-48D0-9C99-3E1DAF274CD0}" destId="{F0489B6F-08D1-47B0-9C5B-F3ACF05F976F}" srcOrd="0" destOrd="8" presId="urn:microsoft.com/office/officeart/2005/8/layout/vList2"/>
+    <dgm:cxn modelId="{09328D5D-5F04-47E2-93E9-EB7E95A35E6A}" type="presOf" srcId="{95D429C6-2ACD-40E3-84CA-763FF8D70A6F}" destId="{F0489B6F-08D1-47B0-9C5B-F3ACF05F976F}" srcOrd="0" destOrd="4" presId="urn:microsoft.com/office/officeart/2005/8/layout/vList2"/>
+    <dgm:cxn modelId="{7A010166-9D34-40D7-97A1-95341C1D6077}" srcId="{05595CCA-93A8-48B7-8D1C-4052FC273F5F}" destId="{D66CAE47-6661-4928-A85A-FEFC967D9833}" srcOrd="3" destOrd="0" parTransId="{3AA01B08-39AE-49E7-BBAA-9CF5F3C60BFE}" sibTransId="{A0DC4FFA-9DDD-4631-86FD-0E3EC7BE9EDB}"/>
+    <dgm:cxn modelId="{0502516F-DCBC-4897-8B36-0ABAB3CF82E4}" type="presOf" srcId="{05595CCA-93A8-48B7-8D1C-4052FC273F5F}" destId="{C343C2F5-B7FF-4E48-897B-DD95D3E4F5FC}" srcOrd="0" destOrd="0" presId="urn:microsoft.com/office/officeart/2005/8/layout/vList2"/>
+    <dgm:cxn modelId="{30EFD758-7C93-4ED5-A0E2-1CAEDB2841DC}" type="presOf" srcId="{C3C25E7D-F615-4FC2-98E4-A1791321A08D}" destId="{F0489B6F-08D1-47B0-9C5B-F3ACF05F976F}" srcOrd="0" destOrd="6" presId="urn:microsoft.com/office/officeart/2005/8/layout/vList2"/>
+    <dgm:cxn modelId="{E941F379-85CC-4F69-876B-0905E93B0F89}" srcId="{05595CCA-93A8-48B7-8D1C-4052FC273F5F}" destId="{2485591E-199A-493B-8D3F-F0D6CAEC1DC4}" srcOrd="0" destOrd="0" parTransId="{3F772099-B18D-4610-9810-48EE53454697}" sibTransId="{74E441A8-F7D1-448E-B4B7-5D74C5E4FFAD}"/>
+    <dgm:cxn modelId="{82DDA281-B292-4250-91A4-71FAE23E8A9D}" srcId="{05595CCA-93A8-48B7-8D1C-4052FC273F5F}" destId="{95D429C6-2ACD-40E3-84CA-763FF8D70A6F}" srcOrd="4" destOrd="0" parTransId="{38977C4E-46EC-456D-B694-A89A07A20C8B}" sibTransId="{04DC199A-E78F-424E-BF9D-54D2CC241FD6}"/>
+    <dgm:cxn modelId="{81C4F98D-0025-476F-AED8-5BA8C22D3C5D}" srcId="{05595CCA-93A8-48B7-8D1C-4052FC273F5F}" destId="{04C625C1-4456-469A-B798-FB576D2FF8AA}" srcOrd="7" destOrd="0" parTransId="{07FF98C9-3509-4528-86C0-044240AA395F}" sibTransId="{BEB1CBC7-5154-402D-B82F-BBD41858BEFB}"/>
+    <dgm:cxn modelId="{87C2008F-65E5-43D7-B06D-4FEC2C5B1188}" type="presOf" srcId="{1A0B33BC-662B-425B-9958-EF103EF1BC85}" destId="{F0489B6F-08D1-47B0-9C5B-F3ACF05F976F}" srcOrd="0" destOrd="2" presId="urn:microsoft.com/office/officeart/2005/8/layout/vList2"/>
+    <dgm:cxn modelId="{7EE6B990-70E0-43C2-9291-2CC0BB2A86D3}" type="presOf" srcId="{7B5C7B60-9CBA-4F83-B14D-364A20F22179}" destId="{F0489B6F-08D1-47B0-9C5B-F3ACF05F976F}" srcOrd="0" destOrd="1" presId="urn:microsoft.com/office/officeart/2005/8/layout/vList2"/>
+    <dgm:cxn modelId="{9C95A6A2-72E3-4EF5-8F60-1CE1A33E01C1}" srcId="{05595CCA-93A8-48B7-8D1C-4052FC273F5F}" destId="{1A0B33BC-662B-425B-9958-EF103EF1BC85}" srcOrd="2" destOrd="0" parTransId="{930790A0-B61A-48AD-B61A-798178D57E3D}" sibTransId="{8EAE17DD-6A31-4188-A7BA-101021D4F23F}"/>
+    <dgm:cxn modelId="{11584DA3-A063-4F90-96B2-467D96A9AC5C}" type="presOf" srcId="{D66CAE47-6661-4928-A85A-FEFC967D9833}" destId="{F0489B6F-08D1-47B0-9C5B-F3ACF05F976F}" srcOrd="0" destOrd="3" presId="urn:microsoft.com/office/officeart/2005/8/layout/vList2"/>
     <dgm:cxn modelId="{EA2CABB2-9BA8-41C2-B4EB-A91CB39EFAD7}" type="presOf" srcId="{E7311698-7F68-492F-A9F1-8937042EABB4}" destId="{635AB4D6-50DE-45E6-B28A-5945C620E36E}" srcOrd="0" destOrd="0" presId="urn:microsoft.com/office/officeart/2005/8/layout/vList2"/>
-    <dgm:cxn modelId="{653EC2BE-57CE-45D1-8808-07F4BD5FA504}" type="presOf" srcId="{C3C25E7D-F615-4FC2-98E4-A1791321A08D}" destId="{33C3D43C-7130-4920-8507-BA48C5633EC7}" srcOrd="0" destOrd="5" presId="urn:microsoft.com/office/officeart/2005/8/layout/vList2"/>
-    <dgm:cxn modelId="{3D2B5FD2-EB3E-496C-9736-3A6E1222F5C4}" srcId="{05595CCA-93A8-48B7-8D1C-4052FC273F5F}" destId="{AC1F8A70-85E7-48D0-9C99-3E1DAF274CD0}" srcOrd="7" destOrd="0" parTransId="{EE44340A-9F39-4C4C-82AE-A8897D954632}" sibTransId="{119E16A4-8C2C-4A07-B238-23E97619A233}"/>
-    <dgm:cxn modelId="{40819ED2-AC7D-400B-BAB7-9A8C42239F03}" srcId="{05595CCA-93A8-48B7-8D1C-4052FC273F5F}" destId="{C3C25E7D-F615-4FC2-98E4-A1791321A08D}" srcOrd="5" destOrd="0" parTransId="{04905142-D0B9-433D-806F-1DE7D0207925}" sibTransId="{F8632795-3D2C-4151-9892-5089FE29F8FE}"/>
-    <dgm:cxn modelId="{2CB47AD8-89C7-4B24-A090-6490736B0CD0}" srcId="{05595CCA-93A8-48B7-8D1C-4052FC273F5F}" destId="{2E52E6D0-E1A2-445D-8DA6-4DC85F4AF2CD}" srcOrd="4" destOrd="0" parTransId="{368F05B6-2C1E-4198-B388-CB88CAC080E7}" sibTransId="{042DFECE-CBC5-41B4-A16D-DEB1E20F32E9}"/>
-    <dgm:cxn modelId="{822C28FA-727C-41AB-9A17-386378C2B84A}" type="presOf" srcId="{D32469D2-C34C-4161-9AF6-496CD487DE25}" destId="{33C3D43C-7130-4920-8507-BA48C5633EC7}" srcOrd="0" destOrd="8" presId="urn:microsoft.com/office/officeart/2005/8/layout/vList2"/>
-    <dgm:cxn modelId="{510A74FB-B3D3-4E7D-B118-0F458D493C67}" type="presOf" srcId="{D66CAE47-6661-4928-A85A-FEFC967D9833}" destId="{33C3D43C-7130-4920-8507-BA48C5633EC7}" srcOrd="0" destOrd="2" presId="urn:microsoft.com/office/officeart/2005/8/layout/vList2"/>
-    <dgm:cxn modelId="{1A8F14FE-7B12-4B4F-BAEB-EADB6301269C}" type="presOf" srcId="{95D429C6-2ACD-40E3-84CA-763FF8D70A6F}" destId="{33C3D43C-7130-4920-8507-BA48C5633EC7}" srcOrd="0" destOrd="3" presId="urn:microsoft.com/office/officeart/2005/8/layout/vList2"/>
-    <dgm:cxn modelId="{FCDBD08C-2FB6-4B21-9EA6-DF3EE6CCF75D}" type="presParOf" srcId="{635AB4D6-50DE-45E6-B28A-5945C620E36E}" destId="{C343C2F5-B7FF-4E48-897B-DD95D3E4F5FC}" srcOrd="0" destOrd="0" presId="urn:microsoft.com/office/officeart/2005/8/layout/vList2"/>
-    <dgm:cxn modelId="{D63BCC51-9F92-4C4E-A634-9BC71B980924}" type="presParOf" srcId="{635AB4D6-50DE-45E6-B28A-5945C620E36E}" destId="{33C3D43C-7130-4920-8507-BA48C5633EC7}" srcOrd="1" destOrd="0" presId="urn:microsoft.com/office/officeart/2005/8/layout/vList2"/>
+    <dgm:cxn modelId="{D4E946C4-13B6-41C0-BB44-F6D169BF25E6}" type="presOf" srcId="{04C625C1-4456-469A-B798-FB576D2FF8AA}" destId="{F0489B6F-08D1-47B0-9C5B-F3ACF05F976F}" srcOrd="0" destOrd="7" presId="urn:microsoft.com/office/officeart/2005/8/layout/vList2"/>
+    <dgm:cxn modelId="{16DFAEC6-9591-4C08-BE5B-E4BDD84B214F}" type="presOf" srcId="{2E52E6D0-E1A2-445D-8DA6-4DC85F4AF2CD}" destId="{F0489B6F-08D1-47B0-9C5B-F3ACF05F976F}" srcOrd="0" destOrd="5" presId="urn:microsoft.com/office/officeart/2005/8/layout/vList2"/>
+    <dgm:cxn modelId="{3D2B5FD2-EB3E-496C-9736-3A6E1222F5C4}" srcId="{05595CCA-93A8-48B7-8D1C-4052FC273F5F}" destId="{AC1F8A70-85E7-48D0-9C99-3E1DAF274CD0}" srcOrd="8" destOrd="0" parTransId="{EE44340A-9F39-4C4C-82AE-A8897D954632}" sibTransId="{119E16A4-8C2C-4A07-B238-23E97619A233}"/>
+    <dgm:cxn modelId="{40819ED2-AC7D-400B-BAB7-9A8C42239F03}" srcId="{05595CCA-93A8-48B7-8D1C-4052FC273F5F}" destId="{C3C25E7D-F615-4FC2-98E4-A1791321A08D}" srcOrd="6" destOrd="0" parTransId="{04905142-D0B9-433D-806F-1DE7D0207925}" sibTransId="{F8632795-3D2C-4151-9892-5089FE29F8FE}"/>
+    <dgm:cxn modelId="{2CB47AD8-89C7-4B24-A090-6490736B0CD0}" srcId="{05595CCA-93A8-48B7-8D1C-4052FC273F5F}" destId="{2E52E6D0-E1A2-445D-8DA6-4DC85F4AF2CD}" srcOrd="5" destOrd="0" parTransId="{368F05B6-2C1E-4198-B388-CB88CAC080E7}" sibTransId="{042DFECE-CBC5-41B4-A16D-DEB1E20F32E9}"/>
+    <dgm:cxn modelId="{7E0020E4-BD5D-493B-BF9C-858DA914A1F6}" type="presOf" srcId="{2485591E-199A-493B-8D3F-F0D6CAEC1DC4}" destId="{F0489B6F-08D1-47B0-9C5B-F3ACF05F976F}" srcOrd="0" destOrd="0" presId="urn:microsoft.com/office/officeart/2005/8/layout/vList2"/>
+    <dgm:cxn modelId="{FC3641F9-2974-401D-8447-44B060E59431}" type="presOf" srcId="{D32469D2-C34C-4161-9AF6-496CD487DE25}" destId="{F0489B6F-08D1-47B0-9C5B-F3ACF05F976F}" srcOrd="0" destOrd="9" presId="urn:microsoft.com/office/officeart/2005/8/layout/vList2"/>
+    <dgm:cxn modelId="{B865A0D4-F9B3-45C0-A48F-D756D5EB7D33}" type="presParOf" srcId="{635AB4D6-50DE-45E6-B28A-5945C620E36E}" destId="{C343C2F5-B7FF-4E48-897B-DD95D3E4F5FC}" srcOrd="0" destOrd="0" presId="urn:microsoft.com/office/officeart/2005/8/layout/vList2"/>
+    <dgm:cxn modelId="{72982B8A-E01B-4F43-B025-3EACE1E25668}" type="presParOf" srcId="{635AB4D6-50DE-45E6-B28A-5945C620E36E}" destId="{F0489B6F-08D1-47B0-9C5B-F3ACF05F976F}" srcOrd="1" destOrd="0" presId="urn:microsoft.com/office/officeart/2005/8/layout/vList2"/>
   </dgm:cxnLst>
   <dgm:bg/>
   <dgm:whole/>
   <dgm:extLst>
     <a:ext uri="http://schemas.microsoft.com/office/drawing/2008/diagram">
-      <dsp:dataModelExt xmlns:dsp="http://schemas.microsoft.com/office/drawing/2008/diagram" relId="rId6" minVer="http://schemas.openxmlformats.org/drawingml/2006/diagram"/>
+      <dsp:dataModelExt xmlns:dsp="http://schemas.microsoft.com/office/drawing/2008/diagram" relId="rId7" minVer="http://schemas.openxmlformats.org/drawingml/2006/diagram"/>
     </a:ext>
   </dgm:extLst>
 </dgm:dataModel>
@@ -3767,10 +3810,10 @@
         <a:lstStyle/>
         <a:p>
           <a:r>
-            <a:rPr lang="pl-PL" dirty="0"/>
+            <a:rPr lang="pl-PL"/>
             <a:t>Dodanie nowych metryk wykorzystujących przetwarzanie języka</a:t>
           </a:r>
-          <a:endParaRPr lang="en-US" dirty="0"/>
+          <a:endParaRPr lang="en-US"/>
         </a:p>
       </dgm:t>
     </dgm:pt>
@@ -3804,10 +3847,10 @@
         <a:lstStyle/>
         <a:p>
           <a:r>
-            <a:rPr lang="pl-PL" dirty="0"/>
+            <a:rPr lang="pl-PL"/>
             <a:t>Obliczanie metryk związanych z dystansem do dobrych domen (bardzo czasochłonne)</a:t>
           </a:r>
-          <a:endParaRPr lang="en-US" dirty="0"/>
+          <a:endParaRPr lang="en-US"/>
         </a:p>
       </dgm:t>
     </dgm:pt>
@@ -3841,10 +3884,10 @@
         <a:lstStyle/>
         <a:p>
           <a:r>
-            <a:rPr lang="pl-PL" dirty="0"/>
+            <a:rPr lang="pl-PL"/>
             <a:t>Dodanie metryk wykorzystujących słowniki, sprawdzających czy na przykład słowa w domenie nie są markami</a:t>
           </a:r>
-          <a:endParaRPr lang="en-US" dirty="0"/>
+          <a:endParaRPr lang="en-US"/>
         </a:p>
       </dgm:t>
     </dgm:pt>
@@ -3878,18 +3921,18 @@
         <a:lstStyle/>
         <a:p>
           <a:r>
-            <a:rPr lang="pl-PL" dirty="0"/>
+            <a:rPr lang="pl-PL"/>
             <a:t>Porównywanie i wyszukiwanie podobnych stron na podstawie zdjęcia (pobranych z </a:t>
           </a:r>
           <a:r>
-            <a:rPr lang="pl-PL" dirty="0" err="1"/>
+            <a:rPr lang="pl-PL" err="1"/>
             <a:t>Selenium</a:t>
           </a:r>
           <a:r>
-            <a:rPr lang="pl-PL" dirty="0"/>
+            <a:rPr lang="pl-PL"/>
             <a:t>)</a:t>
           </a:r>
-          <a:endParaRPr lang="en-US" dirty="0"/>
+          <a:endParaRPr lang="en-US"/>
         </a:p>
       </dgm:t>
     </dgm:pt>
@@ -3923,10 +3966,10 @@
         <a:lstStyle/>
         <a:p>
           <a:r>
-            <a:rPr lang="pl-PL" dirty="0"/>
+            <a:rPr lang="pl-PL"/>
             <a:t>Algorytm przeszukujący potencjalnie złe domeny na podstawie permutacji i podmian istniejących już marek</a:t>
           </a:r>
-          <a:endParaRPr lang="en-US" dirty="0"/>
+          <a:endParaRPr lang="en-US"/>
         </a:p>
       </dgm:t>
     </dgm:pt>
@@ -3960,10 +4003,10 @@
         <a:lstStyle/>
         <a:p>
           <a:r>
-            <a:rPr lang="pl-PL" dirty="0"/>
+            <a:rPr lang="pl-PL"/>
             <a:t>Dodanie bazy dla dobrych i  złych domen, jako ostateczne źródło prawdy</a:t>
           </a:r>
-          <a:endParaRPr lang="en-US" dirty="0"/>
+          <a:endParaRPr lang="en-US"/>
         </a:p>
       </dgm:t>
     </dgm:pt>
@@ -3998,7 +4041,7 @@
         <a:p>
           <a:pPr rtl="0"/>
           <a:r>
-            <a:rPr lang="pl-PL" dirty="0">
+            <a:rPr lang="pl-PL">
               <a:latin typeface="Gill Sans Nova"/>
             </a:rPr>
             <a:t> Metryki bazujące na cenach domen</a:t>
@@ -4138,7 +4181,7 @@
   <dgm:whole/>
   <dgm:extLst>
     <a:ext uri="http://schemas.microsoft.com/office/drawing/2008/diagram">
-      <dsp:dataModelExt xmlns:dsp="http://schemas.microsoft.com/office/drawing/2008/diagram" relId="rId6" minVer="http://schemas.openxmlformats.org/drawingml/2006/diagram"/>
+      <dsp:dataModelExt xmlns:dsp="http://schemas.microsoft.com/office/drawing/2008/diagram" relId="rId7" minVer="http://schemas.openxmlformats.org/drawingml/2006/diagram"/>
     </a:ext>
   </dgm:extLst>
 </dgm:dataModel>
@@ -4166,10 +4209,10 @@
         <a:lstStyle/>
         <a:p>
           <a:r>
-            <a:rPr lang="pl-PL" dirty="0"/>
+            <a:rPr lang="pl-PL"/>
             <a:t>Wtyczka do klientów pocztowych</a:t>
           </a:r>
-          <a:endParaRPr lang="en-US" dirty="0"/>
+          <a:endParaRPr lang="en-US"/>
         </a:p>
       </dgm:t>
     </dgm:pt>
@@ -4203,26 +4246,26 @@
         <a:lstStyle/>
         <a:p>
           <a:r>
-            <a:rPr lang="pl-PL" dirty="0"/>
+            <a:rPr lang="pl-PL"/>
             <a:t>Własny kontener </a:t>
           </a:r>
           <a:r>
-            <a:rPr lang="pl-PL" dirty="0" err="1"/>
+            <a:rPr lang="pl-PL" err="1"/>
             <a:t>dockera</a:t>
           </a:r>
           <a:r>
-            <a:rPr lang="pl-PL" dirty="0"/>
+            <a:rPr lang="pl-PL"/>
             <a:t>, </a:t>
           </a:r>
           <a:r>
-            <a:rPr lang="pl-PL" dirty="0" err="1"/>
+            <a:rPr lang="pl-PL" err="1"/>
             <a:t>self-hosted</a:t>
           </a:r>
           <a:r>
-            <a:rPr lang="pl-PL" dirty="0"/>
+            <a:rPr lang="pl-PL"/>
             <a:t> API</a:t>
           </a:r>
-          <a:endParaRPr lang="en-US" dirty="0"/>
+          <a:endParaRPr lang="en-US"/>
         </a:p>
       </dgm:t>
     </dgm:pt>
@@ -4256,10 +4299,10 @@
         <a:lstStyle/>
         <a:p>
           <a:r>
-            <a:rPr lang="pl-PL" dirty="0"/>
+            <a:rPr lang="pl-PL"/>
             <a:t>Komercyjna wersja bazy dobrych i złych linków</a:t>
           </a:r>
-          <a:endParaRPr lang="en-US" dirty="0"/>
+          <a:endParaRPr lang="en-US"/>
         </a:p>
       </dgm:t>
     </dgm:pt>
@@ -4294,16 +4337,16 @@
         <a:p>
           <a:pPr rtl="0"/>
           <a:r>
-            <a:rPr lang="pl-PL" dirty="0"/>
+            <a:rPr lang="pl-PL"/>
             <a:t>Wczesny dostęp </a:t>
           </a:r>
           <a:r>
-            <a:rPr lang="pl-PL" dirty="0">
+            <a:rPr lang="pl-PL">
               <a:latin typeface="Gill Sans Nova"/>
             </a:rPr>
             <a:t>do ulepszonej wersji modelu</a:t>
           </a:r>
-          <a:endParaRPr lang="en-US" dirty="0"/>
+          <a:endParaRPr lang="en-US"/>
         </a:p>
       </dgm:t>
     </dgm:pt>
@@ -4562,7 +4605,7 @@
   <dgm:whole/>
   <dgm:extLst>
     <a:ext uri="http://schemas.microsoft.com/office/drawing/2008/diagram">
-      <dsp:dataModelExt xmlns:dsp="http://schemas.microsoft.com/office/drawing/2008/diagram" relId="rId6" minVer="http://schemas.openxmlformats.org/drawingml/2006/diagram"/>
+      <dsp:dataModelExt xmlns:dsp="http://schemas.microsoft.com/office/drawing/2008/diagram" relId="rId7" minVer="http://schemas.openxmlformats.org/drawingml/2006/diagram"/>
     </a:ext>
   </dgm:extLst>
 </dgm:dataModel>
@@ -4753,7 +4796,7 @@
       </dsp:nvSpPr>
       <dsp:spPr>
         <a:xfrm>
-          <a:off x="0" y="185516"/>
+          <a:off x="0" y="48896"/>
           <a:ext cx="10544173" cy="1287000"/>
         </a:xfrm>
         <a:prstGeom prst="roundRect">
@@ -4801,7 +4844,7 @@
         </a:bodyPr>
         <a:lstStyle/>
         <a:p>
-          <a:pPr marL="0" lvl="0" indent="0" algn="l" defTabSz="977900">
+          <a:pPr marL="0" lvl="0" indent="0" algn="l" defTabSz="977900" rtl="0">
             <a:lnSpc>
               <a:spcPct val="90000"/>
             </a:lnSpc>
@@ -4815,25 +4858,34 @@
           </a:pPr>
           <a:r>
             <a:rPr lang="pl-PL" sz="2200" kern="1200"/>
-            <a:t>Wyboru jakich metryk użyć dokonaliśmy a podstawie kilku prac naukowych napisanych na ten temat. Silną metryką okazała się długość części hosta, ilość znaków specjalnych takich jak `-` szczególnie w ostatniej subdomenie. Obliczyliśmy metryki takie jak:</a:t>
+            <a:t>Wyboru metryk dokonaliśmy </a:t>
           </a:r>
-          <a:endParaRPr lang="en-US" sz="2200" kern="1200"/>
+          <a:r>
+            <a:rPr lang="pl-PL" sz="2200" kern="1200">
+              <a:latin typeface="Gill Sans Nova"/>
+            </a:rPr>
+            <a:t>na</a:t>
+          </a:r>
+          <a:r>
+            <a:rPr lang="pl-PL" sz="2200" kern="1200"/>
+            <a:t> podstawie kilku prac naukowych napisanych na ten temat. Silną metryką okazała się długość części hosta, ilość znaków specjalnych takich jak `-` szczególnie w ostatniej subdomenie. Obliczyliśmy metryki takie jak:</a:t>
+          </a:r>
         </a:p>
       </dsp:txBody>
       <dsp:txXfrm>
-        <a:off x="62826" y="248342"/>
+        <a:off x="62826" y="111722"/>
         <a:ext cx="10418521" cy="1161348"/>
       </dsp:txXfrm>
     </dsp:sp>
-    <dsp:sp modelId="{33C3D43C-7130-4920-8507-BA48C5633EC7}">
+    <dsp:sp modelId="{F0489B6F-08D1-47B0-9C5B-F3ACF05F976F}">
       <dsp:nvSpPr>
         <dsp:cNvPr id="0" name=""/>
         <dsp:cNvSpPr/>
       </dsp:nvSpPr>
       <dsp:spPr>
         <a:xfrm>
-          <a:off x="0" y="1472516"/>
-          <a:ext cx="10544173" cy="2823480"/>
+          <a:off x="0" y="1335896"/>
+          <a:ext cx="10544173" cy="3096720"/>
         </a:xfrm>
         <a:prstGeom prst="rect">
           <a:avLst/>
@@ -4861,6 +4913,23 @@
           <a:noAutofit/>
         </a:bodyPr>
         <a:lstStyle/>
+        <a:p>
+          <a:pPr marL="171450" lvl="1" indent="-171450" algn="l" defTabSz="755650" rtl="0">
+            <a:lnSpc>
+              <a:spcPct val="90000"/>
+            </a:lnSpc>
+            <a:spcBef>
+              <a:spcPct val="0"/>
+            </a:spcBef>
+            <a:spcAft>
+              <a:spcPct val="20000"/>
+            </a:spcAft>
+            <a:buChar char="•"/>
+          </a:pPr>
+          <a:endParaRPr lang="pl-PL" sz="1700" kern="1200">
+            <a:latin typeface="Gill Sans Nova"/>
+          </a:endParaRPr>
+        </a:p>
         <a:p>
           <a:pPr marL="171450" lvl="1" indent="-171450" algn="l" defTabSz="755650">
             <a:lnSpc>
@@ -5034,8 +5103,8 @@
         </a:p>
       </dsp:txBody>
       <dsp:txXfrm>
-        <a:off x="0" y="1472516"/>
-        <a:ext cx="10544173" cy="2823480"/>
+        <a:off x="0" y="1335896"/>
+        <a:ext cx="10544173" cy="3096720"/>
       </dsp:txXfrm>
     </dsp:sp>
   </dsp:spTree>
@@ -5118,10 +5187,10 @@
             <a:buNone/>
           </a:pPr>
           <a:r>
-            <a:rPr lang="pl-PL" sz="1800" kern="1200" dirty="0"/>
+            <a:rPr lang="pl-PL" sz="1800" kern="1200"/>
             <a:t>Dodanie nowych metryk wykorzystujących przetwarzanie języka</a:t>
           </a:r>
-          <a:endParaRPr lang="en-US" sz="1800" kern="1200" dirty="0"/>
+          <a:endParaRPr lang="en-US" sz="1800" kern="1200"/>
         </a:p>
       </dsp:txBody>
       <dsp:txXfrm>
@@ -5197,10 +5266,10 @@
             <a:buNone/>
           </a:pPr>
           <a:r>
-            <a:rPr lang="pl-PL" sz="1800" kern="1200" dirty="0"/>
+            <a:rPr lang="pl-PL" sz="1800" kern="1200"/>
             <a:t>Obliczanie metryk związanych z dystansem do dobrych domen (bardzo czasochłonne)</a:t>
           </a:r>
-          <a:endParaRPr lang="en-US" sz="1800" kern="1200" dirty="0"/>
+          <a:endParaRPr lang="en-US" sz="1800" kern="1200"/>
         </a:p>
       </dsp:txBody>
       <dsp:txXfrm>
@@ -5276,10 +5345,10 @@
             <a:buNone/>
           </a:pPr>
           <a:r>
-            <a:rPr lang="pl-PL" sz="1800" kern="1200" dirty="0"/>
+            <a:rPr lang="pl-PL" sz="1800" kern="1200"/>
             <a:t>Dodanie metryk wykorzystujących słowniki, sprawdzających czy na przykład słowa w domenie nie są markami</a:t>
           </a:r>
-          <a:endParaRPr lang="en-US" sz="1800" kern="1200" dirty="0"/>
+          <a:endParaRPr lang="en-US" sz="1800" kern="1200"/>
         </a:p>
       </dsp:txBody>
       <dsp:txXfrm>
@@ -5355,18 +5424,18 @@
             <a:buNone/>
           </a:pPr>
           <a:r>
-            <a:rPr lang="pl-PL" sz="1800" kern="1200" dirty="0"/>
+            <a:rPr lang="pl-PL" sz="1800" kern="1200"/>
             <a:t>Porównywanie i wyszukiwanie podobnych stron na podstawie zdjęcia (pobranych z </a:t>
           </a:r>
           <a:r>
-            <a:rPr lang="pl-PL" sz="1800" kern="1200" dirty="0" err="1"/>
+            <a:rPr lang="pl-PL" sz="1800" kern="1200" err="1"/>
             <a:t>Selenium</a:t>
           </a:r>
           <a:r>
-            <a:rPr lang="pl-PL" sz="1800" kern="1200" dirty="0"/>
+            <a:rPr lang="pl-PL" sz="1800" kern="1200"/>
             <a:t>)</a:t>
           </a:r>
-          <a:endParaRPr lang="en-US" sz="1800" kern="1200" dirty="0"/>
+          <a:endParaRPr lang="en-US" sz="1800" kern="1200"/>
         </a:p>
       </dsp:txBody>
       <dsp:txXfrm>
@@ -5442,10 +5511,10 @@
             <a:buNone/>
           </a:pPr>
           <a:r>
-            <a:rPr lang="pl-PL" sz="1800" kern="1200" dirty="0"/>
+            <a:rPr lang="pl-PL" sz="1800" kern="1200"/>
             <a:t>Algorytm przeszukujący potencjalnie złe domeny na podstawie permutacji i podmian istniejących już marek</a:t>
           </a:r>
-          <a:endParaRPr lang="en-US" sz="1800" kern="1200" dirty="0"/>
+          <a:endParaRPr lang="en-US" sz="1800" kern="1200"/>
         </a:p>
       </dsp:txBody>
       <dsp:txXfrm>
@@ -5521,10 +5590,10 @@
             <a:buNone/>
           </a:pPr>
           <a:r>
-            <a:rPr lang="pl-PL" sz="1800" kern="1200" dirty="0"/>
+            <a:rPr lang="pl-PL" sz="1800" kern="1200"/>
             <a:t>Dodanie bazy dla dobrych i  złych domen, jako ostateczne źródło prawdy</a:t>
           </a:r>
-          <a:endParaRPr lang="en-US" sz="1800" kern="1200" dirty="0"/>
+          <a:endParaRPr lang="en-US" sz="1800" kern="1200"/>
         </a:p>
       </dsp:txBody>
       <dsp:txXfrm>
@@ -5600,7 +5669,7 @@
             <a:buNone/>
           </a:pPr>
           <a:r>
-            <a:rPr lang="pl-PL" sz="1800" kern="1200" dirty="0">
+            <a:rPr lang="pl-PL" sz="1800" kern="1200">
               <a:latin typeface="Gill Sans Nova"/>
             </a:rPr>
             <a:t> Metryki bazujące na cenach domen</a:t>
@@ -5724,10 +5793,10 @@
             <a:buNone/>
           </a:pPr>
           <a:r>
-            <a:rPr lang="pl-PL" sz="1800" kern="1200" dirty="0"/>
+            <a:rPr lang="pl-PL" sz="1800" kern="1200"/>
             <a:t>Wtyczka do klientów pocztowych</a:t>
           </a:r>
-          <a:endParaRPr lang="en-US" sz="1800" kern="1200" dirty="0"/>
+          <a:endParaRPr lang="en-US" sz="1800" kern="1200"/>
         </a:p>
       </dsp:txBody>
       <dsp:txXfrm>
@@ -5835,26 +5904,26 @@
             <a:buNone/>
           </a:pPr>
           <a:r>
-            <a:rPr lang="pl-PL" sz="1800" kern="1200" dirty="0"/>
+            <a:rPr lang="pl-PL" sz="1800" kern="1200"/>
             <a:t>Własny kontener </a:t>
           </a:r>
           <a:r>
-            <a:rPr lang="pl-PL" sz="1800" kern="1200" dirty="0" err="1"/>
+            <a:rPr lang="pl-PL" sz="1800" kern="1200" err="1"/>
             <a:t>dockera</a:t>
           </a:r>
           <a:r>
-            <a:rPr lang="pl-PL" sz="1800" kern="1200" dirty="0"/>
+            <a:rPr lang="pl-PL" sz="1800" kern="1200"/>
             <a:t>, </a:t>
           </a:r>
           <a:r>
-            <a:rPr lang="pl-PL" sz="1800" kern="1200" dirty="0" err="1"/>
+            <a:rPr lang="pl-PL" sz="1800" kern="1200" err="1"/>
             <a:t>self-hosted</a:t>
           </a:r>
           <a:r>
-            <a:rPr lang="pl-PL" sz="1800" kern="1200" dirty="0"/>
+            <a:rPr lang="pl-PL" sz="1800" kern="1200"/>
             <a:t> API</a:t>
           </a:r>
-          <a:endParaRPr lang="en-US" sz="1800" kern="1200" dirty="0"/>
+          <a:endParaRPr lang="en-US" sz="1800" kern="1200"/>
         </a:p>
       </dsp:txBody>
       <dsp:txXfrm>
@@ -5962,10 +6031,10 @@
             <a:buNone/>
           </a:pPr>
           <a:r>
-            <a:rPr lang="pl-PL" sz="1800" kern="1200" dirty="0"/>
+            <a:rPr lang="pl-PL" sz="1800" kern="1200"/>
             <a:t>Komercyjna wersja bazy dobrych i złych linków</a:t>
           </a:r>
-          <a:endParaRPr lang="en-US" sz="1800" kern="1200" dirty="0"/>
+          <a:endParaRPr lang="en-US" sz="1800" kern="1200"/>
         </a:p>
       </dsp:txBody>
       <dsp:txXfrm>
@@ -6070,16 +6139,16 @@
             <a:buNone/>
           </a:pPr>
           <a:r>
-            <a:rPr lang="pl-PL" sz="1800" kern="1200" dirty="0"/>
+            <a:rPr lang="pl-PL" sz="1800" kern="1200"/>
             <a:t>Wczesny dostęp </a:t>
           </a:r>
           <a:r>
-            <a:rPr lang="pl-PL" sz="1800" kern="1200" dirty="0">
+            <a:rPr lang="pl-PL" sz="1800" kern="1200">
               <a:latin typeface="Gill Sans Nova"/>
             </a:rPr>
             <a:t>do ulepszonej wersji modelu</a:t>
           </a:r>
-          <a:endParaRPr lang="en-US" sz="1800" kern="1200" dirty="0"/>
+          <a:endParaRPr lang="en-US" sz="1800" kern="1200"/>
         </a:p>
       </dsp:txBody>
       <dsp:txXfrm>
@@ -10980,7 +11049,7 @@
           <a:p>
             <a:fld id="{11455EB7-84E6-4D65-A02B-7C5B9D84EC05}" type="datetimeFigureOut">
               <a:rPr lang="pl-PL"/>
-              <a:t>19.06.2021</a:t>
+              <a:t>22.06.2021</a:t>
             </a:fld>
             <a:endParaRPr lang="pl-PL"/>
           </a:p>
@@ -11292,702 +11361,702 @@
           <a:lstStyle/>
           <a:p>
             <a:r>
-              <a:rPr lang="en-US" dirty="0"/>
+              <a:rPr lang="en-US"/>
               <a:t>Celem </a:t>
             </a:r>
             <a:r>
-              <a:rPr lang="en-US" dirty="0" err="1"/>
+              <a:rPr lang="en-US" err="1"/>
               <a:t>naszego</a:t>
             </a:r>
             <a:r>
-              <a:rPr lang="en-US" dirty="0"/>
-              <a:t> </a:t>
-            </a:r>
-            <a:r>
-              <a:rPr lang="en-US" dirty="0" err="1"/>
+              <a:rPr lang="en-US"/>
+              <a:t> </a:t>
+            </a:r>
+            <a:r>
+              <a:rPr lang="en-US" err="1"/>
               <a:t>projektu</a:t>
             </a:r>
             <a:r>
-              <a:rPr lang="en-US" dirty="0"/>
-              <a:t> </a:t>
-            </a:r>
-            <a:r>
-              <a:rPr lang="en-US" dirty="0" err="1"/>
+              <a:rPr lang="en-US"/>
+              <a:t> </a:t>
+            </a:r>
+            <a:r>
+              <a:rPr lang="en-US" err="1"/>
               <a:t>było</a:t>
             </a:r>
             <a:r>
-              <a:rPr lang="en-US" dirty="0"/>
-              <a:t> </a:t>
-            </a:r>
-            <a:r>
-              <a:rPr lang="en-US" dirty="0" err="1"/>
+              <a:rPr lang="en-US"/>
+              <a:t> </a:t>
+            </a:r>
+            <a:r>
+              <a:rPr lang="en-US" err="1"/>
               <a:t>stworzenie</a:t>
             </a:r>
             <a:r>
-              <a:rPr lang="en-US" dirty="0"/>
-              <a:t> </a:t>
-            </a:r>
-            <a:r>
-              <a:rPr lang="en-US" dirty="0" err="1"/>
+              <a:rPr lang="en-US"/>
+              <a:t> </a:t>
+            </a:r>
+            <a:r>
+              <a:rPr lang="en-US" err="1"/>
               <a:t>aplikacji</a:t>
             </a:r>
             <a:r>
-              <a:rPr lang="en-US" dirty="0"/>
+              <a:rPr lang="en-US"/>
               <a:t>, </a:t>
             </a:r>
             <a:r>
-              <a:rPr lang="en-US" dirty="0" err="1"/>
+              <a:rPr lang="en-US" err="1"/>
               <a:t>która</a:t>
             </a:r>
             <a:r>
-              <a:rPr lang="en-US" dirty="0"/>
-              <a:t> </a:t>
-            </a:r>
-            <a:r>
-              <a:rPr lang="en-US" dirty="0" err="1"/>
+              <a:rPr lang="en-US"/>
+              <a:t> </a:t>
+            </a:r>
+            <a:r>
+              <a:rPr lang="en-US" err="1"/>
               <a:t>pozytywnie</a:t>
             </a:r>
             <a:r>
-              <a:rPr lang="en-US" dirty="0"/>
-              <a:t> </a:t>
-            </a:r>
-            <a:r>
-              <a:rPr lang="en-US" dirty="0" err="1"/>
+              <a:rPr lang="en-US"/>
+              <a:t> </a:t>
+            </a:r>
+            <a:r>
+              <a:rPr lang="en-US" err="1"/>
               <a:t>wpłynie</a:t>
             </a:r>
             <a:r>
-              <a:rPr lang="en-US" dirty="0"/>
-              <a:t> </a:t>
-            </a:r>
-            <a:r>
-              <a:rPr lang="en-US" dirty="0" err="1"/>
+              <a:rPr lang="en-US"/>
+              <a:t> </a:t>
+            </a:r>
+            <a:r>
+              <a:rPr lang="en-US" err="1"/>
               <a:t>na</a:t>
             </a:r>
             <a:r>
-              <a:rPr lang="en-US" dirty="0"/>
-              <a:t> </a:t>
-            </a:r>
-            <a:r>
-              <a:rPr lang="en-US" dirty="0" err="1"/>
+              <a:rPr lang="en-US"/>
+              <a:t> </a:t>
+            </a:r>
+            <a:r>
+              <a:rPr lang="en-US" err="1"/>
               <a:t>użytkowników</a:t>
             </a:r>
             <a:r>
-              <a:rPr lang="en-US" dirty="0"/>
+              <a:rPr lang="en-US"/>
               <a:t>, </a:t>
             </a:r>
             <a:r>
-              <a:rPr lang="en-US" dirty="0" err="1"/>
+              <a:rPr lang="en-US" err="1"/>
               <a:t>którą</a:t>
             </a:r>
             <a:r>
-              <a:rPr lang="en-US" dirty="0"/>
-              <a:t> </a:t>
-            </a:r>
-            <a:r>
-              <a:rPr lang="en-US" dirty="0" err="1"/>
+              <a:rPr lang="en-US"/>
+              <a:t> </a:t>
+            </a:r>
+            <a:r>
+              <a:rPr lang="en-US" err="1"/>
               <a:t>można</a:t>
             </a:r>
             <a:r>
-              <a:rPr lang="en-US" dirty="0"/>
-              <a:t> </a:t>
-            </a:r>
-            <a:r>
-              <a:rPr lang="en-US" dirty="0" err="1"/>
+              <a:rPr lang="en-US"/>
+              <a:t> </a:t>
+            </a:r>
+            <a:r>
+              <a:rPr lang="en-US" err="1"/>
               <a:t>zainstalować</a:t>
             </a:r>
             <a:r>
-              <a:rPr lang="en-US" dirty="0"/>
-              <a:t> </a:t>
-            </a:r>
-            <a:r>
-              <a:rPr lang="en-US" dirty="0" err="1"/>
+              <a:rPr lang="en-US"/>
+              <a:t> </a:t>
+            </a:r>
+            <a:r>
+              <a:rPr lang="en-US" err="1"/>
               <a:t>na</a:t>
             </a:r>
             <a:r>
-              <a:rPr lang="en-US" dirty="0"/>
-              <a:t> </a:t>
-            </a:r>
-            <a:r>
-              <a:rPr lang="en-US" dirty="0" err="1"/>
+              <a:rPr lang="en-US"/>
+              <a:t> </a:t>
+            </a:r>
+            <a:r>
+              <a:rPr lang="en-US" err="1"/>
               <a:t>każdym</a:t>
             </a:r>
             <a:r>
-              <a:rPr lang="en-US" dirty="0"/>
-              <a:t> </a:t>
-            </a:r>
-            <a:r>
-              <a:rPr lang="en-US" dirty="0" err="1"/>
+              <a:rPr lang="en-US"/>
+              <a:t> </a:t>
+            </a:r>
+            <a:r>
+              <a:rPr lang="en-US" err="1"/>
               <a:t>urządzeniu</a:t>
             </a:r>
             <a:r>
-              <a:rPr lang="en-US" dirty="0"/>
-              <a:t> </a:t>
-            </a:r>
-            <a:r>
-              <a:rPr lang="en-US" dirty="0" err="1"/>
+              <a:rPr lang="en-US"/>
+              <a:t> </a:t>
+            </a:r>
+            <a:r>
+              <a:rPr lang="en-US" err="1"/>
               <a:t>i</a:t>
             </a:r>
             <a:r>
-              <a:rPr lang="en-US" dirty="0"/>
-              <a:t> </a:t>
-            </a:r>
-            <a:r>
-              <a:rPr lang="en-US" dirty="0" err="1"/>
+              <a:rPr lang="en-US"/>
+              <a:t> </a:t>
+            </a:r>
+            <a:r>
+              <a:rPr lang="en-US" err="1"/>
               <a:t>podniesie</a:t>
             </a:r>
             <a:r>
-              <a:rPr lang="en-US" dirty="0"/>
-              <a:t> </a:t>
-            </a:r>
-            <a:r>
-              <a:rPr lang="en-US" dirty="0" err="1"/>
+              <a:rPr lang="en-US"/>
+              <a:t> </a:t>
+            </a:r>
+            <a:r>
+              <a:rPr lang="en-US" err="1"/>
               <a:t>bezpieczeństwo</a:t>
             </a:r>
             <a:r>
-              <a:rPr lang="en-US" dirty="0"/>
-              <a:t> </a:t>
-            </a:r>
-            <a:r>
-              <a:rPr lang="en-US" dirty="0" err="1"/>
+              <a:rPr lang="en-US"/>
+              <a:t> </a:t>
+            </a:r>
+            <a:r>
+              <a:rPr lang="en-US" err="1"/>
               <a:t>użytkowania</a:t>
             </a:r>
             <a:r>
-              <a:rPr lang="en-US" dirty="0"/>
-              <a:t> </a:t>
-            </a:r>
-            <a:r>
-              <a:rPr lang="en-US" dirty="0" err="1"/>
+              <a:rPr lang="en-US"/>
+              <a:t> </a:t>
+            </a:r>
+            <a:r>
+              <a:rPr lang="en-US" err="1"/>
               <a:t>sieci</a:t>
             </a:r>
             <a:r>
-              <a:rPr lang="en-US" dirty="0"/>
-              <a:t> </a:t>
-            </a:r>
-            <a:r>
-              <a:rPr lang="en-US" dirty="0" err="1"/>
+              <a:rPr lang="en-US"/>
+              <a:t> </a:t>
+            </a:r>
+            <a:r>
+              <a:rPr lang="en-US" err="1"/>
               <a:t>małym</a:t>
             </a:r>
             <a:r>
-              <a:rPr lang="en-US" dirty="0"/>
-              <a:t> </a:t>
-            </a:r>
-            <a:r>
-              <a:rPr lang="en-US" dirty="0" err="1"/>
+              <a:rPr lang="en-US"/>
+              <a:t> </a:t>
+            </a:r>
+            <a:r>
+              <a:rPr lang="en-US" err="1"/>
               <a:t>kosztem</a:t>
             </a:r>
             <a:r>
-              <a:rPr lang="en-US" dirty="0"/>
+              <a:rPr lang="en-US"/>
               <a:t>. </a:t>
             </a:r>
             <a:endParaRPr lang="pl-PL"/>
           </a:p>
           <a:p>
-            <a:endParaRPr lang="en-US" dirty="0">
+            <a:endParaRPr lang="en-US">
               <a:cs typeface="Calibri"/>
             </a:endParaRPr>
           </a:p>
           <a:p>
             <a:r>
-              <a:rPr lang="en-US" dirty="0"/>
+              <a:rPr lang="en-US"/>
               <a:t>Nie </a:t>
             </a:r>
             <a:r>
-              <a:rPr lang="en-US" dirty="0" err="1"/>
+              <a:rPr lang="en-US" err="1"/>
               <a:t>raz</a:t>
             </a:r>
             <a:r>
-              <a:rPr lang="en-US" dirty="0"/>
-              <a:t> </a:t>
-            </a:r>
-            <a:r>
-              <a:rPr lang="en-US" dirty="0" err="1"/>
+              <a:rPr lang="en-US"/>
+              <a:t> </a:t>
+            </a:r>
+            <a:r>
+              <a:rPr lang="en-US" err="1"/>
               <a:t>każdego</a:t>
             </a:r>
             <a:r>
-              <a:rPr lang="en-US" dirty="0"/>
+              <a:rPr lang="en-US"/>
               <a:t> z </a:t>
             </a:r>
             <a:r>
-              <a:rPr lang="en-US" dirty="0" err="1"/>
+              <a:rPr lang="en-US" err="1"/>
               <a:t>nas</a:t>
             </a:r>
             <a:r>
-              <a:rPr lang="en-US" dirty="0"/>
-              <a:t> </a:t>
-            </a:r>
-            <a:r>
-              <a:rPr lang="en-US" dirty="0" err="1"/>
+              <a:rPr lang="en-US"/>
+              <a:t> </a:t>
+            </a:r>
+            <a:r>
+              <a:rPr lang="en-US" err="1"/>
               <a:t>dotkną</a:t>
             </a:r>
             <a:r>
-              <a:rPr lang="en-US" dirty="0"/>
+              <a:rPr lang="en-US"/>
               <a:t> problem </a:t>
             </a:r>
             <a:r>
-              <a:rPr lang="en-US" dirty="0" err="1"/>
+              <a:rPr lang="en-US" err="1"/>
               <a:t>tego</a:t>
             </a:r>
             <a:r>
-              <a:rPr lang="en-US" dirty="0"/>
+              <a:rPr lang="en-US"/>
               <a:t>, </a:t>
             </a:r>
             <a:r>
-              <a:rPr lang="en-US" dirty="0" err="1"/>
+              <a:rPr lang="en-US" err="1"/>
               <a:t>że</a:t>
             </a:r>
             <a:r>
-              <a:rPr lang="en-US" dirty="0"/>
-              <a:t> </a:t>
-            </a:r>
-            <a:r>
-              <a:rPr lang="en-US" dirty="0" err="1"/>
+              <a:rPr lang="en-US"/>
+              <a:t> </a:t>
+            </a:r>
+            <a:r>
+              <a:rPr lang="en-US" err="1"/>
               <a:t>kliknęliśmy</a:t>
             </a:r>
             <a:r>
-              <a:rPr lang="en-US" dirty="0"/>
+              <a:rPr lang="en-US"/>
               <a:t> w </a:t>
             </a:r>
             <a:r>
-              <a:rPr lang="en-US" dirty="0" err="1"/>
+              <a:rPr lang="en-US" err="1"/>
               <a:t>nieodpowiedni</a:t>
             </a:r>
             <a:r>
-              <a:rPr lang="en-US" dirty="0"/>
+              <a:rPr lang="en-US"/>
               <a:t> link </a:t>
             </a:r>
             <a:r>
-              <a:rPr lang="en-US" dirty="0" err="1"/>
+              <a:rPr lang="en-US" err="1"/>
               <a:t>niezauważyliśmy</a:t>
             </a:r>
             <a:r>
-              <a:rPr lang="en-US" dirty="0"/>
-              <a:t> </a:t>
-            </a:r>
-            <a:r>
-              <a:rPr lang="en-US" dirty="0" err="1"/>
+              <a:rPr lang="en-US"/>
+              <a:t> </a:t>
+            </a:r>
+            <a:r>
+              <a:rPr lang="en-US" err="1"/>
               <a:t>braku</a:t>
             </a:r>
             <a:r>
-              <a:rPr lang="en-US" dirty="0"/>
+              <a:rPr lang="en-US"/>
               <a:t> "</a:t>
             </a:r>
             <a:r>
-              <a:rPr lang="en-US" dirty="0" err="1"/>
+              <a:rPr lang="en-US" err="1"/>
               <a:t>czerwonej</a:t>
             </a:r>
             <a:r>
-              <a:rPr lang="en-US" dirty="0"/>
-              <a:t> </a:t>
-            </a:r>
-            <a:r>
-              <a:rPr lang="en-US" dirty="0" err="1"/>
+              <a:rPr lang="en-US"/>
+              <a:t> </a:t>
+            </a:r>
+            <a:r>
+              <a:rPr lang="en-US" err="1"/>
               <a:t>kłódki</a:t>
             </a:r>
             <a:r>
-              <a:rPr lang="en-US" dirty="0"/>
+              <a:rPr lang="en-US"/>
               <a:t>" w chrome, </a:t>
             </a:r>
             <a:r>
-              <a:rPr lang="en-US" dirty="0" err="1"/>
+              <a:rPr lang="en-US" err="1"/>
               <a:t>przeglądarka</a:t>
             </a:r>
             <a:r>
-              <a:rPr lang="en-US" dirty="0"/>
-              <a:t> </a:t>
-            </a:r>
-            <a:r>
-              <a:rPr lang="en-US" dirty="0" err="1"/>
+              <a:rPr lang="en-US"/>
+              <a:t> </a:t>
+            </a:r>
+            <a:r>
+              <a:rPr lang="en-US" err="1"/>
               <a:t>nie</a:t>
             </a:r>
             <a:r>
-              <a:rPr lang="en-US" dirty="0"/>
-              <a:t> </a:t>
-            </a:r>
-            <a:r>
-              <a:rPr lang="en-US" dirty="0" err="1"/>
+              <a:rPr lang="en-US"/>
+              <a:t> </a:t>
+            </a:r>
+            <a:r>
+              <a:rPr lang="en-US" err="1"/>
               <a:t>wyświetliła</a:t>
             </a:r>
             <a:r>
-              <a:rPr lang="en-US" dirty="0"/>
-              <a:t> </a:t>
-            </a:r>
-            <a:r>
-              <a:rPr lang="en-US" dirty="0" err="1"/>
+              <a:rPr lang="en-US"/>
+              <a:t> </a:t>
+            </a:r>
+            <a:r>
+              <a:rPr lang="en-US" err="1"/>
               <a:t>powiedomienia</a:t>
             </a:r>
             <a:r>
-              <a:rPr lang="en-US" dirty="0"/>
+              <a:rPr lang="en-US"/>
               <a:t> o </a:t>
             </a:r>
             <a:r>
-              <a:rPr lang="en-US" dirty="0" err="1"/>
+              <a:rPr lang="en-US" err="1"/>
               <a:t>tym</a:t>
             </a:r>
             <a:r>
-              <a:rPr lang="en-US" dirty="0"/>
+              <a:rPr lang="en-US"/>
               <a:t>, </a:t>
             </a:r>
             <a:r>
-              <a:rPr lang="en-US" dirty="0" err="1"/>
+              <a:rPr lang="en-US" err="1"/>
               <a:t>że</a:t>
             </a:r>
             <a:r>
-              <a:rPr lang="en-US" dirty="0"/>
-              <a:t> </a:t>
-            </a:r>
-            <a:r>
-              <a:rPr lang="en-US" dirty="0" err="1"/>
+              <a:rPr lang="en-US"/>
+              <a:t> </a:t>
+            </a:r>
+            <a:r>
+              <a:rPr lang="en-US" err="1"/>
               <a:t>domena</a:t>
             </a:r>
             <a:r>
-              <a:rPr lang="en-US" dirty="0"/>
+              <a:rPr lang="en-US"/>
               <a:t> jest </a:t>
             </a:r>
             <a:r>
-              <a:rPr lang="en-US" dirty="0" err="1"/>
+              <a:rPr lang="en-US" err="1"/>
               <a:t>niebezpieczna</a:t>
             </a:r>
             <a:r>
-              <a:rPr lang="en-US" dirty="0"/>
+              <a:rPr lang="en-US"/>
               <a:t>, </a:t>
             </a:r>
             <a:r>
-              <a:rPr lang="en-US" dirty="0" err="1"/>
+              <a:rPr lang="en-US" err="1"/>
               <a:t>ponieważ</a:t>
             </a:r>
             <a:r>
-              <a:rPr lang="en-US" dirty="0"/>
-              <a:t> </a:t>
-            </a:r>
-            <a:r>
-              <a:rPr lang="en-US" dirty="0" err="1"/>
+              <a:rPr lang="en-US"/>
+              <a:t> </a:t>
+            </a:r>
+            <a:r>
+              <a:rPr lang="en-US" err="1"/>
               <a:t>nie</a:t>
             </a:r>
             <a:r>
-              <a:rPr lang="en-US" dirty="0"/>
-              <a:t> </a:t>
-            </a:r>
-            <a:r>
-              <a:rPr lang="en-US" dirty="0" err="1"/>
+              <a:rPr lang="en-US"/>
+              <a:t> </a:t>
+            </a:r>
+            <a:r>
+              <a:rPr lang="en-US" err="1"/>
               <a:t>została</a:t>
             </a:r>
             <a:r>
-              <a:rPr lang="en-US" dirty="0"/>
-              <a:t> </a:t>
-            </a:r>
-            <a:r>
-              <a:rPr lang="en-US" dirty="0" err="1"/>
+              <a:rPr lang="en-US"/>
+              <a:t> </a:t>
+            </a:r>
+            <a:r>
+              <a:rPr lang="en-US" err="1"/>
               <a:t>zaindeksowana</a:t>
             </a:r>
             <a:r>
-              <a:rPr lang="en-US" dirty="0"/>
+              <a:rPr lang="en-US"/>
               <a:t> w </a:t>
             </a:r>
             <a:r>
-              <a:rPr lang="en-US" dirty="0" err="1"/>
+              <a:rPr lang="en-US" err="1"/>
               <a:t>żadnej</a:t>
             </a:r>
             <a:r>
-              <a:rPr lang="en-US" dirty="0"/>
+              <a:rPr lang="en-US"/>
               <a:t> z </a:t>
             </a:r>
             <a:r>
-              <a:rPr lang="en-US" dirty="0" err="1"/>
+              <a:rPr lang="en-US" err="1"/>
               <a:t>baz</a:t>
             </a:r>
             <a:r>
-              <a:rPr lang="en-US" dirty="0"/>
-              <a:t> </a:t>
-            </a:r>
-            <a:r>
-              <a:rPr lang="en-US" dirty="0" err="1"/>
+              <a:rPr lang="en-US"/>
+              <a:t> </a:t>
+            </a:r>
+            <a:r>
+              <a:rPr lang="en-US" err="1"/>
               <a:t>domen</a:t>
             </a:r>
             <a:r>
-              <a:rPr lang="en-US" dirty="0"/>
-              <a:t> </a:t>
-            </a:r>
-            <a:r>
-              <a:rPr lang="en-US" dirty="0" err="1"/>
+              <a:rPr lang="en-US"/>
+              <a:t> </a:t>
+            </a:r>
+            <a:r>
+              <a:rPr lang="en-US" err="1"/>
               <a:t>podejrzanych</a:t>
             </a:r>
             <a:r>
-              <a:rPr lang="en-US" dirty="0"/>
+              <a:rPr lang="en-US"/>
               <a:t>. </a:t>
             </a:r>
             <a:r>
-              <a:rPr lang="en-US" dirty="0" err="1"/>
+              <a:rPr lang="en-US" err="1"/>
               <a:t>Postanowiliśmy</a:t>
             </a:r>
             <a:r>
-              <a:rPr lang="en-US" dirty="0"/>
-              <a:t> </a:t>
-            </a:r>
-            <a:r>
-              <a:rPr lang="en-US" dirty="0" err="1"/>
+              <a:rPr lang="en-US"/>
+              <a:t> </a:t>
+            </a:r>
+            <a:r>
+              <a:rPr lang="en-US" err="1"/>
               <a:t>zająć</a:t>
             </a:r>
             <a:r>
-              <a:rPr lang="en-US" dirty="0"/>
-              <a:t> </a:t>
-            </a:r>
-            <a:r>
-              <a:rPr lang="en-US" dirty="0" err="1"/>
+              <a:rPr lang="en-US"/>
+              <a:t> </a:t>
+            </a:r>
+            <a:r>
+              <a:rPr lang="en-US" err="1"/>
               <a:t>się</a:t>
             </a:r>
             <a:r>
-              <a:rPr lang="en-US" dirty="0"/>
-              <a:t> </a:t>
-            </a:r>
-            <a:r>
-              <a:rPr lang="en-US" dirty="0" err="1"/>
+              <a:rPr lang="en-US"/>
+              <a:t> </a:t>
+            </a:r>
+            <a:r>
+              <a:rPr lang="en-US" err="1"/>
               <a:t>tym</a:t>
             </a:r>
             <a:r>
-              <a:rPr lang="en-US" dirty="0"/>
-              <a:t> </a:t>
-            </a:r>
-            <a:r>
-              <a:rPr lang="en-US" dirty="0" err="1"/>
+              <a:rPr lang="en-US"/>
+              <a:t> </a:t>
+            </a:r>
+            <a:r>
+              <a:rPr lang="en-US" err="1"/>
               <a:t>tematem</a:t>
             </a:r>
             <a:r>
-              <a:rPr lang="en-US" dirty="0"/>
+              <a:rPr lang="en-US"/>
               <a:t>. </a:t>
             </a:r>
             <a:r>
-              <a:rPr lang="en-US" dirty="0" err="1"/>
+              <a:rPr lang="en-US" err="1"/>
               <a:t>Zainspirowała</a:t>
             </a:r>
             <a:r>
-              <a:rPr lang="en-US" dirty="0"/>
-              <a:t> </a:t>
-            </a:r>
-            <a:r>
-              <a:rPr lang="en-US" dirty="0" err="1"/>
+              <a:rPr lang="en-US"/>
+              <a:t> </a:t>
+            </a:r>
+            <a:r>
+              <a:rPr lang="en-US" err="1"/>
               <a:t>nas</a:t>
             </a:r>
             <a:r>
-              <a:rPr lang="en-US" dirty="0"/>
+              <a:rPr lang="en-US"/>
               <a:t> do </a:t>
             </a:r>
             <a:r>
-              <a:rPr lang="en-US" dirty="0" err="1"/>
+              <a:rPr lang="en-US" err="1"/>
               <a:t>tego</a:t>
             </a:r>
             <a:r>
-              <a:rPr lang="en-US" dirty="0"/>
-              <a:t> </a:t>
-            </a:r>
-            <a:r>
-              <a:rPr lang="en-US" dirty="0" err="1"/>
+              <a:rPr lang="en-US"/>
+              <a:t> </a:t>
+            </a:r>
+            <a:r>
+              <a:rPr lang="en-US" err="1"/>
               <a:t>strona</a:t>
             </a:r>
             <a:r>
-              <a:rPr lang="en-US" dirty="0"/>
+              <a:rPr lang="en-US"/>
               <a:t> CERT Polska. </a:t>
             </a:r>
             <a:r>
-              <a:rPr lang="en-US" dirty="0" err="1"/>
+              <a:rPr lang="en-US" err="1"/>
               <a:t>Chcieliśmy</a:t>
             </a:r>
             <a:r>
-              <a:rPr lang="en-US" dirty="0"/>
-              <a:t> </a:t>
-            </a:r>
-            <a:r>
-              <a:rPr lang="en-US" dirty="0" err="1"/>
+              <a:rPr lang="en-US"/>
+              <a:t> </a:t>
+            </a:r>
+            <a:r>
+              <a:rPr lang="en-US" err="1"/>
               <a:t>więc</a:t>
             </a:r>
             <a:r>
-              <a:rPr lang="en-US" dirty="0"/>
-              <a:t> </a:t>
-            </a:r>
-            <a:r>
-              <a:rPr lang="en-US" dirty="0" err="1"/>
+              <a:rPr lang="en-US"/>
+              <a:t> </a:t>
+            </a:r>
+            <a:r>
+              <a:rPr lang="en-US" err="1"/>
               <a:t>stworzyć</a:t>
             </a:r>
             <a:r>
-              <a:rPr lang="en-US" dirty="0"/>
-              <a:t> </a:t>
-            </a:r>
-            <a:r>
-              <a:rPr lang="en-US" dirty="0" err="1"/>
+              <a:rPr lang="en-US"/>
+              <a:t> </a:t>
+            </a:r>
+            <a:r>
+              <a:rPr lang="en-US" err="1"/>
               <a:t>algorytm</a:t>
             </a:r>
             <a:r>
-              <a:rPr lang="en-US" dirty="0"/>
+              <a:rPr lang="en-US"/>
               <a:t>, </a:t>
             </a:r>
             <a:r>
-              <a:rPr lang="en-US" dirty="0" err="1"/>
+              <a:rPr lang="en-US" err="1"/>
               <a:t>który</a:t>
             </a:r>
             <a:r>
-              <a:rPr lang="en-US" dirty="0"/>
-              <a:t> </a:t>
-            </a:r>
-            <a:r>
-              <a:rPr lang="en-US" dirty="0" err="1"/>
+              <a:rPr lang="en-US"/>
+              <a:t> </a:t>
+            </a:r>
+            <a:r>
+              <a:rPr lang="en-US" err="1"/>
               <a:t>już</a:t>
             </a:r>
             <a:r>
-              <a:rPr lang="en-US" dirty="0"/>
-              <a:t> </a:t>
-            </a:r>
-            <a:r>
-              <a:rPr lang="en-US" dirty="0" err="1"/>
+              <a:rPr lang="en-US"/>
+              <a:t> </a:t>
+            </a:r>
+            <a:r>
+              <a:rPr lang="en-US" err="1"/>
               <a:t>na</a:t>
             </a:r>
             <a:r>
-              <a:rPr lang="en-US" dirty="0"/>
-              <a:t> </a:t>
-            </a:r>
-            <a:r>
-              <a:rPr lang="en-US" dirty="0" err="1"/>
+              <a:rPr lang="en-US"/>
+              <a:t> </a:t>
+            </a:r>
+            <a:r>
+              <a:rPr lang="en-US" err="1"/>
               <a:t>podstawie</a:t>
             </a:r>
             <a:r>
-              <a:rPr lang="en-US" dirty="0"/>
-              <a:t> </a:t>
-            </a:r>
-            <a:r>
-              <a:rPr lang="en-US" dirty="0" err="1"/>
+              <a:rPr lang="en-US"/>
+              <a:t> </a:t>
+            </a:r>
+            <a:r>
+              <a:rPr lang="en-US" err="1"/>
               <a:t>adresu</a:t>
             </a:r>
             <a:r>
-              <a:rPr lang="en-US" dirty="0"/>
+              <a:rPr lang="en-US"/>
               <a:t> URL </a:t>
             </a:r>
             <a:r>
-              <a:rPr lang="en-US" dirty="0" err="1"/>
+              <a:rPr lang="en-US" err="1"/>
               <a:t>będzie</a:t>
             </a:r>
             <a:r>
-              <a:rPr lang="en-US" dirty="0"/>
+              <a:rPr lang="en-US"/>
               <a:t> w </a:t>
             </a:r>
             <a:r>
-              <a:rPr lang="en-US" dirty="0" err="1"/>
+              <a:rPr lang="en-US" err="1"/>
               <a:t>stanie</a:t>
             </a:r>
             <a:r>
-              <a:rPr lang="en-US" dirty="0"/>
+              <a:rPr lang="en-US"/>
               <a:t> z </a:t>
             </a:r>
             <a:r>
-              <a:rPr lang="en-US" dirty="0" err="1"/>
+              <a:rPr lang="en-US" err="1"/>
               <a:t>dużym</a:t>
             </a:r>
             <a:r>
-              <a:rPr lang="en-US" dirty="0"/>
-              <a:t> </a:t>
-            </a:r>
-            <a:r>
-              <a:rPr lang="en-US" dirty="0" err="1"/>
+              <a:rPr lang="en-US"/>
+              <a:t> </a:t>
+            </a:r>
+            <a:r>
+              <a:rPr lang="en-US" err="1"/>
               <a:t>prawdpodobieństwem</a:t>
             </a:r>
             <a:r>
-              <a:rPr lang="en-US" dirty="0"/>
-              <a:t> </a:t>
-            </a:r>
-            <a:r>
-              <a:rPr lang="en-US" dirty="0" err="1"/>
+              <a:rPr lang="en-US"/>
+              <a:t> </a:t>
+            </a:r>
+            <a:r>
+              <a:rPr lang="en-US" err="1"/>
               <a:t>stwierdzić</a:t>
             </a:r>
             <a:r>
-              <a:rPr lang="en-US" dirty="0"/>
-              <a:t> </a:t>
-            </a:r>
-            <a:r>
-              <a:rPr lang="en-US" dirty="0" err="1"/>
+              <a:rPr lang="en-US"/>
+              <a:t> </a:t>
+            </a:r>
+            <a:r>
+              <a:rPr lang="en-US" err="1"/>
               <a:t>czy</a:t>
             </a:r>
             <a:r>
-              <a:rPr lang="en-US" dirty="0"/>
-              <a:t> </a:t>
-            </a:r>
-            <a:r>
-              <a:rPr lang="en-US" dirty="0" err="1"/>
+              <a:rPr lang="en-US"/>
+              <a:t> </a:t>
+            </a:r>
+            <a:r>
+              <a:rPr lang="en-US" err="1"/>
               <a:t>witryna</a:t>
             </a:r>
             <a:r>
-              <a:rPr lang="en-US" dirty="0"/>
+              <a:rPr lang="en-US"/>
               <a:t> jest </a:t>
             </a:r>
             <a:r>
-              <a:rPr lang="en-US" dirty="0" err="1"/>
+              <a:rPr lang="en-US" err="1"/>
               <a:t>podejrzana</a:t>
             </a:r>
             <a:r>
-              <a:rPr lang="en-US" dirty="0"/>
+              <a:rPr lang="en-US"/>
               <a:t>, </a:t>
             </a:r>
             <a:r>
-              <a:rPr lang="en-US" dirty="0" err="1"/>
+              <a:rPr lang="en-US" err="1"/>
               <a:t>nawet</a:t>
             </a:r>
             <a:r>
-              <a:rPr lang="en-US" dirty="0"/>
-              <a:t> </a:t>
-            </a:r>
-            <a:r>
-              <a:rPr lang="en-US" dirty="0" err="1"/>
+              <a:rPr lang="en-US"/>
+              <a:t> </a:t>
+            </a:r>
+            <a:r>
+              <a:rPr lang="en-US" err="1"/>
               <a:t>jeżeli</a:t>
             </a:r>
             <a:r>
-              <a:rPr lang="en-US" dirty="0"/>
-              <a:t> </a:t>
-            </a:r>
-            <a:r>
-              <a:rPr lang="en-US" dirty="0" err="1"/>
+              <a:rPr lang="en-US"/>
+              <a:t> </a:t>
+            </a:r>
+            <a:r>
+              <a:rPr lang="en-US" err="1"/>
               <a:t>nie</a:t>
             </a:r>
             <a:r>
-              <a:rPr lang="en-US" dirty="0"/>
-              <a:t> </a:t>
-            </a:r>
-            <a:r>
-              <a:rPr lang="en-US" dirty="0" err="1"/>
+              <a:rPr lang="en-US"/>
+              <a:t> </a:t>
+            </a:r>
+            <a:r>
+              <a:rPr lang="en-US" err="1"/>
               <a:t>znajduje</a:t>
             </a:r>
             <a:r>
-              <a:rPr lang="en-US" dirty="0"/>
-              <a:t> </a:t>
-            </a:r>
-            <a:r>
-              <a:rPr lang="en-US" dirty="0" err="1"/>
+              <a:rPr lang="en-US"/>
+              <a:t> </a:t>
+            </a:r>
+            <a:r>
+              <a:rPr lang="en-US" err="1"/>
               <a:t>się</a:t>
             </a:r>
             <a:r>
-              <a:rPr lang="en-US" dirty="0"/>
-              <a:t> </a:t>
-            </a:r>
-            <a:r>
-              <a:rPr lang="en-US" dirty="0" err="1"/>
+              <a:rPr lang="en-US"/>
+              <a:t> </a:t>
+            </a:r>
+            <a:r>
+              <a:rPr lang="en-US" err="1"/>
               <a:t>na</a:t>
             </a:r>
             <a:r>
-              <a:rPr lang="en-US" dirty="0"/>
-              <a:t> </a:t>
-            </a:r>
-            <a:r>
-              <a:rPr lang="en-US" dirty="0" err="1"/>
+              <a:rPr lang="en-US"/>
+              <a:t> </a:t>
+            </a:r>
+            <a:r>
+              <a:rPr lang="en-US" err="1"/>
               <a:t>żadnej</a:t>
             </a:r>
             <a:r>
-              <a:rPr lang="en-US" dirty="0"/>
+              <a:rPr lang="en-US"/>
               <a:t> z </a:t>
             </a:r>
             <a:r>
-              <a:rPr lang="en-US" dirty="0" err="1"/>
+              <a:rPr lang="en-US" err="1"/>
               <a:t>popularnych</a:t>
             </a:r>
             <a:r>
-              <a:rPr lang="en-US" dirty="0"/>
+              <a:rPr lang="en-US"/>
               <a:t> list. </a:t>
             </a:r>
-            <a:endParaRPr lang="en-US" dirty="0">
+            <a:endParaRPr lang="en-US">
               <a:cs typeface="Calibri"/>
             </a:endParaRPr>
           </a:p>
@@ -12020,6 +12089,108 @@
     <p:extLst>
       <p:ext uri="{BB962C8B-B14F-4D97-AF65-F5344CB8AC3E}">
         <p14:creationId xmlns:p14="http://schemas.microsoft.com/office/powerpoint/2010/main" val="8681065"/>
+      </p:ext>
+    </p:extLst>
+  </p:cSld>
+  <p:clrMapOvr>
+    <a:masterClrMapping/>
+  </p:clrMapOvr>
+</p:notes>
+</file>
+
+<file path=ppt/notesSlides/notesSlide10.xml><?xml version="1.0" encoding="utf-8"?>
+<p:notes xmlns:a="http://schemas.openxmlformats.org/drawingml/2006/main" xmlns:r="http://schemas.openxmlformats.org/officeDocument/2006/relationships" xmlns:p="http://schemas.openxmlformats.org/presentationml/2006/main">
+  <p:cSld>
+    <p:spTree>
+      <p:nvGrpSpPr>
+        <p:cNvPr id="1" name=""/>
+        <p:cNvGrpSpPr/>
+        <p:nvPr/>
+      </p:nvGrpSpPr>
+      <p:grpSpPr>
+        <a:xfrm>
+          <a:off x="0" y="0"/>
+          <a:ext cx="0" cy="0"/>
+          <a:chOff x="0" y="0"/>
+          <a:chExt cx="0" cy="0"/>
+        </a:xfrm>
+      </p:grpSpPr>
+      <p:sp>
+        <p:nvSpPr>
+          <p:cNvPr id="2" name="Symbol zastępczy obrazu slajdu 1"/>
+          <p:cNvSpPr>
+            <a:spLocks noGrp="1" noRot="1" noChangeAspect="1"/>
+          </p:cNvSpPr>
+          <p:nvPr>
+            <p:ph type="sldImg"/>
+          </p:nvPr>
+        </p:nvSpPr>
+        <p:spPr/>
+      </p:sp>
+      <p:sp>
+        <p:nvSpPr>
+          <p:cNvPr id="3" name="Symbol zastępczy notatek 2"/>
+          <p:cNvSpPr>
+            <a:spLocks noGrp="1"/>
+          </p:cNvSpPr>
+          <p:nvPr>
+            <p:ph type="body" idx="1"/>
+          </p:nvPr>
+        </p:nvSpPr>
+        <p:spPr/>
+        <p:txBody>
+          <a:bodyPr/>
+          <a:lstStyle/>
+          <a:p>
+            <a:r>
+              <a:rPr lang="pl-PL" dirty="0">
+                <a:cs typeface="Calibri"/>
+              </a:rPr>
+              <a:t>Pierwszym I oczywistym krokiem byłoby stworzenie wtyczki do klientów pocztowych. Tam też mamy odczynienia z podejrzanymi adresami w samych mailach I nasz model byłby je w stanie rozpoznać.</a:t>
+            </a:r>
+          </a:p>
+          <a:p>
+            <a:endParaRPr lang="pl-PL" dirty="0">
+              <a:cs typeface="Calibri"/>
+            </a:endParaRPr>
+          </a:p>
+          <a:p>
+            <a:r>
+              <a:rPr lang="pl-PL" dirty="0">
+                <a:cs typeface="Calibri"/>
+              </a:rPr>
+              <a:t>Kolejnym jest własny kontener, który klient mógłby umieścić na własnym serwerze lub u siebie w chmurze jako filtr.  Ewentualnie dla entuzjastów, którzy chcieliby mieć cały system pod kontrolą, na własnym sprzęcie  i blisko siebie.</a:t>
+            </a:r>
+          </a:p>
+        </p:txBody>
+      </p:sp>
+      <p:sp>
+        <p:nvSpPr>
+          <p:cNvPr id="4" name="Symbol zastępczy numeru slajdu 3"/>
+          <p:cNvSpPr>
+            <a:spLocks noGrp="1"/>
+          </p:cNvSpPr>
+          <p:nvPr>
+            <p:ph type="sldNum" sz="quarter" idx="5"/>
+          </p:nvPr>
+        </p:nvSpPr>
+        <p:spPr/>
+        <p:txBody>
+          <a:bodyPr/>
+          <a:lstStyle/>
+          <a:p>
+            <a:fld id="{AD18D8B3-92B5-4C4E-BD9C-21C8EB5DFDFB}" type="slidenum">
+              <a:rPr lang="pl-PL"/>
+              <a:t>10</a:t>
+            </a:fld>
+            <a:endParaRPr lang="pl-PL"/>
+          </a:p>
+        </p:txBody>
+      </p:sp>
+    </p:spTree>
+    <p:extLst>
+      <p:ext uri="{BB962C8B-B14F-4D97-AF65-F5344CB8AC3E}">
+        <p14:creationId xmlns:p14="http://schemas.microsoft.com/office/powerpoint/2010/main" val="2716373045"/>
       </p:ext>
     </p:extLst>
   </p:cSld>
@@ -12074,18 +12245,18 @@
           <a:lstStyle/>
           <a:p>
             <a:r>
-              <a:rPr lang="pl-PL" dirty="0"/>
+              <a:rPr lang="pl-PL"/>
               <a:t>Zaproponowana przez nas architektura jest bardzo prosta, użytkownik instaluje wyłącznie wtyczkę do przeglądarki. Takie wtyczki można instalować na większości urządzeń, dzięki czemu użytkownik będzie mógł być chroniony wszędzie. Sama wtyczka wysyła do naszego API cały adres URL witryny, na której obecnie znajduje się użytkownik.</a:t>
             </a:r>
           </a:p>
           <a:p>
-            <a:endParaRPr lang="pl-PL" dirty="0">
+            <a:endParaRPr lang="pl-PL">
               <a:cs typeface="Calibri"/>
             </a:endParaRPr>
           </a:p>
           <a:p>
             <a:r>
-              <a:rPr lang="pl-PL" dirty="0">
+              <a:rPr lang="pl-PL">
                 <a:cs typeface="Calibri"/>
               </a:rPr>
               <a:t>Co jest ważne, taka wtyczka nie przerywa ładowania strony - więc nie wpłynie na czas ładowania dobrych stron.</a:t>
@@ -12174,586 +12345,586 @@
           <a:lstStyle/>
           <a:p>
             <a:r>
-              <a:rPr lang="en-US" dirty="0"/>
+              <a:rPr lang="en-US"/>
               <a:t>Na </a:t>
             </a:r>
             <a:r>
-              <a:rPr lang="en-US" dirty="0" err="1"/>
+              <a:rPr lang="en-US" err="1"/>
               <a:t>stronie</a:t>
             </a:r>
             <a:r>
-              <a:rPr lang="en-US" dirty="0"/>
+              <a:rPr lang="en-US"/>
               <a:t> CERT Polska </a:t>
             </a:r>
             <a:r>
-              <a:rPr lang="en-US" dirty="0" err="1"/>
+              <a:rPr lang="en-US" err="1"/>
               <a:t>znaleźliśmy</a:t>
             </a:r>
             <a:r>
-              <a:rPr lang="en-US" dirty="0"/>
-              <a:t> </a:t>
-            </a:r>
-            <a:r>
-              <a:rPr lang="en-US" dirty="0" err="1"/>
+              <a:rPr lang="en-US"/>
+              <a:t> </a:t>
+            </a:r>
+            <a:r>
+              <a:rPr lang="en-US" err="1"/>
               <a:t>dane</a:t>
             </a:r>
             <a:r>
-              <a:rPr lang="en-US" dirty="0"/>
-              <a:t> </a:t>
-            </a:r>
-            <a:r>
-              <a:rPr lang="en-US" dirty="0" err="1"/>
+              <a:rPr lang="en-US"/>
+              <a:t> </a:t>
+            </a:r>
+            <a:r>
+              <a:rPr lang="en-US" err="1"/>
               <a:t>dotyczące</a:t>
             </a:r>
             <a:r>
-              <a:rPr lang="en-US" dirty="0"/>
-              <a:t> </a:t>
-            </a:r>
-            <a:r>
-              <a:rPr lang="en-US" dirty="0" err="1"/>
+              <a:rPr lang="en-US"/>
+              <a:t> </a:t>
+            </a:r>
+            <a:r>
+              <a:rPr lang="en-US" err="1"/>
               <a:t>domen</a:t>
             </a:r>
             <a:r>
-              <a:rPr lang="en-US" dirty="0"/>
-              <a:t> </a:t>
-            </a:r>
-            <a:r>
-              <a:rPr lang="en-US" dirty="0" err="1"/>
+              <a:rPr lang="en-US"/>
+              <a:t> </a:t>
+            </a:r>
+            <a:r>
+              <a:rPr lang="en-US" err="1"/>
               <a:t>uznanych</a:t>
             </a:r>
             <a:r>
-              <a:rPr lang="en-US" dirty="0"/>
+              <a:rPr lang="en-US"/>
               <a:t> za </a:t>
             </a:r>
             <a:r>
-              <a:rPr lang="en-US" dirty="0" err="1"/>
+              <a:rPr lang="en-US" err="1"/>
               <a:t>niebezpieczne</a:t>
             </a:r>
             <a:r>
-              <a:rPr lang="en-US" dirty="0"/>
+              <a:rPr lang="en-US"/>
               <a:t>. Dane </a:t>
             </a:r>
             <a:r>
-              <a:rPr lang="en-US" dirty="0" err="1"/>
+              <a:rPr lang="en-US" err="1"/>
               <a:t>na</a:t>
             </a:r>
             <a:r>
-              <a:rPr lang="en-US" dirty="0"/>
-              <a:t> </a:t>
-            </a:r>
-            <a:r>
-              <a:rPr lang="en-US" dirty="0" err="1"/>
+              <a:rPr lang="en-US"/>
+              <a:t> </a:t>
+            </a:r>
+            <a:r>
+              <a:rPr lang="en-US" err="1"/>
               <a:t>niej</a:t>
             </a:r>
             <a:r>
-              <a:rPr lang="en-US" dirty="0"/>
-              <a:t> </a:t>
-            </a:r>
-            <a:r>
-              <a:rPr lang="en-US" dirty="0" err="1"/>
+              <a:rPr lang="en-US"/>
+              <a:t> </a:t>
+            </a:r>
+            <a:r>
+              <a:rPr lang="en-US" err="1"/>
               <a:t>umieszczone</a:t>
             </a:r>
             <a:r>
-              <a:rPr lang="en-US" dirty="0"/>
-              <a:t> </a:t>
-            </a:r>
-            <a:r>
-              <a:rPr lang="en-US" dirty="0" err="1"/>
+              <a:rPr lang="en-US"/>
+              <a:t> </a:t>
+            </a:r>
+            <a:r>
+              <a:rPr lang="en-US" err="1"/>
               <a:t>są</a:t>
             </a:r>
             <a:r>
-              <a:rPr lang="en-US" dirty="0"/>
-              <a:t> </a:t>
-            </a:r>
-            <a:r>
-              <a:rPr lang="en-US" dirty="0" err="1"/>
+              <a:rPr lang="en-US"/>
+              <a:t> </a:t>
+            </a:r>
+            <a:r>
+              <a:rPr lang="en-US" err="1"/>
               <a:t>ręcznie</a:t>
             </a:r>
             <a:r>
-              <a:rPr lang="en-US" dirty="0"/>
-              <a:t> </a:t>
-            </a:r>
-            <a:r>
-              <a:rPr lang="en-US" dirty="0" err="1"/>
+              <a:rPr lang="en-US"/>
+              <a:t> </a:t>
+            </a:r>
+            <a:r>
+              <a:rPr lang="en-US" err="1"/>
               <a:t>sprawdzane</a:t>
             </a:r>
             <a:r>
-              <a:rPr lang="en-US" dirty="0"/>
+              <a:rPr lang="en-US"/>
               <a:t>, </a:t>
             </a:r>
             <a:r>
-              <a:rPr lang="en-US" dirty="0" err="1"/>
+              <a:rPr lang="en-US" err="1"/>
               <a:t>stanowią</a:t>
             </a:r>
             <a:r>
-              <a:rPr lang="en-US" dirty="0"/>
-              <a:t> </a:t>
-            </a:r>
-            <a:r>
-              <a:rPr lang="en-US" dirty="0" err="1"/>
+              <a:rPr lang="en-US"/>
+              <a:t> </a:t>
+            </a:r>
+            <a:r>
+              <a:rPr lang="en-US" err="1"/>
               <a:t>więc</a:t>
             </a:r>
             <a:r>
-              <a:rPr lang="en-US" dirty="0"/>
-              <a:t> </a:t>
-            </a:r>
-            <a:r>
-              <a:rPr lang="en-US" dirty="0" err="1"/>
+              <a:rPr lang="en-US"/>
+              <a:t> </a:t>
+            </a:r>
+            <a:r>
+              <a:rPr lang="en-US" err="1"/>
               <a:t>idealne</a:t>
             </a:r>
             <a:r>
-              <a:rPr lang="en-US" dirty="0"/>
-              <a:t> </a:t>
-            </a:r>
-            <a:r>
-              <a:rPr lang="en-US" dirty="0" err="1"/>
+              <a:rPr lang="en-US"/>
+              <a:t> </a:t>
+            </a:r>
+            <a:r>
+              <a:rPr lang="en-US" err="1"/>
               <a:t>źródło</a:t>
             </a:r>
             <a:r>
-              <a:rPr lang="en-US" dirty="0"/>
-              <a:t> </a:t>
-            </a:r>
-            <a:r>
-              <a:rPr lang="en-US" dirty="0" err="1"/>
+              <a:rPr lang="en-US"/>
+              <a:t> </a:t>
+            </a:r>
+            <a:r>
+              <a:rPr lang="en-US" err="1"/>
               <a:t>danych</a:t>
             </a:r>
             <a:r>
-              <a:rPr lang="en-US" dirty="0"/>
-              <a:t> </a:t>
-            </a:r>
-            <a:r>
-              <a:rPr lang="en-US" dirty="0" err="1"/>
+              <a:rPr lang="en-US"/>
+              <a:t> </a:t>
+            </a:r>
+            <a:r>
+              <a:rPr lang="en-US" err="1"/>
               <a:t>dla</a:t>
             </a:r>
             <a:r>
-              <a:rPr lang="en-US" dirty="0"/>
-              <a:t> </a:t>
-            </a:r>
-            <a:r>
-              <a:rPr lang="en-US" dirty="0" err="1"/>
+              <a:rPr lang="en-US"/>
+              <a:t> </a:t>
+            </a:r>
+            <a:r>
+              <a:rPr lang="en-US" err="1"/>
               <a:t>algorytmów</a:t>
             </a:r>
             <a:r>
-              <a:rPr lang="en-US" dirty="0"/>
+              <a:rPr lang="en-US"/>
               <a:t>.</a:t>
             </a:r>
-            <a:endParaRPr lang="pl-PL" dirty="0"/>
+            <a:endParaRPr lang="pl-PL"/>
           </a:p>
           <a:p>
             <a:r>
-              <a:rPr lang="en-US" dirty="0"/>
+              <a:rPr lang="en-US"/>
               <a:t> </a:t>
             </a:r>
-            <a:endParaRPr lang="pl-PL" dirty="0"/>
+            <a:endParaRPr lang="pl-PL"/>
           </a:p>
           <a:p>
             <a:r>
-              <a:rPr lang="en-US" dirty="0"/>
+              <a:rPr lang="en-US"/>
               <a:t>Na </a:t>
             </a:r>
             <a:r>
-              <a:rPr lang="en-US" dirty="0" err="1"/>
+              <a:rPr lang="en-US" err="1"/>
               <a:t>stronie</a:t>
             </a:r>
             <a:r>
-              <a:rPr lang="en-US" dirty="0"/>
-              <a:t> </a:t>
-            </a:r>
-            <a:r>
-              <a:rPr lang="en-US" dirty="0" err="1"/>
+              <a:rPr lang="en-US"/>
+              <a:t> </a:t>
+            </a:r>
+            <a:r>
+              <a:rPr lang="en-US" err="1"/>
               <a:t>OtwarteDane</a:t>
             </a:r>
             <a:r>
-              <a:rPr lang="en-US" dirty="0"/>
+              <a:rPr lang="en-US"/>
               <a:t> gov pl </a:t>
             </a:r>
             <a:r>
-              <a:rPr lang="en-US" dirty="0" err="1"/>
+              <a:rPr lang="en-US" err="1"/>
               <a:t>znaleźliśmy</a:t>
             </a:r>
             <a:r>
-              <a:rPr lang="en-US" dirty="0"/>
-              <a:t> </a:t>
-            </a:r>
-            <a:r>
-              <a:rPr lang="en-US" dirty="0" err="1"/>
+              <a:rPr lang="en-US"/>
+              <a:t> </a:t>
+            </a:r>
+            <a:r>
+              <a:rPr lang="en-US" err="1"/>
               <a:t>dane</a:t>
             </a:r>
             <a:r>
-              <a:rPr lang="en-US" dirty="0"/>
+              <a:rPr lang="en-US"/>
               <a:t> z </a:t>
             </a:r>
             <a:r>
-              <a:rPr lang="en-US" dirty="0" err="1"/>
+              <a:rPr lang="en-US" err="1"/>
               <a:t>listą</a:t>
             </a:r>
             <a:r>
-              <a:rPr lang="en-US" dirty="0"/>
-              <a:t> </a:t>
-            </a:r>
-            <a:r>
-              <a:rPr lang="en-US" dirty="0" err="1"/>
+              <a:rPr lang="en-US"/>
+              <a:t> </a:t>
+            </a:r>
+            <a:r>
+              <a:rPr lang="en-US" err="1"/>
               <a:t>rządowych</a:t>
             </a:r>
             <a:r>
-              <a:rPr lang="en-US" dirty="0"/>
-              <a:t> </a:t>
-            </a:r>
-            <a:r>
-              <a:rPr lang="en-US" dirty="0" err="1"/>
+              <a:rPr lang="en-US"/>
+              <a:t> </a:t>
+            </a:r>
+            <a:r>
+              <a:rPr lang="en-US" err="1"/>
               <a:t>stron</a:t>
             </a:r>
             <a:r>
-              <a:rPr lang="en-US" dirty="0"/>
+              <a:rPr lang="en-US"/>
               <a:t>. Problem z </a:t>
             </a:r>
             <a:r>
-              <a:rPr lang="en-US" dirty="0" err="1"/>
+              <a:rPr lang="en-US" err="1"/>
               <a:t>tymi</a:t>
             </a:r>
             <a:r>
-              <a:rPr lang="en-US" dirty="0"/>
-              <a:t> </a:t>
-            </a:r>
-            <a:r>
-              <a:rPr lang="en-US" dirty="0" err="1"/>
+              <a:rPr lang="en-US"/>
+              <a:t> </a:t>
+            </a:r>
+            <a:r>
+              <a:rPr lang="en-US" err="1"/>
               <a:t>danymi</a:t>
             </a:r>
             <a:r>
-              <a:rPr lang="en-US" dirty="0"/>
+              <a:rPr lang="en-US"/>
               <a:t> jest </a:t>
             </a:r>
             <a:r>
-              <a:rPr lang="en-US" dirty="0" err="1"/>
+              <a:rPr lang="en-US" err="1"/>
               <a:t>taki</a:t>
             </a:r>
             <a:r>
-              <a:rPr lang="en-US" dirty="0"/>
+              <a:rPr lang="en-US"/>
               <a:t>, </a:t>
             </a:r>
             <a:r>
-              <a:rPr lang="en-US" dirty="0" err="1"/>
+              <a:rPr lang="en-US" err="1"/>
               <a:t>że</a:t>
             </a:r>
             <a:r>
-              <a:rPr lang="en-US" dirty="0"/>
-              <a:t> </a:t>
-            </a:r>
-            <a:r>
-              <a:rPr lang="en-US" dirty="0" err="1"/>
+              <a:rPr lang="en-US"/>
+              <a:t> </a:t>
+            </a:r>
+            <a:r>
+              <a:rPr lang="en-US" err="1"/>
               <a:t>większość</a:t>
             </a:r>
             <a:r>
-              <a:rPr lang="en-US" dirty="0"/>
-              <a:t> </a:t>
-            </a:r>
-            <a:r>
-              <a:rPr lang="en-US" dirty="0" err="1"/>
+              <a:rPr lang="en-US"/>
+              <a:t> </a:t>
+            </a:r>
+            <a:r>
+              <a:rPr lang="en-US" err="1"/>
               <a:t>tych</a:t>
             </a:r>
             <a:r>
-              <a:rPr lang="en-US" dirty="0"/>
-              <a:t> </a:t>
-            </a:r>
-            <a:r>
-              <a:rPr lang="en-US" dirty="0" err="1"/>
+              <a:rPr lang="en-US"/>
+              <a:t> </a:t>
+            </a:r>
+            <a:r>
+              <a:rPr lang="en-US" err="1"/>
               <a:t>domen</a:t>
             </a:r>
             <a:r>
-              <a:rPr lang="en-US" dirty="0"/>
-              <a:t> </a:t>
-            </a:r>
-            <a:r>
-              <a:rPr lang="en-US" dirty="0" err="1"/>
+              <a:rPr lang="en-US"/>
+              <a:t> </a:t>
+            </a:r>
+            <a:r>
+              <a:rPr lang="en-US" err="1"/>
               <a:t>została</a:t>
             </a:r>
             <a:r>
-              <a:rPr lang="en-US" dirty="0"/>
-              <a:t> </a:t>
-            </a:r>
-            <a:r>
-              <a:rPr lang="en-US" dirty="0" err="1"/>
+              <a:rPr lang="en-US"/>
+              <a:t> </a:t>
+            </a:r>
+            <a:r>
+              <a:rPr lang="en-US" err="1"/>
               <a:t>wpisana</a:t>
             </a:r>
             <a:r>
-              <a:rPr lang="en-US" dirty="0"/>
-              <a:t> </a:t>
-            </a:r>
-            <a:r>
-              <a:rPr lang="en-US" dirty="0" err="1"/>
+              <a:rPr lang="en-US"/>
+              <a:t> </a:t>
+            </a:r>
+            <a:r>
+              <a:rPr lang="en-US" err="1"/>
               <a:t>ręcznie</a:t>
             </a:r>
             <a:r>
-              <a:rPr lang="en-US" dirty="0"/>
-              <a:t> </a:t>
-            </a:r>
-            <a:r>
-              <a:rPr lang="en-US" dirty="0" err="1"/>
+              <a:rPr lang="en-US"/>
+              <a:t> </a:t>
+            </a:r>
+            <a:r>
+              <a:rPr lang="en-US" err="1"/>
               <a:t>i</a:t>
             </a:r>
             <a:r>
-              <a:rPr lang="en-US" dirty="0"/>
-              <a:t> </a:t>
-            </a:r>
-            <a:r>
-              <a:rPr lang="en-US" dirty="0" err="1"/>
+              <a:rPr lang="en-US"/>
+              <a:t> </a:t>
+            </a:r>
+            <a:r>
+              <a:rPr lang="en-US" err="1"/>
               <a:t>zawiera</a:t>
             </a:r>
             <a:r>
-              <a:rPr lang="en-US" dirty="0"/>
-              <a:t> </a:t>
-            </a:r>
-            <a:r>
-              <a:rPr lang="en-US" dirty="0" err="1"/>
+              <a:rPr lang="en-US"/>
+              <a:t> </a:t>
+            </a:r>
+            <a:r>
+              <a:rPr lang="en-US" err="1"/>
               <a:t>błędy</a:t>
             </a:r>
             <a:r>
-              <a:rPr lang="en-US" dirty="0"/>
-              <a:t> </a:t>
-            </a:r>
-            <a:r>
-              <a:rPr lang="en-US" dirty="0" err="1"/>
+              <a:rPr lang="en-US"/>
+              <a:t> </a:t>
+            </a:r>
+            <a:r>
+              <a:rPr lang="en-US" err="1"/>
               <a:t>i</a:t>
             </a:r>
             <a:r>
-              <a:rPr lang="en-US" dirty="0"/>
-              <a:t> </a:t>
-            </a:r>
-            <a:r>
-              <a:rPr lang="en-US" dirty="0" err="1"/>
+              <a:rPr lang="en-US"/>
+              <a:t> </a:t>
+            </a:r>
+            <a:r>
+              <a:rPr lang="en-US" err="1"/>
               <a:t>literówki</a:t>
             </a:r>
             <a:r>
-              <a:rPr lang="en-US" dirty="0"/>
+              <a:rPr lang="en-US"/>
               <a:t>. Dane </a:t>
             </a:r>
             <a:r>
-              <a:rPr lang="en-US" dirty="0" err="1"/>
+              <a:rPr lang="en-US" err="1"/>
               <a:t>te</a:t>
             </a:r>
             <a:r>
-              <a:rPr lang="en-US" dirty="0"/>
-              <a:t> </a:t>
-            </a:r>
-            <a:r>
-              <a:rPr lang="en-US" dirty="0" err="1"/>
+              <a:rPr lang="en-US"/>
+              <a:t> </a:t>
+            </a:r>
+            <a:r>
+              <a:rPr lang="en-US" err="1"/>
               <a:t>zostały</a:t>
             </a:r>
             <a:r>
-              <a:rPr lang="en-US" dirty="0"/>
-              <a:t> </a:t>
-            </a:r>
-            <a:r>
-              <a:rPr lang="en-US" dirty="0" err="1"/>
+              <a:rPr lang="en-US"/>
+              <a:t> </a:t>
+            </a:r>
+            <a:r>
+              <a:rPr lang="en-US" err="1"/>
               <a:t>więc</a:t>
             </a:r>
             <a:r>
-              <a:rPr lang="en-US" dirty="0"/>
-              <a:t> </a:t>
-            </a:r>
-            <a:r>
-              <a:rPr lang="en-US" dirty="0" err="1"/>
+              <a:rPr lang="en-US"/>
+              <a:t> </a:t>
+            </a:r>
+            <a:r>
+              <a:rPr lang="en-US" err="1"/>
               <a:t>na</a:t>
             </a:r>
             <a:r>
-              <a:rPr lang="en-US" dirty="0"/>
-              <a:t> </a:t>
-            </a:r>
-            <a:r>
-              <a:rPr lang="en-US" dirty="0" err="1"/>
+              <a:rPr lang="en-US"/>
+              <a:t> </a:t>
+            </a:r>
+            <a:r>
+              <a:rPr lang="en-US" err="1"/>
               <a:t>chwilę</a:t>
             </a:r>
             <a:r>
-              <a:rPr lang="en-US" dirty="0"/>
-              <a:t> </a:t>
-            </a:r>
-            <a:r>
-              <a:rPr lang="en-US" dirty="0" err="1"/>
+              <a:rPr lang="en-US"/>
+              <a:t> </a:t>
+            </a:r>
+            <a:r>
+              <a:rPr lang="en-US" err="1"/>
               <a:t>obecną</a:t>
             </a:r>
             <a:r>
-              <a:rPr lang="en-US" dirty="0"/>
-              <a:t> </a:t>
-            </a:r>
-            <a:r>
-              <a:rPr lang="en-US" dirty="0" err="1"/>
+              <a:rPr lang="en-US"/>
+              <a:t> </a:t>
+            </a:r>
+            <a:r>
+              <a:rPr lang="en-US" err="1"/>
               <a:t>odrzucone</a:t>
             </a:r>
             <a:r>
-              <a:rPr lang="en-US" dirty="0"/>
+              <a:rPr lang="en-US"/>
               <a:t>, </a:t>
             </a:r>
             <a:r>
-              <a:rPr lang="en-US" dirty="0" err="1"/>
+              <a:rPr lang="en-US" err="1"/>
               <a:t>gdyż</a:t>
             </a:r>
             <a:r>
-              <a:rPr lang="en-US" dirty="0"/>
-              <a:t> </a:t>
-            </a:r>
-            <a:r>
-              <a:rPr lang="en-US" dirty="0" err="1"/>
+              <a:rPr lang="en-US"/>
+              <a:t> </a:t>
+            </a:r>
+            <a:r>
+              <a:rPr lang="en-US" err="1"/>
               <a:t>wymagają</a:t>
             </a:r>
             <a:r>
-              <a:rPr lang="en-US" dirty="0"/>
-              <a:t> </a:t>
-            </a:r>
-            <a:r>
-              <a:rPr lang="en-US" dirty="0" err="1"/>
+              <a:rPr lang="en-US"/>
+              <a:t> </a:t>
+            </a:r>
+            <a:r>
+              <a:rPr lang="en-US" err="1"/>
               <a:t>ręcznej</a:t>
             </a:r>
             <a:r>
-              <a:rPr lang="en-US" dirty="0"/>
-              <a:t> </a:t>
-            </a:r>
-            <a:r>
-              <a:rPr lang="en-US" dirty="0" err="1"/>
+              <a:rPr lang="en-US"/>
+              <a:t> </a:t>
+            </a:r>
+            <a:r>
+              <a:rPr lang="en-US" err="1"/>
               <a:t>poprawy</a:t>
             </a:r>
             <a:r>
-              <a:rPr lang="en-US" dirty="0"/>
+              <a:rPr lang="en-US"/>
               <a:t>.</a:t>
             </a:r>
-            <a:endParaRPr lang="pl-PL" dirty="0"/>
+            <a:endParaRPr lang="pl-PL"/>
           </a:p>
           <a:p>
             <a:r>
-              <a:rPr lang="en-US" dirty="0"/>
+              <a:rPr lang="en-US"/>
               <a:t> </a:t>
             </a:r>
-            <a:endParaRPr lang="pl-PL" dirty="0"/>
+            <a:endParaRPr lang="pl-PL"/>
           </a:p>
           <a:p>
             <a:r>
-              <a:rPr lang="en-US" dirty="0" err="1"/>
+              <a:rPr lang="en-US" err="1"/>
               <a:t>Oprócz</a:t>
             </a:r>
             <a:r>
-              <a:rPr lang="en-US" dirty="0"/>
-              <a:t> </a:t>
-            </a:r>
-            <a:r>
-              <a:rPr lang="en-US" dirty="0" err="1"/>
+              <a:rPr lang="en-US"/>
+              <a:t> </a:t>
+            </a:r>
+            <a:r>
+              <a:rPr lang="en-US" err="1"/>
               <a:t>danych</a:t>
             </a:r>
             <a:r>
-              <a:rPr lang="en-US" dirty="0"/>
+              <a:rPr lang="en-US"/>
               <a:t> z </a:t>
             </a:r>
             <a:r>
-              <a:rPr lang="en-US" dirty="0" err="1"/>
+              <a:rPr lang="en-US" err="1"/>
               <a:t>certu</a:t>
             </a:r>
             <a:r>
-              <a:rPr lang="en-US" dirty="0"/>
-              <a:t> </a:t>
-            </a:r>
-            <a:r>
-              <a:rPr lang="en-US" dirty="0" err="1"/>
+              <a:rPr lang="en-US"/>
+              <a:t> </a:t>
+            </a:r>
+            <a:r>
+              <a:rPr lang="en-US" err="1"/>
               <a:t>wykorzystaliśmy</a:t>
             </a:r>
             <a:r>
-              <a:rPr lang="en-US" dirty="0"/>
-              <a:t> </a:t>
-            </a:r>
-            <a:r>
-              <a:rPr lang="en-US" dirty="0" err="1"/>
+              <a:rPr lang="en-US"/>
+              <a:t> </a:t>
+            </a:r>
+            <a:r>
+              <a:rPr lang="en-US" err="1"/>
               <a:t>dane</a:t>
             </a:r>
             <a:r>
-              <a:rPr lang="en-US" dirty="0"/>
+              <a:rPr lang="en-US"/>
               <a:t> z </a:t>
             </a:r>
             <a:r>
-              <a:rPr lang="en-US" dirty="0" err="1"/>
+              <a:rPr lang="en-US" err="1"/>
               <a:t>wielu</a:t>
             </a:r>
             <a:r>
-              <a:rPr lang="en-US" dirty="0"/>
-              <a:t> </a:t>
-            </a:r>
-            <a:r>
-              <a:rPr lang="en-US" dirty="0" err="1"/>
+              <a:rPr lang="en-US"/>
+              <a:t> </a:t>
+            </a:r>
+            <a:r>
+              <a:rPr lang="en-US" err="1"/>
               <a:t>innych</a:t>
             </a:r>
             <a:r>
-              <a:rPr lang="en-US" dirty="0"/>
-              <a:t> </a:t>
-            </a:r>
-            <a:r>
-              <a:rPr lang="en-US" dirty="0" err="1"/>
+              <a:rPr lang="en-US"/>
+              <a:t> </a:t>
+            </a:r>
+            <a:r>
+              <a:rPr lang="en-US" err="1"/>
               <a:t>stron</a:t>
             </a:r>
             <a:r>
-              <a:rPr lang="en-US" dirty="0"/>
+              <a:rPr lang="en-US"/>
               <a:t>, </a:t>
             </a:r>
             <a:r>
-              <a:rPr lang="en-US" dirty="0" err="1"/>
+              <a:rPr lang="en-US" err="1"/>
               <a:t>których</a:t>
             </a:r>
             <a:r>
-              <a:rPr lang="en-US" dirty="0"/>
-              <a:t> </a:t>
-            </a:r>
-            <a:r>
-              <a:rPr lang="en-US" dirty="0" err="1"/>
+              <a:rPr lang="en-US"/>
+              <a:t> </a:t>
+            </a:r>
+            <a:r>
+              <a:rPr lang="en-US" err="1"/>
               <a:t>nie</a:t>
             </a:r>
             <a:r>
-              <a:rPr lang="en-US" dirty="0"/>
-              <a:t> </a:t>
-            </a:r>
-            <a:r>
-              <a:rPr lang="en-US" dirty="0" err="1"/>
+              <a:rPr lang="en-US"/>
+              <a:t> </a:t>
+            </a:r>
+            <a:r>
+              <a:rPr lang="en-US" err="1"/>
               <a:t>wymienimy</a:t>
             </a:r>
             <a:r>
-              <a:rPr lang="en-US" dirty="0"/>
+              <a:rPr lang="en-US"/>
               <a:t>, ale od </a:t>
             </a:r>
             <a:r>
-              <a:rPr lang="en-US" dirty="0" err="1"/>
+              <a:rPr lang="en-US" err="1"/>
               <a:t>wszystkich</a:t>
             </a:r>
             <a:r>
-              <a:rPr lang="en-US" dirty="0"/>
-              <a:t> </a:t>
-            </a:r>
-            <a:r>
-              <a:rPr lang="en-US" dirty="0" err="1"/>
+              <a:rPr lang="en-US"/>
+              <a:t> </a:t>
+            </a:r>
+            <a:r>
+              <a:rPr lang="en-US" err="1"/>
               <a:t>otrzymaliśmy</a:t>
             </a:r>
             <a:r>
-              <a:rPr lang="en-US" dirty="0"/>
-              <a:t> </a:t>
-            </a:r>
-            <a:r>
-              <a:rPr lang="en-US" dirty="0" err="1"/>
+              <a:rPr lang="en-US"/>
+              <a:t> </a:t>
+            </a:r>
+            <a:r>
+              <a:rPr lang="en-US" err="1"/>
               <a:t>pozwolenie</a:t>
             </a:r>
             <a:r>
-              <a:rPr lang="en-US" dirty="0"/>
-              <a:t> </a:t>
-            </a:r>
-            <a:r>
-              <a:rPr lang="en-US" dirty="0" err="1"/>
+              <a:rPr lang="en-US"/>
+              <a:t> </a:t>
+            </a:r>
+            <a:r>
+              <a:rPr lang="en-US" err="1"/>
               <a:t>na</a:t>
             </a:r>
             <a:r>
-              <a:rPr lang="en-US" dirty="0"/>
+              <a:rPr lang="en-US"/>
               <a:t> ich </a:t>
             </a:r>
             <a:r>
-              <a:rPr lang="en-US" dirty="0" err="1"/>
+              <a:rPr lang="en-US" err="1"/>
               <a:t>wykorzystanie</a:t>
             </a:r>
             <a:r>
-              <a:rPr lang="en-US" dirty="0"/>
+              <a:rPr lang="en-US"/>
               <a:t>.</a:t>
             </a:r>
-            <a:endParaRPr lang="pl-PL" dirty="0"/>
+            <a:endParaRPr lang="pl-PL"/>
           </a:p>
         </p:txBody>
       </p:sp>
@@ -12995,9 +13166,187 @@
             </a:r>
             <a:r>
               <a:rPr lang="en-US" dirty="0"/>
-              <a:t>.</a:t>
-            </a:r>
-            <a:endParaRPr lang="pl-PL" dirty="0"/>
+              <a:t>. Model, </a:t>
+            </a:r>
+            <a:r>
+              <a:rPr lang="en-US" dirty="0" err="1"/>
+              <a:t>który</a:t>
+            </a:r>
+            <a:r>
+              <a:rPr lang="en-US" dirty="0"/>
+              <a:t> </a:t>
+            </a:r>
+            <a:r>
+              <a:rPr lang="en-US" dirty="0" err="1"/>
+              <a:t>mamy</a:t>
+            </a:r>
+            <a:r>
+              <a:rPr lang="en-US" dirty="0"/>
+              <a:t> </a:t>
+            </a:r>
+            <a:r>
+              <a:rPr lang="en-US" dirty="0" err="1"/>
+              <a:t>obecnie</a:t>
+            </a:r>
+            <a:r>
+              <a:rPr lang="en-US" dirty="0"/>
+              <a:t> ma </a:t>
+            </a:r>
+            <a:r>
+              <a:rPr lang="en-US" dirty="0" err="1"/>
+              <a:t>sporo</a:t>
+            </a:r>
+            <a:r>
+              <a:rPr lang="en-US" dirty="0"/>
+              <a:t> </a:t>
+            </a:r>
+            <a:r>
+              <a:rPr lang="en-US" dirty="0" err="1"/>
+              <a:t>potencjału</a:t>
+            </a:r>
+            <a:r>
+              <a:rPr lang="en-US" dirty="0"/>
+              <a:t>. Jak </a:t>
+            </a:r>
+            <a:r>
+              <a:rPr lang="en-US" dirty="0" err="1"/>
+              <a:t>widać</a:t>
+            </a:r>
+            <a:r>
+              <a:rPr lang="en-US" dirty="0"/>
+              <a:t> </a:t>
+            </a:r>
+            <a:r>
+              <a:rPr lang="en-US" dirty="0" err="1"/>
+              <a:t>nie</a:t>
+            </a:r>
+            <a:r>
+              <a:rPr lang="en-US" dirty="0"/>
+              <a:t> </a:t>
+            </a:r>
+            <a:r>
+              <a:rPr lang="en-US" dirty="0" err="1"/>
+              <a:t>był</a:t>
+            </a:r>
+            <a:r>
+              <a:rPr lang="en-US" dirty="0"/>
+              <a:t> </a:t>
+            </a:r>
+            <a:r>
+              <a:rPr lang="en-US" dirty="0" err="1"/>
+              <a:t>trenowany</a:t>
+            </a:r>
+            <a:r>
+              <a:rPr lang="en-US" dirty="0"/>
+              <a:t> </a:t>
+            </a:r>
+            <a:r>
+              <a:rPr lang="en-US" dirty="0" err="1"/>
+              <a:t>na</a:t>
+            </a:r>
+            <a:r>
+              <a:rPr lang="en-US" dirty="0"/>
+              <a:t> </a:t>
+            </a:r>
+            <a:r>
+              <a:rPr lang="en-US" dirty="0" err="1"/>
+              <a:t>dużej</a:t>
+            </a:r>
+            <a:r>
+              <a:rPr lang="en-US" dirty="0"/>
+              <a:t> </a:t>
+            </a:r>
+            <a:r>
+              <a:rPr lang="en-US" dirty="0" err="1"/>
+              <a:t>ilości</a:t>
+            </a:r>
+            <a:r>
+              <a:rPr lang="en-US" dirty="0"/>
+              <a:t> </a:t>
+            </a:r>
+            <a:r>
+              <a:rPr lang="en-US" dirty="0" err="1"/>
+              <a:t>danych</a:t>
+            </a:r>
+            <a:r>
+              <a:rPr lang="en-US" dirty="0"/>
+              <a:t> I </a:t>
+            </a:r>
+            <a:r>
+              <a:rPr lang="en-US" dirty="0" err="1"/>
+              <a:t>zapewne</a:t>
+            </a:r>
+            <a:r>
+              <a:rPr lang="en-US" dirty="0"/>
+              <a:t> </a:t>
+            </a:r>
+            <a:r>
+              <a:rPr lang="en-US" dirty="0" err="1"/>
+              <a:t>sporo</a:t>
+            </a:r>
+            <a:r>
+              <a:rPr lang="en-US" dirty="0"/>
+              <a:t> </a:t>
+            </a:r>
+            <a:r>
+              <a:rPr lang="en-US" dirty="0" err="1"/>
+              <a:t>może</a:t>
+            </a:r>
+            <a:r>
+              <a:rPr lang="en-US" dirty="0"/>
+              <a:t> </a:t>
+            </a:r>
+            <a:r>
+              <a:rPr lang="en-US" dirty="0" err="1"/>
+              <a:t>zyskać</a:t>
+            </a:r>
+            <a:r>
+              <a:rPr lang="en-US" dirty="0"/>
+              <a:t>, </a:t>
+            </a:r>
+            <a:r>
+              <a:rPr lang="en-US" dirty="0" err="1"/>
+              <a:t>gdy</a:t>
+            </a:r>
+            <a:r>
+              <a:rPr lang="en-US" dirty="0"/>
+              <a:t> </a:t>
+            </a:r>
+            <a:r>
+              <a:rPr lang="en-US" dirty="0" err="1"/>
+              <a:t>pozyskamy</a:t>
+            </a:r>
+            <a:r>
+              <a:rPr lang="en-US" dirty="0"/>
+              <a:t> </a:t>
+            </a:r>
+            <a:r>
+              <a:rPr lang="en-US" dirty="0" err="1"/>
+              <a:t>jakieś</a:t>
+            </a:r>
+            <a:r>
+              <a:rPr lang="en-US" dirty="0"/>
+              <a:t> </a:t>
+            </a:r>
+            <a:r>
+              <a:rPr lang="en-US" dirty="0" err="1"/>
+              <a:t>nowe</a:t>
+            </a:r>
+            <a:r>
+              <a:rPr lang="en-US" dirty="0"/>
+              <a:t> </a:t>
+            </a:r>
+            <a:r>
+              <a:rPr lang="en-US" dirty="0" err="1"/>
+              <a:t>dane</a:t>
+            </a:r>
+            <a:r>
+              <a:rPr lang="en-US" dirty="0"/>
+              <a:t>. </a:t>
+            </a:r>
+            <a:endParaRPr lang="en-US" dirty="0">
+              <a:cs typeface="Calibri"/>
+            </a:endParaRPr>
           </a:p>
         </p:txBody>
       </p:sp>
@@ -13082,6 +13431,107 @@
           <a:lstStyle/>
           <a:p>
             <a:r>
+              <a:rPr lang="pl-PL" dirty="0">
+                <a:cs typeface="Calibri"/>
+              </a:rPr>
+              <a:t>Tak prezentuje się działanie naszej wtyczki. Użytkownik wchodzący na podejrzaną stronę zostanie ostrzeżony, że strona jest podejrzana. Co ciekawe strona podana tu w przykładzie nie została zablokowana przez przeglądarkę, ani </a:t>
+            </a:r>
+            <a:r>
+              <a:rPr lang="pl-PL" dirty="0" err="1">
+                <a:cs typeface="Calibri"/>
+              </a:rPr>
+              <a:t>adblocka</a:t>
+            </a:r>
+            <a:r>
+              <a:rPr lang="pl-PL" dirty="0">
+                <a:cs typeface="Calibri"/>
+              </a:rPr>
+              <a:t>. Zadziałał wyłącznie nasz model i wtyczka.</a:t>
+            </a:r>
+          </a:p>
+        </p:txBody>
+      </p:sp>
+      <p:sp>
+        <p:nvSpPr>
+          <p:cNvPr id="4" name="Symbol zastępczy numeru slajdu 3"/>
+          <p:cNvSpPr>
+            <a:spLocks noGrp="1"/>
+          </p:cNvSpPr>
+          <p:nvPr>
+            <p:ph type="sldNum" sz="quarter" idx="5"/>
+          </p:nvPr>
+        </p:nvSpPr>
+        <p:spPr/>
+        <p:txBody>
+          <a:bodyPr/>
+          <a:lstStyle/>
+          <a:p>
+            <a:fld id="{AD18D8B3-92B5-4C4E-BD9C-21C8EB5DFDFB}" type="slidenum">
+              <a:rPr lang="pl-PL"/>
+              <a:t>5</a:t>
+            </a:fld>
+            <a:endParaRPr lang="pl-PL"/>
+          </a:p>
+        </p:txBody>
+      </p:sp>
+    </p:spTree>
+    <p:extLst>
+      <p:ext uri="{BB962C8B-B14F-4D97-AF65-F5344CB8AC3E}">
+        <p14:creationId xmlns:p14="http://schemas.microsoft.com/office/powerpoint/2010/main" val="3658492497"/>
+      </p:ext>
+    </p:extLst>
+  </p:cSld>
+  <p:clrMapOvr>
+    <a:masterClrMapping/>
+  </p:clrMapOvr>
+</p:notes>
+</file>
+
+<file path=ppt/notesSlides/notesSlide6.xml><?xml version="1.0" encoding="utf-8"?>
+<p:notes xmlns:a="http://schemas.openxmlformats.org/drawingml/2006/main" xmlns:r="http://schemas.openxmlformats.org/officeDocument/2006/relationships" xmlns:p="http://schemas.openxmlformats.org/presentationml/2006/main">
+  <p:cSld>
+    <p:spTree>
+      <p:nvGrpSpPr>
+        <p:cNvPr id="1" name=""/>
+        <p:cNvGrpSpPr/>
+        <p:nvPr/>
+      </p:nvGrpSpPr>
+      <p:grpSpPr>
+        <a:xfrm>
+          <a:off x="0" y="0"/>
+          <a:ext cx="0" cy="0"/>
+          <a:chOff x="0" y="0"/>
+          <a:chExt cx="0" cy="0"/>
+        </a:xfrm>
+      </p:grpSpPr>
+      <p:sp>
+        <p:nvSpPr>
+          <p:cNvPr id="2" name="Symbol zastępczy obrazu slajdu 1"/>
+          <p:cNvSpPr>
+            <a:spLocks noGrp="1" noRot="1" noChangeAspect="1"/>
+          </p:cNvSpPr>
+          <p:nvPr>
+            <p:ph type="sldImg"/>
+          </p:nvPr>
+        </p:nvSpPr>
+        <p:spPr/>
+      </p:sp>
+      <p:sp>
+        <p:nvSpPr>
+          <p:cNvPr id="3" name="Symbol zastępczy notatek 2"/>
+          <p:cNvSpPr>
+            <a:spLocks noGrp="1"/>
+          </p:cNvSpPr>
+          <p:nvPr>
+            <p:ph type="body" idx="1"/>
+          </p:nvPr>
+        </p:nvSpPr>
+        <p:spPr/>
+        <p:txBody>
+          <a:bodyPr/>
+          <a:lstStyle/>
+          <a:p>
+            <a:r>
               <a:rPr lang="en-US" dirty="0"/>
               <a:t>Do </a:t>
             </a:r>
@@ -13347,7 +13797,15 @@
             </a:r>
             <a:r>
               <a:rPr lang="en-US" dirty="0"/>
-              <a:t> URL, </a:t>
+              <a:t> </a:t>
+            </a:r>
+            <a:r>
+              <a:rPr lang="en-US" dirty="0" err="1"/>
+              <a:t>URLi</a:t>
+            </a:r>
+            <a:r>
+              <a:rPr lang="en-US" dirty="0"/>
+              <a:t>, </a:t>
             </a:r>
             <a:r>
               <a:rPr lang="en-US" dirty="0" err="1"/>
@@ -13642,7 +14100,177 @@
               <a:rPr lang="en-US" dirty="0" err="1"/>
               <a:t>ścieżka</a:t>
             </a:r>
-            <a:endParaRPr lang="pl-PL" dirty="0" err="1"/>
+            <a:endParaRPr lang="en-US" dirty="0">
+              <a:cs typeface="Calibri"/>
+            </a:endParaRPr>
+          </a:p>
+          <a:p>
+            <a:r>
+              <a:rPr lang="en-US" dirty="0">
+                <a:cs typeface="Calibri"/>
+              </a:rPr>
+              <a:t>I </a:t>
+            </a:r>
+            <a:r>
+              <a:rPr lang="en-US" dirty="0" err="1">
+                <a:cs typeface="Calibri"/>
+              </a:rPr>
+              <a:t>dalej</a:t>
+            </a:r>
+            <a:r>
+              <a:rPr lang="en-US" dirty="0">
+                <a:cs typeface="Calibri"/>
+              </a:rPr>
+              <a:t> </a:t>
+            </a:r>
+            <a:r>
+              <a:rPr lang="en-US" dirty="0" err="1">
+                <a:cs typeface="Calibri"/>
+              </a:rPr>
+              <a:t>na</a:t>
+            </a:r>
+            <a:r>
+              <a:rPr lang="en-US" dirty="0">
+                <a:cs typeface="Calibri"/>
+              </a:rPr>
+              <a:t> ich </a:t>
+            </a:r>
+            <a:r>
+              <a:rPr lang="en-US" dirty="0" err="1">
+                <a:cs typeface="Calibri"/>
+              </a:rPr>
+              <a:t>podstawie</a:t>
+            </a:r>
+            <a:r>
+              <a:rPr lang="en-US" dirty="0">
+                <a:cs typeface="Calibri"/>
+              </a:rPr>
+              <a:t> </a:t>
+            </a:r>
+            <a:r>
+              <a:rPr lang="en-US" dirty="0" err="1">
+                <a:cs typeface="Calibri"/>
+              </a:rPr>
+              <a:t>stworzone</a:t>
+            </a:r>
+            <a:r>
+              <a:rPr lang="en-US" dirty="0">
+                <a:cs typeface="Calibri"/>
+              </a:rPr>
+              <a:t> </a:t>
+            </a:r>
+            <a:r>
+              <a:rPr lang="en-US" dirty="0" err="1">
+                <a:cs typeface="Calibri"/>
+              </a:rPr>
+              <a:t>zostały</a:t>
+            </a:r>
+            <a:r>
+              <a:rPr lang="en-US" dirty="0">
+                <a:cs typeface="Calibri"/>
+              </a:rPr>
+              <a:t> </a:t>
+            </a:r>
+            <a:r>
+              <a:rPr lang="en-US" dirty="0" err="1">
+                <a:cs typeface="Calibri"/>
+              </a:rPr>
+              <a:t>wektory</a:t>
+            </a:r>
+            <a:r>
+              <a:rPr lang="en-US" dirty="0">
+                <a:cs typeface="Calibri"/>
+              </a:rPr>
+              <a:t> </a:t>
+            </a:r>
+            <a:r>
+              <a:rPr lang="en-US" dirty="0" err="1">
+                <a:cs typeface="Calibri"/>
+              </a:rPr>
+              <a:t>cech</a:t>
+            </a:r>
+            <a:r>
+              <a:rPr lang="en-US" dirty="0">
+                <a:cs typeface="Calibri"/>
+              </a:rPr>
+              <a:t> </a:t>
+            </a:r>
+            <a:r>
+              <a:rPr lang="en-US" dirty="0" err="1">
+                <a:cs typeface="Calibri"/>
+              </a:rPr>
+              <a:t>takich</a:t>
+            </a:r>
+            <a:r>
+              <a:rPr lang="en-US" dirty="0">
+                <a:cs typeface="Calibri"/>
+              </a:rPr>
+              <a:t> jak </a:t>
+            </a:r>
+            <a:r>
+              <a:rPr lang="en-US" dirty="0" err="1">
+                <a:cs typeface="Calibri"/>
+              </a:rPr>
+              <a:t>długość</a:t>
+            </a:r>
+            <a:r>
+              <a:rPr lang="en-US" dirty="0">
+                <a:cs typeface="Calibri"/>
+              </a:rPr>
+              <a:t>, </a:t>
+            </a:r>
+            <a:r>
+              <a:rPr lang="en-US" dirty="0" err="1">
+                <a:cs typeface="Calibri"/>
+              </a:rPr>
+              <a:t>ilość</a:t>
+            </a:r>
+            <a:r>
+              <a:rPr lang="en-US" dirty="0">
+                <a:cs typeface="Calibri"/>
+              </a:rPr>
+              <a:t> </a:t>
+            </a:r>
+            <a:r>
+              <a:rPr lang="en-US" dirty="0" err="1">
+                <a:cs typeface="Calibri"/>
+              </a:rPr>
+              <a:t>cyfr</a:t>
+            </a:r>
+            <a:r>
+              <a:rPr lang="en-US" dirty="0">
+                <a:cs typeface="Calibri"/>
+              </a:rPr>
+              <a:t> </a:t>
+            </a:r>
+            <a:r>
+              <a:rPr lang="en-US" dirty="0" err="1">
+                <a:cs typeface="Calibri"/>
+              </a:rPr>
+              <a:t>itp</a:t>
+            </a:r>
+            <a:r>
+              <a:rPr lang="en-US" dirty="0">
+                <a:cs typeface="Calibri"/>
+              </a:rPr>
+              <a:t>.</a:t>
+            </a:r>
+          </a:p>
+          <a:p>
+            <a:endParaRPr lang="en-US" dirty="0">
+              <a:cs typeface="Calibri"/>
+            </a:endParaRPr>
+          </a:p>
+          <a:p>
+            <a:r>
+              <a:rPr lang="en-US">
+                <a:cs typeface="Calibri"/>
+              </a:rPr>
+              <a:t>Te dane wrzucaliśmy w wiele klasyfikatorów. Ostatecznie wybraliśmy SVM.</a:t>
+            </a:r>
+            <a:endParaRPr lang="en-US" dirty="0">
+              <a:cs typeface="Calibri"/>
+            </a:endParaRPr>
           </a:p>
         </p:txBody>
       </p:sp>
@@ -13673,6 +14301,1797 @@
     <p:extLst>
       <p:ext uri="{BB962C8B-B14F-4D97-AF65-F5344CB8AC3E}">
         <p14:creationId xmlns:p14="http://schemas.microsoft.com/office/powerpoint/2010/main" val="3686042397"/>
+      </p:ext>
+    </p:extLst>
+  </p:cSld>
+  <p:clrMapOvr>
+    <a:masterClrMapping/>
+  </p:clrMapOvr>
+</p:notes>
+</file>
+
+<file path=ppt/notesSlides/notesSlide7.xml><?xml version="1.0" encoding="utf-8"?>
+<p:notes xmlns:a="http://schemas.openxmlformats.org/drawingml/2006/main" xmlns:r="http://schemas.openxmlformats.org/officeDocument/2006/relationships" xmlns:p="http://schemas.openxmlformats.org/presentationml/2006/main">
+  <p:cSld>
+    <p:spTree>
+      <p:nvGrpSpPr>
+        <p:cNvPr id="1" name=""/>
+        <p:cNvGrpSpPr/>
+        <p:nvPr/>
+      </p:nvGrpSpPr>
+      <p:grpSpPr>
+        <a:xfrm>
+          <a:off x="0" y="0"/>
+          <a:ext cx="0" cy="0"/>
+          <a:chOff x="0" y="0"/>
+          <a:chExt cx="0" cy="0"/>
+        </a:xfrm>
+      </p:grpSpPr>
+      <p:sp>
+        <p:nvSpPr>
+          <p:cNvPr id="2" name="Symbol zastępczy obrazu slajdu 1"/>
+          <p:cNvSpPr>
+            <a:spLocks noGrp="1" noRot="1" noChangeAspect="1"/>
+          </p:cNvSpPr>
+          <p:nvPr>
+            <p:ph type="sldImg"/>
+          </p:nvPr>
+        </p:nvSpPr>
+        <p:spPr/>
+      </p:sp>
+      <p:sp>
+        <p:nvSpPr>
+          <p:cNvPr id="3" name="Symbol zastępczy notatek 2"/>
+          <p:cNvSpPr>
+            <a:spLocks noGrp="1"/>
+          </p:cNvSpPr>
+          <p:nvPr>
+            <p:ph type="body" idx="1"/>
+          </p:nvPr>
+        </p:nvSpPr>
+        <p:spPr/>
+        <p:txBody>
+          <a:bodyPr/>
+          <a:lstStyle/>
+          <a:p>
+            <a:r>
+              <a:rPr lang="pl-PL" dirty="0">
+                <a:cs typeface="Calibri"/>
+              </a:rPr>
+              <a:t>Jak można zauważyć, nie ma tu żadnych metryk dotyczących samych słów zawartych w URL. Co sprawia,  że model ten jest niezwykle szybki i mamy sporo miejsca na jego ulepszenie.</a:t>
+            </a:r>
+          </a:p>
+          <a:p>
+            <a:endParaRPr lang="pl-PL" dirty="0">
+              <a:cs typeface="Calibri"/>
+            </a:endParaRPr>
+          </a:p>
+        </p:txBody>
+      </p:sp>
+      <p:sp>
+        <p:nvSpPr>
+          <p:cNvPr id="4" name="Symbol zastępczy numeru slajdu 3"/>
+          <p:cNvSpPr>
+            <a:spLocks noGrp="1"/>
+          </p:cNvSpPr>
+          <p:nvPr>
+            <p:ph type="sldNum" sz="quarter" idx="5"/>
+          </p:nvPr>
+        </p:nvSpPr>
+        <p:spPr/>
+        <p:txBody>
+          <a:bodyPr/>
+          <a:lstStyle/>
+          <a:p>
+            <a:fld id="{AD18D8B3-92B5-4C4E-BD9C-21C8EB5DFDFB}" type="slidenum">
+              <a:rPr lang="pl-PL"/>
+              <a:t>7</a:t>
+            </a:fld>
+            <a:endParaRPr lang="pl-PL"/>
+          </a:p>
+        </p:txBody>
+      </p:sp>
+    </p:spTree>
+    <p:extLst>
+      <p:ext uri="{BB962C8B-B14F-4D97-AF65-F5344CB8AC3E}">
+        <p14:creationId xmlns:p14="http://schemas.microsoft.com/office/powerpoint/2010/main" val="3215433407"/>
+      </p:ext>
+    </p:extLst>
+  </p:cSld>
+  <p:clrMapOvr>
+    <a:masterClrMapping/>
+  </p:clrMapOvr>
+</p:notes>
+</file>
+
+<file path=ppt/notesSlides/notesSlide8.xml><?xml version="1.0" encoding="utf-8"?>
+<p:notes xmlns:a="http://schemas.openxmlformats.org/drawingml/2006/main" xmlns:r="http://schemas.openxmlformats.org/officeDocument/2006/relationships" xmlns:p="http://schemas.openxmlformats.org/presentationml/2006/main">
+  <p:cSld>
+    <p:spTree>
+      <p:nvGrpSpPr>
+        <p:cNvPr id="1" name=""/>
+        <p:cNvGrpSpPr/>
+        <p:nvPr/>
+      </p:nvGrpSpPr>
+      <p:grpSpPr>
+        <a:xfrm>
+          <a:off x="0" y="0"/>
+          <a:ext cx="0" cy="0"/>
+          <a:chOff x="0" y="0"/>
+          <a:chExt cx="0" cy="0"/>
+        </a:xfrm>
+      </p:grpSpPr>
+      <p:sp>
+        <p:nvSpPr>
+          <p:cNvPr id="2" name="Symbol zastępczy obrazu slajdu 1"/>
+          <p:cNvSpPr>
+            <a:spLocks noGrp="1" noRot="1" noChangeAspect="1"/>
+          </p:cNvSpPr>
+          <p:nvPr>
+            <p:ph type="sldImg"/>
+          </p:nvPr>
+        </p:nvSpPr>
+        <p:spPr/>
+      </p:sp>
+      <p:sp>
+        <p:nvSpPr>
+          <p:cNvPr id="3" name="Symbol zastępczy notatek 2"/>
+          <p:cNvSpPr>
+            <a:spLocks noGrp="1"/>
+          </p:cNvSpPr>
+          <p:nvPr>
+            <p:ph type="body" idx="1"/>
+          </p:nvPr>
+        </p:nvSpPr>
+        <p:spPr/>
+        <p:txBody>
+          <a:bodyPr/>
+          <a:lstStyle/>
+          <a:p>
+            <a:r>
+              <a:rPr lang="en-US" dirty="0">
+                <a:cs typeface="Calibri"/>
+              </a:rPr>
+              <a:t>Na </a:t>
+            </a:r>
+            <a:r>
+              <a:rPr lang="en-US" dirty="0" err="1">
+                <a:cs typeface="Calibri"/>
+              </a:rPr>
+              <a:t>przedstawionych</a:t>
+            </a:r>
+            <a:r>
+              <a:rPr lang="en-US" dirty="0">
+                <a:cs typeface="Calibri"/>
+              </a:rPr>
+              <a:t> </a:t>
+            </a:r>
+            <a:r>
+              <a:rPr lang="en-US" dirty="0" err="1">
+                <a:cs typeface="Calibri"/>
+              </a:rPr>
+              <a:t>wykresach</a:t>
+            </a:r>
+            <a:r>
+              <a:rPr lang="en-US" dirty="0">
+                <a:cs typeface="Calibri"/>
+              </a:rPr>
+              <a:t> </a:t>
+            </a:r>
+            <a:r>
+              <a:rPr lang="en-US" dirty="0" err="1">
+                <a:cs typeface="Calibri"/>
+              </a:rPr>
+              <a:t>mamy</a:t>
+            </a:r>
+            <a:r>
+              <a:rPr lang="en-US" dirty="0">
+                <a:cs typeface="Calibri"/>
+              </a:rPr>
+              <a:t> </a:t>
+            </a:r>
+            <a:r>
+              <a:rPr lang="en-US" dirty="0" err="1">
+                <a:cs typeface="Calibri"/>
+              </a:rPr>
+              <a:t>najbardziej</a:t>
+            </a:r>
+            <a:r>
+              <a:rPr lang="en-US" dirty="0">
+                <a:cs typeface="Calibri"/>
+              </a:rPr>
+              <a:t> </a:t>
+            </a:r>
+            <a:r>
+              <a:rPr lang="en-US" dirty="0" err="1">
+                <a:cs typeface="Calibri"/>
+              </a:rPr>
+              <a:t>interesujące</a:t>
+            </a:r>
+            <a:r>
+              <a:rPr lang="en-US" dirty="0">
+                <a:cs typeface="Calibri"/>
+              </a:rPr>
+              <a:t> </a:t>
+            </a:r>
+            <a:r>
+              <a:rPr lang="en-US" dirty="0" err="1">
+                <a:cs typeface="Calibri"/>
+              </a:rPr>
+              <a:t>metryki</a:t>
+            </a:r>
+            <a:r>
+              <a:rPr lang="en-US" dirty="0">
+                <a:cs typeface="Calibri"/>
+              </a:rPr>
+              <a:t>. </a:t>
+            </a:r>
+            <a:r>
+              <a:rPr lang="en-US" dirty="0" err="1">
+                <a:cs typeface="Calibri"/>
+              </a:rPr>
+              <a:t>Już</a:t>
+            </a:r>
+            <a:r>
+              <a:rPr lang="en-US" dirty="0">
+                <a:cs typeface="Calibri"/>
+              </a:rPr>
+              <a:t> po </a:t>
+            </a:r>
+            <a:r>
+              <a:rPr lang="en-US" dirty="0" err="1">
+                <a:cs typeface="Calibri"/>
+              </a:rPr>
+              <a:t>samej</a:t>
+            </a:r>
+            <a:r>
+              <a:rPr lang="en-US" dirty="0">
+                <a:cs typeface="Calibri"/>
+              </a:rPr>
+              <a:t> </a:t>
+            </a:r>
+            <a:r>
+              <a:rPr lang="en-US" dirty="0" err="1">
+                <a:cs typeface="Calibri"/>
+              </a:rPr>
+              <a:t>długości</a:t>
+            </a:r>
+            <a:r>
+              <a:rPr lang="en-US" dirty="0">
+                <a:cs typeface="Calibri"/>
+              </a:rPr>
+              <a:t> </a:t>
+            </a:r>
+            <a:r>
+              <a:rPr lang="en-US" dirty="0" err="1">
+                <a:cs typeface="Calibri"/>
+              </a:rPr>
+              <a:t>adresów</a:t>
+            </a:r>
+            <a:r>
+              <a:rPr lang="en-US" dirty="0">
+                <a:cs typeface="Calibri"/>
+              </a:rPr>
+              <a:t> URL </a:t>
+            </a:r>
+            <a:r>
+              <a:rPr lang="en-US" dirty="0" err="1">
+                <a:cs typeface="Calibri"/>
+              </a:rPr>
+              <a:t>można</a:t>
+            </a:r>
+            <a:r>
+              <a:rPr lang="en-US" dirty="0">
+                <a:cs typeface="Calibri"/>
+              </a:rPr>
+              <a:t> </a:t>
+            </a:r>
+            <a:r>
+              <a:rPr lang="en-US" dirty="0" err="1">
+                <a:cs typeface="Calibri"/>
+              </a:rPr>
+              <a:t>rozpoznać</a:t>
+            </a:r>
+            <a:r>
+              <a:rPr lang="en-US" dirty="0">
+                <a:cs typeface="Calibri"/>
+              </a:rPr>
+              <a:t> </a:t>
+            </a:r>
+            <a:r>
+              <a:rPr lang="en-US" dirty="0" err="1">
+                <a:cs typeface="Calibri"/>
+              </a:rPr>
+              <a:t>URLe</a:t>
+            </a:r>
+            <a:r>
+              <a:rPr lang="en-US" dirty="0">
+                <a:cs typeface="Calibri"/>
+              </a:rPr>
+              <a:t>, </a:t>
+            </a:r>
+            <a:r>
+              <a:rPr lang="en-US" dirty="0" err="1">
+                <a:cs typeface="Calibri"/>
+              </a:rPr>
+              <a:t>które</a:t>
+            </a:r>
+            <a:r>
+              <a:rPr lang="en-US" dirty="0">
+                <a:cs typeface="Calibri"/>
+              </a:rPr>
+              <a:t> </a:t>
+            </a:r>
+            <a:r>
+              <a:rPr lang="en-US" dirty="0" err="1">
+                <a:cs typeface="Calibri"/>
+              </a:rPr>
+              <a:t>są</a:t>
+            </a:r>
+            <a:r>
+              <a:rPr lang="en-US" dirty="0">
+                <a:cs typeface="Calibri"/>
+              </a:rPr>
+              <a:t> </a:t>
+            </a:r>
+            <a:r>
+              <a:rPr lang="en-US" dirty="0" err="1">
+                <a:cs typeface="Calibri"/>
+              </a:rPr>
+              <a:t>podejrzane</a:t>
+            </a:r>
+            <a:r>
+              <a:rPr lang="en-US" dirty="0">
+                <a:cs typeface="Calibri"/>
+              </a:rPr>
+              <a:t>. Co </a:t>
+            </a:r>
+            <a:r>
+              <a:rPr lang="en-US" dirty="0" err="1">
+                <a:cs typeface="Calibri"/>
+              </a:rPr>
+              <a:t>ciekawe</a:t>
+            </a:r>
+            <a:r>
+              <a:rPr lang="en-US" dirty="0">
+                <a:cs typeface="Calibri"/>
+              </a:rPr>
+              <a:t> </a:t>
+            </a:r>
+            <a:r>
+              <a:rPr lang="en-US" dirty="0" err="1">
+                <a:cs typeface="Calibri"/>
+              </a:rPr>
+              <a:t>mamy</a:t>
+            </a:r>
+            <a:r>
+              <a:rPr lang="en-US" dirty="0">
+                <a:cs typeface="Calibri"/>
+              </a:rPr>
+              <a:t> </a:t>
+            </a:r>
+            <a:r>
+              <a:rPr lang="en-US" dirty="0" err="1">
+                <a:cs typeface="Calibri"/>
+              </a:rPr>
+              <a:t>tu</a:t>
+            </a:r>
+            <a:r>
+              <a:rPr lang="en-US" dirty="0">
+                <a:cs typeface="Calibri"/>
+              </a:rPr>
+              <a:t> </a:t>
+            </a:r>
+            <a:r>
+              <a:rPr lang="en-US" dirty="0" err="1">
+                <a:cs typeface="Calibri"/>
+              </a:rPr>
+              <a:t>też</a:t>
+            </a:r>
+            <a:r>
+              <a:rPr lang="en-US" dirty="0">
+                <a:cs typeface="Calibri"/>
+              </a:rPr>
+              <a:t> </a:t>
+            </a:r>
+            <a:r>
+              <a:rPr lang="en-US" dirty="0" err="1">
+                <a:cs typeface="Calibri"/>
+              </a:rPr>
+              <a:t>dwa</a:t>
+            </a:r>
+            <a:r>
+              <a:rPr lang="en-US" dirty="0">
+                <a:cs typeface="Calibri"/>
+              </a:rPr>
+              <a:t> </a:t>
+            </a:r>
+            <a:r>
+              <a:rPr lang="en-US" dirty="0" err="1">
+                <a:cs typeface="Calibri"/>
+              </a:rPr>
+              <a:t>wykresy</a:t>
+            </a:r>
+            <a:r>
+              <a:rPr lang="en-US" dirty="0">
+                <a:cs typeface="Calibri"/>
+              </a:rPr>
+              <a:t> </a:t>
+            </a:r>
+            <a:r>
+              <a:rPr lang="en-US" dirty="0" err="1">
+                <a:cs typeface="Calibri"/>
+              </a:rPr>
+              <a:t>metryk</a:t>
+            </a:r>
+            <a:r>
+              <a:rPr lang="en-US" dirty="0">
+                <a:cs typeface="Calibri"/>
+              </a:rPr>
+              <a:t>, </a:t>
+            </a:r>
+            <a:r>
+              <a:rPr lang="en-US" dirty="0" err="1">
+                <a:cs typeface="Calibri"/>
+              </a:rPr>
+              <a:t>które</a:t>
+            </a:r>
+            <a:r>
+              <a:rPr lang="en-US" dirty="0">
+                <a:cs typeface="Calibri"/>
+              </a:rPr>
+              <a:t> </a:t>
+            </a:r>
+            <a:r>
+              <a:rPr lang="en-US" dirty="0" err="1">
+                <a:cs typeface="Calibri"/>
+              </a:rPr>
+              <a:t>mamy</a:t>
+            </a:r>
+            <a:r>
+              <a:rPr lang="en-US" dirty="0">
+                <a:cs typeface="Calibri"/>
+              </a:rPr>
+              <a:t> w </a:t>
+            </a:r>
+            <a:r>
+              <a:rPr lang="en-US" dirty="0" err="1">
+                <a:cs typeface="Calibri"/>
+              </a:rPr>
+              <a:t>planie</a:t>
+            </a:r>
+            <a:r>
+              <a:rPr lang="en-US" dirty="0">
+                <a:cs typeface="Calibri"/>
+              </a:rPr>
+              <a:t> </a:t>
+            </a:r>
+            <a:r>
+              <a:rPr lang="en-US" dirty="0" err="1">
+                <a:cs typeface="Calibri"/>
+              </a:rPr>
+              <a:t>wprowadzić</a:t>
+            </a:r>
+            <a:r>
+              <a:rPr lang="en-US" dirty="0">
+                <a:cs typeface="Calibri"/>
+              </a:rPr>
+              <a:t> - </a:t>
+            </a:r>
+            <a:r>
+              <a:rPr lang="en-US" dirty="0" err="1">
+                <a:cs typeface="Calibri"/>
+              </a:rPr>
+              <a:t>są</a:t>
+            </a:r>
+            <a:r>
+              <a:rPr lang="en-US" dirty="0">
+                <a:cs typeface="Calibri"/>
+              </a:rPr>
+              <a:t> co </a:t>
+            </a:r>
+            <a:r>
+              <a:rPr lang="en-US" dirty="0" err="1">
+                <a:cs typeface="Calibri"/>
+              </a:rPr>
+              <a:t>ceny</a:t>
+            </a:r>
+            <a:r>
+              <a:rPr lang="en-US" dirty="0">
+                <a:cs typeface="Calibri"/>
+              </a:rPr>
+              <a:t> </a:t>
+            </a:r>
+            <a:r>
+              <a:rPr lang="en-US" dirty="0" err="1">
+                <a:cs typeface="Calibri"/>
+              </a:rPr>
+              <a:t>rejestracji</a:t>
+            </a:r>
+            <a:r>
+              <a:rPr lang="en-US" dirty="0">
+                <a:cs typeface="Calibri"/>
+              </a:rPr>
+              <a:t> I </a:t>
+            </a:r>
+            <a:r>
+              <a:rPr lang="en-US" dirty="0" err="1">
+                <a:cs typeface="Calibri"/>
+              </a:rPr>
+              <a:t>odnowienia</a:t>
+            </a:r>
+            <a:r>
+              <a:rPr lang="en-US" dirty="0">
+                <a:cs typeface="Calibri"/>
+              </a:rPr>
+              <a:t> </a:t>
+            </a:r>
+            <a:r>
+              <a:rPr lang="en-US" dirty="0" err="1">
+                <a:cs typeface="Calibri"/>
+              </a:rPr>
+              <a:t>domeny</a:t>
+            </a:r>
+            <a:r>
+              <a:rPr lang="en-US" dirty="0">
+                <a:cs typeface="Calibri"/>
+              </a:rPr>
+              <a:t> </a:t>
+            </a:r>
+            <a:r>
+              <a:rPr lang="en-US" dirty="0" err="1">
+                <a:cs typeface="Calibri"/>
+              </a:rPr>
+              <a:t>najwyższego</a:t>
+            </a:r>
+            <a:r>
+              <a:rPr lang="en-US" dirty="0">
+                <a:cs typeface="Calibri"/>
+              </a:rPr>
+              <a:t> </a:t>
+            </a:r>
+            <a:r>
+              <a:rPr lang="en-US" dirty="0" err="1">
+                <a:cs typeface="Calibri"/>
+              </a:rPr>
+              <a:t>poziomu</a:t>
+            </a:r>
+            <a:r>
+              <a:rPr lang="en-US" dirty="0">
+                <a:cs typeface="Calibri"/>
+              </a:rPr>
+              <a:t> – </a:t>
+            </a:r>
+            <a:r>
+              <a:rPr lang="en-US" dirty="0" err="1">
+                <a:cs typeface="Calibri"/>
+              </a:rPr>
+              <a:t>na</a:t>
+            </a:r>
+            <a:r>
+              <a:rPr lang="en-US" dirty="0">
+                <a:cs typeface="Calibri"/>
+              </a:rPr>
+              <a:t> </a:t>
+            </a:r>
+            <a:r>
+              <a:rPr lang="en-US" dirty="0" err="1">
+                <a:cs typeface="Calibri"/>
+              </a:rPr>
+              <a:t>wykresach</a:t>
+            </a:r>
+            <a:r>
+              <a:rPr lang="en-US" dirty="0">
+                <a:cs typeface="Calibri"/>
+              </a:rPr>
+              <a:t> </a:t>
+            </a:r>
+            <a:r>
+              <a:rPr lang="en-US" dirty="0" err="1">
+                <a:cs typeface="Calibri"/>
+              </a:rPr>
+              <a:t>widoczne</a:t>
+            </a:r>
+            <a:r>
+              <a:rPr lang="en-US" dirty="0">
+                <a:cs typeface="Calibri"/>
+              </a:rPr>
+              <a:t> </a:t>
+            </a:r>
+            <a:r>
+              <a:rPr lang="en-US" dirty="0" err="1">
+                <a:cs typeface="Calibri"/>
+              </a:rPr>
+              <a:t>są</a:t>
+            </a:r>
+            <a:r>
+              <a:rPr lang="en-US" dirty="0">
+                <a:cs typeface="Calibri"/>
+              </a:rPr>
+              <a:t> spore </a:t>
+            </a:r>
+            <a:r>
+              <a:rPr lang="en-US" dirty="0" err="1">
+                <a:cs typeface="Calibri"/>
+              </a:rPr>
+              <a:t>różnice</a:t>
+            </a:r>
+            <a:r>
+              <a:rPr lang="en-US" dirty="0">
+                <a:cs typeface="Calibri"/>
+              </a:rPr>
+              <a:t> w ich </a:t>
+            </a:r>
+            <a:r>
+              <a:rPr lang="en-US" dirty="0" err="1">
+                <a:cs typeface="Calibri"/>
+              </a:rPr>
+              <a:t>rozkładzie</a:t>
+            </a:r>
+            <a:r>
+              <a:rPr lang="en-US" dirty="0">
+                <a:cs typeface="Calibri"/>
+              </a:rPr>
+              <a:t>. Co </a:t>
+            </a:r>
+            <a:r>
+              <a:rPr lang="en-US" dirty="0" err="1">
+                <a:cs typeface="Calibri"/>
+              </a:rPr>
+              <a:t>na</a:t>
+            </a:r>
+            <a:r>
+              <a:rPr lang="en-US" dirty="0">
+                <a:cs typeface="Calibri"/>
+              </a:rPr>
+              <a:t> </a:t>
+            </a:r>
+            <a:r>
+              <a:rPr lang="en-US" dirty="0" err="1">
+                <a:cs typeface="Calibri"/>
+              </a:rPr>
+              <a:t>pewno</a:t>
+            </a:r>
+            <a:r>
+              <a:rPr lang="en-US" dirty="0">
+                <a:cs typeface="Calibri"/>
+              </a:rPr>
+              <a:t> </a:t>
+            </a:r>
+            <a:r>
+              <a:rPr lang="en-US" dirty="0" err="1">
+                <a:cs typeface="Calibri"/>
+              </a:rPr>
+              <a:t>przyczyni</a:t>
+            </a:r>
+            <a:r>
+              <a:rPr lang="en-US" dirty="0">
+                <a:cs typeface="Calibri"/>
+              </a:rPr>
+              <a:t> </a:t>
+            </a:r>
+            <a:r>
+              <a:rPr lang="en-US" dirty="0" err="1">
+                <a:cs typeface="Calibri"/>
+              </a:rPr>
+              <a:t>się</a:t>
+            </a:r>
+            <a:r>
+              <a:rPr lang="en-US" dirty="0">
+                <a:cs typeface="Calibri"/>
+              </a:rPr>
+              <a:t> do </a:t>
+            </a:r>
+            <a:r>
+              <a:rPr lang="en-US" dirty="0" err="1">
+                <a:cs typeface="Calibri"/>
+              </a:rPr>
+              <a:t>ulepszenia</a:t>
+            </a:r>
+            <a:r>
+              <a:rPr lang="en-US" dirty="0">
+                <a:cs typeface="Calibri"/>
+              </a:rPr>
+              <a:t> </a:t>
+            </a:r>
+            <a:r>
+              <a:rPr lang="en-US" dirty="0" err="1">
+                <a:cs typeface="Calibri"/>
+              </a:rPr>
+              <a:t>działania</a:t>
+            </a:r>
+            <a:r>
+              <a:rPr lang="en-US" dirty="0">
+                <a:cs typeface="Calibri"/>
+              </a:rPr>
+              <a:t> </a:t>
+            </a:r>
+            <a:r>
+              <a:rPr lang="en-US" dirty="0" err="1">
+                <a:cs typeface="Calibri"/>
+              </a:rPr>
+              <a:t>modelu</a:t>
+            </a:r>
+            <a:r>
+              <a:rPr lang="en-US" dirty="0">
+                <a:cs typeface="Calibri"/>
+              </a:rPr>
+              <a:t>.</a:t>
+            </a:r>
+          </a:p>
+        </p:txBody>
+      </p:sp>
+      <p:sp>
+        <p:nvSpPr>
+          <p:cNvPr id="4" name="Symbol zastępczy numeru slajdu 3"/>
+          <p:cNvSpPr>
+            <a:spLocks noGrp="1"/>
+          </p:cNvSpPr>
+          <p:nvPr>
+            <p:ph type="sldNum" sz="quarter" idx="5"/>
+          </p:nvPr>
+        </p:nvSpPr>
+        <p:spPr/>
+        <p:txBody>
+          <a:bodyPr/>
+          <a:lstStyle/>
+          <a:p>
+            <a:fld id="{AD18D8B3-92B5-4C4E-BD9C-21C8EB5DFDFB}" type="slidenum">
+              <a:rPr lang="pl-PL"/>
+              <a:t>8</a:t>
+            </a:fld>
+            <a:endParaRPr lang="pl-PL"/>
+          </a:p>
+        </p:txBody>
+      </p:sp>
+    </p:spTree>
+    <p:extLst>
+      <p:ext uri="{BB962C8B-B14F-4D97-AF65-F5344CB8AC3E}">
+        <p14:creationId xmlns:p14="http://schemas.microsoft.com/office/powerpoint/2010/main" val="1888710964"/>
+      </p:ext>
+    </p:extLst>
+  </p:cSld>
+  <p:clrMapOvr>
+    <a:masterClrMapping/>
+  </p:clrMapOvr>
+</p:notes>
+</file>
+
+<file path=ppt/notesSlides/notesSlide9.xml><?xml version="1.0" encoding="utf-8"?>
+<p:notes xmlns:a="http://schemas.openxmlformats.org/drawingml/2006/main" xmlns:r="http://schemas.openxmlformats.org/officeDocument/2006/relationships" xmlns:p="http://schemas.openxmlformats.org/presentationml/2006/main">
+  <p:cSld>
+    <p:spTree>
+      <p:nvGrpSpPr>
+        <p:cNvPr id="1" name=""/>
+        <p:cNvGrpSpPr/>
+        <p:nvPr/>
+      </p:nvGrpSpPr>
+      <p:grpSpPr>
+        <a:xfrm>
+          <a:off x="0" y="0"/>
+          <a:ext cx="0" cy="0"/>
+          <a:chOff x="0" y="0"/>
+          <a:chExt cx="0" cy="0"/>
+        </a:xfrm>
+      </p:grpSpPr>
+      <p:sp>
+        <p:nvSpPr>
+          <p:cNvPr id="2" name="Symbol zastępczy obrazu slajdu 1"/>
+          <p:cNvSpPr>
+            <a:spLocks noGrp="1" noRot="1" noChangeAspect="1"/>
+          </p:cNvSpPr>
+          <p:nvPr>
+            <p:ph type="sldImg"/>
+          </p:nvPr>
+        </p:nvSpPr>
+        <p:spPr/>
+      </p:sp>
+      <p:sp>
+        <p:nvSpPr>
+          <p:cNvPr id="3" name="Symbol zastępczy notatek 2"/>
+          <p:cNvSpPr>
+            <a:spLocks noGrp="1"/>
+          </p:cNvSpPr>
+          <p:nvPr>
+            <p:ph type="body" idx="1"/>
+          </p:nvPr>
+        </p:nvSpPr>
+        <p:spPr/>
+        <p:txBody>
+          <a:bodyPr/>
+          <a:lstStyle/>
+          <a:p>
+            <a:r>
+              <a:rPr lang="en-US" dirty="0">
+                <a:cs typeface="Calibri"/>
+              </a:rPr>
+              <a:t>Co do </a:t>
+            </a:r>
+            <a:r>
+              <a:rPr lang="en-US" dirty="0" err="1">
+                <a:cs typeface="Calibri"/>
+              </a:rPr>
+              <a:t>planów</a:t>
+            </a:r>
+            <a:r>
+              <a:rPr lang="en-US" dirty="0">
+                <a:cs typeface="Calibri"/>
+              </a:rPr>
+              <a:t> </a:t>
+            </a:r>
+            <a:r>
+              <a:rPr lang="en-US" dirty="0" err="1">
+                <a:cs typeface="Calibri"/>
+              </a:rPr>
+              <a:t>na</a:t>
+            </a:r>
+            <a:r>
+              <a:rPr lang="en-US" dirty="0">
+                <a:cs typeface="Calibri"/>
+              </a:rPr>
+              <a:t> </a:t>
+            </a:r>
+            <a:r>
+              <a:rPr lang="en-US" dirty="0" err="1">
+                <a:cs typeface="Calibri"/>
+              </a:rPr>
+              <a:t>przyszłość</a:t>
+            </a:r>
+            <a:r>
+              <a:rPr lang="en-US" dirty="0">
+                <a:cs typeface="Calibri"/>
+              </a:rPr>
+              <a:t> to jak </a:t>
+            </a:r>
+            <a:r>
+              <a:rPr lang="en-US" dirty="0" err="1">
+                <a:cs typeface="Calibri"/>
+              </a:rPr>
+              <a:t>już</a:t>
+            </a:r>
+            <a:r>
+              <a:rPr lang="en-US" dirty="0">
+                <a:cs typeface="Calibri"/>
+              </a:rPr>
+              <a:t> </a:t>
+            </a:r>
+            <a:r>
+              <a:rPr lang="en-US" dirty="0" err="1">
+                <a:cs typeface="Calibri"/>
+              </a:rPr>
+              <a:t>wspominałem</a:t>
+            </a:r>
+            <a:r>
+              <a:rPr lang="en-US" dirty="0">
+                <a:cs typeface="Calibri"/>
+              </a:rPr>
+              <a:t> </a:t>
+            </a:r>
+            <a:r>
+              <a:rPr lang="en-US" dirty="0" err="1">
+                <a:cs typeface="Calibri"/>
+              </a:rPr>
+              <a:t>mamy</a:t>
+            </a:r>
+            <a:r>
+              <a:rPr lang="en-US" dirty="0">
+                <a:cs typeface="Calibri"/>
+              </a:rPr>
+              <a:t> w </a:t>
+            </a:r>
+            <a:r>
+              <a:rPr lang="en-US" dirty="0" err="1">
+                <a:cs typeface="Calibri"/>
+              </a:rPr>
+              <a:t>planach</a:t>
+            </a:r>
+            <a:r>
+              <a:rPr lang="en-US" dirty="0">
+                <a:cs typeface="Calibri"/>
+              </a:rPr>
+              <a:t> </a:t>
+            </a:r>
+            <a:r>
+              <a:rPr lang="en-US" dirty="0" err="1">
+                <a:cs typeface="Calibri"/>
+              </a:rPr>
+              <a:t>dodanie</a:t>
+            </a:r>
+            <a:r>
+              <a:rPr lang="en-US" dirty="0">
+                <a:cs typeface="Calibri"/>
+              </a:rPr>
+              <a:t> </a:t>
+            </a:r>
+            <a:r>
+              <a:rPr lang="en-US" dirty="0" err="1">
+                <a:cs typeface="Calibri"/>
+              </a:rPr>
+              <a:t>kilku</a:t>
+            </a:r>
+            <a:r>
+              <a:rPr lang="en-US" dirty="0">
+                <a:cs typeface="Calibri"/>
+              </a:rPr>
+              <a:t> </a:t>
+            </a:r>
+            <a:r>
+              <a:rPr lang="en-US" dirty="0" err="1">
+                <a:cs typeface="Calibri"/>
+              </a:rPr>
+              <a:t>metrk</a:t>
+            </a:r>
+            <a:r>
+              <a:rPr lang="en-US" dirty="0">
+                <a:cs typeface="Calibri"/>
+              </a:rPr>
+              <a:t> </a:t>
+            </a:r>
+            <a:r>
+              <a:rPr lang="en-US" dirty="0" err="1">
+                <a:cs typeface="Calibri"/>
+              </a:rPr>
+              <a:t>dotyczących</a:t>
+            </a:r>
+            <a:r>
+              <a:rPr lang="en-US" dirty="0">
+                <a:cs typeface="Calibri"/>
+              </a:rPr>
+              <a:t> </a:t>
+            </a:r>
+            <a:r>
+              <a:rPr lang="en-US" dirty="0" err="1">
+                <a:cs typeface="Calibri"/>
+              </a:rPr>
+              <a:t>przetwarzania</a:t>
+            </a:r>
+            <a:r>
+              <a:rPr lang="en-US" dirty="0">
+                <a:cs typeface="Calibri"/>
+              </a:rPr>
+              <a:t> </a:t>
+            </a:r>
+            <a:r>
+              <a:rPr lang="en-US" dirty="0" err="1">
+                <a:cs typeface="Calibri"/>
+              </a:rPr>
+              <a:t>języka</a:t>
+            </a:r>
+            <a:r>
+              <a:rPr lang="en-US" dirty="0">
+                <a:cs typeface="Calibri"/>
+              </a:rPr>
+              <a:t>, a </a:t>
+            </a:r>
+            <a:r>
+              <a:rPr lang="en-US" dirty="0" err="1">
+                <a:cs typeface="Calibri"/>
+              </a:rPr>
+              <a:t>także</a:t>
+            </a:r>
+            <a:r>
+              <a:rPr lang="en-US" dirty="0">
+                <a:cs typeface="Calibri"/>
+              </a:rPr>
+              <a:t> </a:t>
+            </a:r>
+            <a:r>
+              <a:rPr lang="en-US" dirty="0" err="1">
+                <a:cs typeface="Calibri"/>
+              </a:rPr>
+              <a:t>metryk</a:t>
+            </a:r>
+            <a:r>
+              <a:rPr lang="en-US" dirty="0">
+                <a:cs typeface="Calibri"/>
+              </a:rPr>
+              <a:t> </a:t>
+            </a:r>
+            <a:r>
+              <a:rPr lang="en-US" dirty="0" err="1">
+                <a:cs typeface="Calibri"/>
+              </a:rPr>
+              <a:t>związanych</a:t>
+            </a:r>
+            <a:r>
+              <a:rPr lang="en-US" dirty="0">
+                <a:cs typeface="Calibri"/>
+              </a:rPr>
+              <a:t> z </a:t>
+            </a:r>
+            <a:r>
+              <a:rPr lang="en-US" dirty="0" err="1">
+                <a:cs typeface="Calibri"/>
+              </a:rPr>
+              <a:t>dystansem</a:t>
+            </a:r>
+            <a:r>
+              <a:rPr lang="en-US" dirty="0">
+                <a:cs typeface="Calibri"/>
+              </a:rPr>
+              <a:t> do </a:t>
+            </a:r>
+            <a:r>
+              <a:rPr lang="en-US" dirty="0" err="1">
+                <a:cs typeface="Calibri"/>
+              </a:rPr>
+              <a:t>dobrych</a:t>
+            </a:r>
+            <a:r>
+              <a:rPr lang="en-US" dirty="0">
+                <a:cs typeface="Calibri"/>
+              </a:rPr>
+              <a:t> </a:t>
+            </a:r>
+            <a:r>
+              <a:rPr lang="en-US" dirty="0" err="1">
+                <a:cs typeface="Calibri"/>
+              </a:rPr>
+              <a:t>domen</a:t>
+            </a:r>
+            <a:r>
+              <a:rPr lang="en-US" dirty="0">
+                <a:cs typeface="Calibri"/>
+              </a:rPr>
+              <a:t>. </a:t>
+            </a:r>
+            <a:r>
+              <a:rPr lang="en-US" dirty="0" err="1">
+                <a:cs typeface="Calibri"/>
+              </a:rPr>
+              <a:t>Już</a:t>
+            </a:r>
+            <a:r>
+              <a:rPr lang="en-US" dirty="0">
+                <a:cs typeface="Calibri"/>
+              </a:rPr>
+              <a:t> </a:t>
+            </a:r>
+            <a:r>
+              <a:rPr lang="en-US" dirty="0" err="1">
+                <a:cs typeface="Calibri"/>
+              </a:rPr>
+              <a:t>mieliśmy</a:t>
+            </a:r>
+            <a:r>
+              <a:rPr lang="en-US" dirty="0">
+                <a:cs typeface="Calibri"/>
+              </a:rPr>
+              <a:t> </a:t>
+            </a:r>
+            <a:r>
+              <a:rPr lang="en-US" dirty="0" err="1">
+                <a:cs typeface="Calibri"/>
+              </a:rPr>
+              <a:t>działające</a:t>
+            </a:r>
+            <a:r>
+              <a:rPr lang="en-US" dirty="0">
+                <a:cs typeface="Calibri"/>
+              </a:rPr>
+              <a:t> demo </a:t>
+            </a:r>
+            <a:r>
+              <a:rPr lang="en-US" dirty="0" err="1">
+                <a:cs typeface="Calibri"/>
+              </a:rPr>
+              <a:t>takiego</a:t>
+            </a:r>
+            <a:r>
+              <a:rPr lang="en-US" dirty="0">
+                <a:cs typeface="Calibri"/>
+              </a:rPr>
+              <a:t> </a:t>
+            </a:r>
+            <a:r>
+              <a:rPr lang="en-US" dirty="0" err="1">
+                <a:cs typeface="Calibri"/>
+              </a:rPr>
+              <a:t>systemu</a:t>
+            </a:r>
+            <a:r>
+              <a:rPr lang="en-US" dirty="0">
+                <a:cs typeface="Calibri"/>
+              </a:rPr>
+              <a:t>, </a:t>
+            </a:r>
+            <a:r>
+              <a:rPr lang="en-US" dirty="0" err="1">
+                <a:cs typeface="Calibri"/>
+              </a:rPr>
+              <a:t>korzystające</a:t>
+            </a:r>
+            <a:r>
+              <a:rPr lang="en-US" dirty="0">
+                <a:cs typeface="Calibri"/>
+              </a:rPr>
+              <a:t> z </a:t>
+            </a:r>
+            <a:r>
+              <a:rPr lang="en-US" dirty="0" err="1">
+                <a:cs typeface="Calibri"/>
+              </a:rPr>
+              <a:t>metryki</a:t>
+            </a:r>
+            <a:r>
+              <a:rPr lang="en-US" dirty="0">
+                <a:cs typeface="Calibri"/>
+              </a:rPr>
+              <a:t>, </a:t>
+            </a:r>
+            <a:r>
+              <a:rPr lang="en-US" dirty="0" err="1">
+                <a:cs typeface="Calibri"/>
+              </a:rPr>
+              <a:t>która</a:t>
+            </a:r>
+            <a:r>
+              <a:rPr lang="en-US" dirty="0">
+                <a:cs typeface="Calibri"/>
+              </a:rPr>
+              <a:t> </a:t>
+            </a:r>
+            <a:r>
+              <a:rPr lang="en-US" dirty="0" err="1">
+                <a:cs typeface="Calibri"/>
+              </a:rPr>
+              <a:t>priorytetyzowała</a:t>
+            </a:r>
+            <a:r>
+              <a:rPr lang="en-US" dirty="0">
+                <a:cs typeface="Calibri"/>
+              </a:rPr>
+              <a:t> </a:t>
+            </a:r>
+            <a:r>
+              <a:rPr lang="en-US" dirty="0" err="1">
+                <a:cs typeface="Calibri"/>
+              </a:rPr>
+              <a:t>początek</a:t>
+            </a:r>
+            <a:r>
+              <a:rPr lang="en-US" dirty="0">
+                <a:cs typeface="Calibri"/>
+              </a:rPr>
+              <a:t> URL, </a:t>
+            </a:r>
+            <a:r>
+              <a:rPr lang="en-US" dirty="0" err="1">
+                <a:cs typeface="Calibri"/>
+              </a:rPr>
+              <a:t>ponieważ</a:t>
+            </a:r>
+            <a:r>
+              <a:rPr lang="en-US" dirty="0">
+                <a:cs typeface="Calibri"/>
+              </a:rPr>
+              <a:t> jest to </a:t>
+            </a:r>
+            <a:r>
+              <a:rPr lang="en-US" dirty="0" err="1">
+                <a:cs typeface="Calibri"/>
+              </a:rPr>
+              <a:t>część</a:t>
+            </a:r>
+            <a:r>
+              <a:rPr lang="en-US" dirty="0">
+                <a:cs typeface="Calibri"/>
+              </a:rPr>
+              <a:t>, </a:t>
+            </a:r>
+            <a:r>
+              <a:rPr lang="en-US" dirty="0" err="1">
+                <a:cs typeface="Calibri"/>
+              </a:rPr>
+              <a:t>którą</a:t>
+            </a:r>
+            <a:r>
+              <a:rPr lang="en-US" dirty="0">
+                <a:cs typeface="Calibri"/>
+              </a:rPr>
+              <a:t> </a:t>
+            </a:r>
+            <a:r>
+              <a:rPr lang="en-US" dirty="0" err="1">
+                <a:cs typeface="Calibri"/>
+              </a:rPr>
+              <a:t>użytkownik</a:t>
+            </a:r>
+            <a:r>
+              <a:rPr lang="en-US" dirty="0">
+                <a:cs typeface="Calibri"/>
+              </a:rPr>
+              <a:t> </a:t>
+            </a:r>
+            <a:r>
+              <a:rPr lang="en-US" dirty="0" err="1">
+                <a:cs typeface="Calibri"/>
+              </a:rPr>
+              <a:t>widzi</a:t>
+            </a:r>
+            <a:r>
+              <a:rPr lang="en-US" dirty="0">
+                <a:cs typeface="Calibri"/>
+              </a:rPr>
+              <a:t> </a:t>
+            </a:r>
+            <a:r>
+              <a:rPr lang="en-US" dirty="0" err="1">
+                <a:cs typeface="Calibri"/>
+              </a:rPr>
+              <a:t>najczęściej</a:t>
+            </a:r>
+            <a:r>
+              <a:rPr lang="en-US" dirty="0">
+                <a:cs typeface="Calibri"/>
+              </a:rPr>
+              <a:t>. </a:t>
+            </a:r>
+            <a:r>
+              <a:rPr lang="en-US" dirty="0" err="1">
+                <a:cs typeface="Calibri"/>
+              </a:rPr>
+              <a:t>Jednak</a:t>
+            </a:r>
+            <a:r>
+              <a:rPr lang="en-US" dirty="0">
+                <a:cs typeface="Calibri"/>
+              </a:rPr>
+              <a:t> </a:t>
+            </a:r>
+            <a:r>
+              <a:rPr lang="en-US" dirty="0" err="1">
+                <a:cs typeface="Calibri"/>
+              </a:rPr>
+              <a:t>obliczanie</a:t>
+            </a:r>
+            <a:r>
+              <a:rPr lang="en-US" dirty="0">
+                <a:cs typeface="Calibri"/>
+              </a:rPr>
+              <a:t> </a:t>
+            </a:r>
+            <a:r>
+              <a:rPr lang="en-US" dirty="0" err="1">
+                <a:cs typeface="Calibri"/>
+              </a:rPr>
+              <a:t>takiego</a:t>
+            </a:r>
+            <a:r>
+              <a:rPr lang="en-US" dirty="0">
+                <a:cs typeface="Calibri"/>
+              </a:rPr>
+              <a:t> </a:t>
+            </a:r>
+            <a:r>
+              <a:rPr lang="en-US" dirty="0" err="1">
+                <a:cs typeface="Calibri"/>
+              </a:rPr>
+              <a:t>dystansu</a:t>
+            </a:r>
+            <a:r>
+              <a:rPr lang="en-US" dirty="0">
+                <a:cs typeface="Calibri"/>
+              </a:rPr>
+              <a:t> jest </a:t>
+            </a:r>
+            <a:r>
+              <a:rPr lang="en-US" dirty="0" err="1">
+                <a:cs typeface="Calibri"/>
+              </a:rPr>
+              <a:t>bardzo</a:t>
+            </a:r>
+            <a:r>
+              <a:rPr lang="en-US" dirty="0">
+                <a:cs typeface="Calibri"/>
+              </a:rPr>
+              <a:t> </a:t>
+            </a:r>
+            <a:r>
+              <a:rPr lang="en-US" dirty="0" err="1">
+                <a:cs typeface="Calibri"/>
+              </a:rPr>
+              <a:t>złożone</a:t>
+            </a:r>
+            <a:r>
+              <a:rPr lang="en-US" dirty="0">
+                <a:cs typeface="Calibri"/>
+              </a:rPr>
+              <a:t> I </a:t>
+            </a:r>
+            <a:r>
+              <a:rPr lang="en-US" dirty="0" err="1">
+                <a:cs typeface="Calibri"/>
+              </a:rPr>
+              <a:t>wymagałoby</a:t>
+            </a:r>
+            <a:r>
+              <a:rPr lang="en-US" dirty="0">
+                <a:cs typeface="Calibri"/>
+              </a:rPr>
+              <a:t> </a:t>
+            </a:r>
+            <a:r>
+              <a:rPr lang="en-US" dirty="0" err="1">
+                <a:cs typeface="Calibri"/>
+              </a:rPr>
+              <a:t>stworzenia</a:t>
+            </a:r>
+            <a:r>
+              <a:rPr lang="en-US" dirty="0">
+                <a:cs typeface="Calibri"/>
+              </a:rPr>
+              <a:t> </a:t>
+            </a:r>
+            <a:r>
+              <a:rPr lang="en-US" dirty="0" err="1">
+                <a:cs typeface="Calibri"/>
+              </a:rPr>
+              <a:t>dedykowanej</a:t>
+            </a:r>
+            <a:r>
+              <a:rPr lang="en-US" dirty="0">
+                <a:cs typeface="Calibri"/>
+              </a:rPr>
+              <a:t> </a:t>
+            </a:r>
+            <a:r>
+              <a:rPr lang="en-US" dirty="0" err="1">
+                <a:cs typeface="Calibri"/>
+              </a:rPr>
+              <a:t>specjalistycznej</a:t>
+            </a:r>
+            <a:r>
+              <a:rPr lang="en-US" dirty="0">
+                <a:cs typeface="Calibri"/>
+              </a:rPr>
+              <a:t> </a:t>
+            </a:r>
+            <a:r>
+              <a:rPr lang="en-US" dirty="0" err="1">
+                <a:cs typeface="Calibri"/>
+              </a:rPr>
+              <a:t>infrastruktury</a:t>
+            </a:r>
+            <a:r>
+              <a:rPr lang="en-US" dirty="0">
+                <a:cs typeface="Calibri"/>
+              </a:rPr>
+              <a:t>. </a:t>
+            </a:r>
+          </a:p>
+          <a:p>
+            <a:endParaRPr lang="en-US" dirty="0">
+              <a:cs typeface="Calibri"/>
+            </a:endParaRPr>
+          </a:p>
+          <a:p>
+            <a:r>
+              <a:rPr lang="en-US" dirty="0" err="1">
+                <a:cs typeface="Calibri"/>
+              </a:rPr>
+              <a:t>Kolejne</a:t>
+            </a:r>
+            <a:r>
+              <a:rPr lang="en-US" dirty="0">
+                <a:cs typeface="Calibri"/>
+              </a:rPr>
+              <a:t> </a:t>
+            </a:r>
+            <a:r>
+              <a:rPr lang="en-US" dirty="0" err="1">
+                <a:cs typeface="Calibri"/>
+              </a:rPr>
+              <a:t>plany</a:t>
+            </a:r>
+            <a:r>
+              <a:rPr lang="en-US" dirty="0">
+                <a:cs typeface="Calibri"/>
+              </a:rPr>
+              <a:t> </a:t>
+            </a:r>
+            <a:r>
+              <a:rPr lang="en-US" dirty="0" err="1">
+                <a:cs typeface="Calibri"/>
+              </a:rPr>
+              <a:t>dotyczą</a:t>
+            </a:r>
+            <a:r>
+              <a:rPr lang="en-US" dirty="0">
+                <a:cs typeface="Calibri"/>
+              </a:rPr>
+              <a:t> </a:t>
+            </a:r>
+            <a:r>
+              <a:rPr lang="en-US" dirty="0" err="1">
+                <a:cs typeface="Calibri"/>
+              </a:rPr>
+              <a:t>wprowadzenia</a:t>
+            </a:r>
+            <a:r>
+              <a:rPr lang="en-US" dirty="0">
+                <a:cs typeface="Calibri"/>
+              </a:rPr>
+              <a:t> </a:t>
+            </a:r>
+            <a:r>
+              <a:rPr lang="en-US" dirty="0" err="1">
+                <a:cs typeface="Calibri"/>
+              </a:rPr>
+              <a:t>kolejnych</a:t>
+            </a:r>
+            <a:r>
+              <a:rPr lang="en-US" dirty="0">
+                <a:cs typeface="Calibri"/>
+              </a:rPr>
+              <a:t> </a:t>
+            </a:r>
+            <a:r>
+              <a:rPr lang="en-US" dirty="0" err="1">
+                <a:cs typeface="Calibri"/>
+              </a:rPr>
+              <a:t>metryk</a:t>
+            </a:r>
+            <a:r>
+              <a:rPr lang="en-US" dirty="0">
+                <a:cs typeface="Calibri"/>
+              </a:rPr>
+              <a:t> </a:t>
+            </a:r>
+            <a:r>
+              <a:rPr lang="en-US" dirty="0" err="1">
+                <a:cs typeface="Calibri"/>
+              </a:rPr>
+              <a:t>oraz</a:t>
+            </a:r>
+            <a:r>
+              <a:rPr lang="en-US" dirty="0">
+                <a:cs typeface="Calibri"/>
+              </a:rPr>
+              <a:t> </a:t>
+            </a:r>
+            <a:r>
+              <a:rPr lang="en-US" dirty="0" err="1">
+                <a:cs typeface="Calibri"/>
+              </a:rPr>
+              <a:t>ewentualnie</a:t>
+            </a:r>
+            <a:r>
+              <a:rPr lang="en-US" dirty="0">
+                <a:cs typeface="Calibri"/>
+              </a:rPr>
+              <a:t> </a:t>
+            </a:r>
+            <a:r>
+              <a:rPr lang="en-US" dirty="0" err="1">
+                <a:cs typeface="Calibri"/>
+              </a:rPr>
+              <a:t>systemów</a:t>
+            </a:r>
+            <a:r>
+              <a:rPr lang="en-US" dirty="0">
+                <a:cs typeface="Calibri"/>
+              </a:rPr>
+              <a:t> </a:t>
+            </a:r>
+            <a:r>
+              <a:rPr lang="en-US" dirty="0" err="1">
+                <a:cs typeface="Calibri"/>
+              </a:rPr>
+              <a:t>wspomagających</a:t>
+            </a:r>
+            <a:r>
+              <a:rPr lang="en-US" dirty="0">
+                <a:cs typeface="Calibri"/>
+              </a:rPr>
+              <a:t> model </a:t>
+            </a:r>
+            <a:r>
+              <a:rPr lang="en-US" dirty="0" err="1">
+                <a:cs typeface="Calibri"/>
+              </a:rPr>
+              <a:t>takich</a:t>
+            </a:r>
+            <a:r>
+              <a:rPr lang="en-US" dirty="0">
+                <a:cs typeface="Calibri"/>
+              </a:rPr>
+              <a:t> jak </a:t>
+            </a:r>
+            <a:r>
+              <a:rPr lang="en-US" dirty="0" err="1">
+                <a:cs typeface="Calibri"/>
+              </a:rPr>
+              <a:t>baza</a:t>
+            </a:r>
+            <a:r>
+              <a:rPr lang="en-US" dirty="0">
+                <a:cs typeface="Calibri"/>
+              </a:rPr>
+              <a:t> </a:t>
+            </a:r>
+            <a:r>
+              <a:rPr lang="en-US" dirty="0" err="1">
+                <a:cs typeface="Calibri"/>
+              </a:rPr>
+              <a:t>danych</a:t>
+            </a:r>
+            <a:r>
+              <a:rPr lang="en-US" dirty="0">
+                <a:cs typeface="Calibri"/>
+              </a:rPr>
+              <a:t> </a:t>
+            </a:r>
+            <a:r>
+              <a:rPr lang="en-US" dirty="0" err="1">
+                <a:cs typeface="Calibri"/>
+              </a:rPr>
+              <a:t>domen</a:t>
+            </a:r>
+            <a:r>
+              <a:rPr lang="en-US" dirty="0">
+                <a:cs typeface="Calibri"/>
+              </a:rPr>
+              <a:t> – </a:t>
+            </a:r>
+            <a:r>
+              <a:rPr lang="en-US" dirty="0" err="1">
+                <a:cs typeface="Calibri"/>
+              </a:rPr>
+              <a:t>ostateczne</a:t>
+            </a:r>
+            <a:r>
+              <a:rPr lang="en-US" dirty="0">
+                <a:cs typeface="Calibri"/>
+              </a:rPr>
+              <a:t> </a:t>
+            </a:r>
+            <a:r>
+              <a:rPr lang="en-US" dirty="0" err="1">
+                <a:cs typeface="Calibri"/>
+              </a:rPr>
+              <a:t>źródło</a:t>
+            </a:r>
+            <a:r>
+              <a:rPr lang="en-US" dirty="0">
+                <a:cs typeface="Calibri"/>
+              </a:rPr>
+              <a:t> </a:t>
+            </a:r>
+            <a:r>
+              <a:rPr lang="en-US" dirty="0" err="1">
+                <a:cs typeface="Calibri"/>
+              </a:rPr>
+              <a:t>prawdy</a:t>
+            </a:r>
+            <a:r>
+              <a:rPr lang="en-US" dirty="0">
+                <a:cs typeface="Calibri"/>
+              </a:rPr>
+              <a:t>, </a:t>
+            </a:r>
+            <a:r>
+              <a:rPr lang="en-US" dirty="0" err="1">
+                <a:cs typeface="Calibri"/>
+              </a:rPr>
+              <a:t>czy</a:t>
+            </a:r>
+            <a:r>
+              <a:rPr lang="en-US" dirty="0">
+                <a:cs typeface="Calibri"/>
+              </a:rPr>
+              <a:t> </a:t>
+            </a:r>
+            <a:r>
+              <a:rPr lang="en-US" dirty="0" err="1">
+                <a:cs typeface="Calibri"/>
+              </a:rPr>
+              <a:t>systemy</a:t>
+            </a:r>
+            <a:r>
+              <a:rPr lang="en-US" dirty="0">
+                <a:cs typeface="Calibri"/>
+              </a:rPr>
+              <a:t> </a:t>
+            </a:r>
+            <a:r>
+              <a:rPr lang="en-US" dirty="0" err="1">
+                <a:cs typeface="Calibri"/>
+              </a:rPr>
+              <a:t>automatycznie</a:t>
+            </a:r>
+            <a:r>
+              <a:rPr lang="en-US" dirty="0">
+                <a:cs typeface="Calibri"/>
+              </a:rPr>
+              <a:t> </a:t>
+            </a:r>
+            <a:r>
+              <a:rPr lang="en-US" dirty="0" err="1">
+                <a:cs typeface="Calibri"/>
+              </a:rPr>
+              <a:t>skanujące</a:t>
+            </a:r>
+            <a:r>
+              <a:rPr lang="en-US" dirty="0">
+                <a:cs typeface="Calibri"/>
+              </a:rPr>
+              <a:t> </a:t>
+            </a:r>
+            <a:r>
+              <a:rPr lang="en-US" dirty="0" err="1">
+                <a:cs typeface="Calibri"/>
+              </a:rPr>
+              <a:t>permutacje</a:t>
+            </a:r>
+            <a:r>
+              <a:rPr lang="en-US" dirty="0">
+                <a:cs typeface="Calibri"/>
+              </a:rPr>
+              <a:t> </a:t>
+            </a:r>
+            <a:r>
+              <a:rPr lang="en-US" dirty="0" err="1">
+                <a:cs typeface="Calibri"/>
+              </a:rPr>
+              <a:t>znanych</a:t>
+            </a:r>
+            <a:r>
+              <a:rPr lang="en-US" dirty="0">
+                <a:cs typeface="Calibri"/>
+              </a:rPr>
+              <a:t> </a:t>
+            </a:r>
+            <a:r>
+              <a:rPr lang="en-US" dirty="0" err="1">
+                <a:cs typeface="Calibri"/>
+              </a:rPr>
+              <a:t>domen</a:t>
+            </a:r>
+            <a:r>
+              <a:rPr lang="en-US" dirty="0">
+                <a:cs typeface="Calibri"/>
+              </a:rPr>
+              <a:t>. Takie </a:t>
+            </a:r>
+            <a:r>
+              <a:rPr lang="en-US" dirty="0" err="1">
+                <a:cs typeface="Calibri"/>
+              </a:rPr>
+              <a:t>aplikacje</a:t>
+            </a:r>
+            <a:r>
+              <a:rPr lang="en-US" dirty="0">
+                <a:cs typeface="Calibri"/>
+              </a:rPr>
+              <a:t> </a:t>
+            </a:r>
+            <a:r>
+              <a:rPr lang="en-US" dirty="0" err="1">
+                <a:cs typeface="Calibri"/>
+              </a:rPr>
+              <a:t>skanujące</a:t>
+            </a:r>
+            <a:r>
+              <a:rPr lang="en-US" dirty="0">
+                <a:cs typeface="Calibri"/>
+              </a:rPr>
+              <a:t> </a:t>
+            </a:r>
+            <a:r>
+              <a:rPr lang="en-US" dirty="0" err="1">
+                <a:cs typeface="Calibri"/>
+              </a:rPr>
+              <a:t>już</a:t>
+            </a:r>
+            <a:r>
+              <a:rPr lang="en-US" dirty="0">
+                <a:cs typeface="Calibri"/>
+              </a:rPr>
+              <a:t> </a:t>
+            </a:r>
+            <a:r>
+              <a:rPr lang="en-US" dirty="0" err="1">
+                <a:cs typeface="Calibri"/>
+              </a:rPr>
+              <a:t>istnieją</a:t>
+            </a:r>
+            <a:r>
+              <a:rPr lang="en-US" dirty="0">
+                <a:cs typeface="Calibri"/>
+              </a:rPr>
+              <a:t>, </a:t>
+            </a:r>
+            <a:r>
+              <a:rPr lang="en-US" dirty="0" err="1">
+                <a:cs typeface="Calibri"/>
+              </a:rPr>
+              <a:t>więc</a:t>
+            </a:r>
+            <a:r>
+              <a:rPr lang="en-US" dirty="0">
+                <a:cs typeface="Calibri"/>
+              </a:rPr>
+              <a:t> jest to </a:t>
+            </a:r>
+            <a:r>
+              <a:rPr lang="en-US" dirty="0" err="1">
+                <a:cs typeface="Calibri"/>
+              </a:rPr>
+              <a:t>kwestia</a:t>
+            </a:r>
+            <a:r>
+              <a:rPr lang="en-US" dirty="0">
+                <a:cs typeface="Calibri"/>
+              </a:rPr>
+              <a:t> </a:t>
+            </a:r>
+            <a:r>
+              <a:rPr lang="en-US" dirty="0" err="1">
+                <a:cs typeface="Calibri"/>
+              </a:rPr>
+              <a:t>integracji</a:t>
+            </a:r>
+            <a:r>
+              <a:rPr lang="en-US" dirty="0">
+                <a:cs typeface="Calibri"/>
+              </a:rPr>
+              <a:t> ich z </a:t>
+            </a:r>
+            <a:r>
+              <a:rPr lang="en-US" dirty="0" err="1">
+                <a:cs typeface="Calibri"/>
+              </a:rPr>
+              <a:t>naszą</a:t>
+            </a:r>
+            <a:r>
+              <a:rPr lang="en-US" dirty="0">
+                <a:cs typeface="Calibri"/>
+              </a:rPr>
+              <a:t> </a:t>
+            </a:r>
+            <a:r>
+              <a:rPr lang="en-US" dirty="0" err="1">
+                <a:cs typeface="Calibri"/>
+              </a:rPr>
+              <a:t>architekturą</a:t>
+            </a:r>
+            <a:r>
+              <a:rPr lang="en-US" dirty="0">
+                <a:cs typeface="Calibri"/>
+              </a:rPr>
+              <a:t>.</a:t>
+            </a:r>
+          </a:p>
+        </p:txBody>
+      </p:sp>
+      <p:sp>
+        <p:nvSpPr>
+          <p:cNvPr id="4" name="Symbol zastępczy numeru slajdu 3"/>
+          <p:cNvSpPr>
+            <a:spLocks noGrp="1"/>
+          </p:cNvSpPr>
+          <p:nvPr>
+            <p:ph type="sldNum" sz="quarter" idx="5"/>
+          </p:nvPr>
+        </p:nvSpPr>
+        <p:spPr/>
+        <p:txBody>
+          <a:bodyPr/>
+          <a:lstStyle/>
+          <a:p>
+            <a:fld id="{AD18D8B3-92B5-4C4E-BD9C-21C8EB5DFDFB}" type="slidenum">
+              <a:rPr lang="pl-PL"/>
+              <a:t>9</a:t>
+            </a:fld>
+            <a:endParaRPr lang="pl-PL"/>
+          </a:p>
+        </p:txBody>
+      </p:sp>
+    </p:spTree>
+    <p:extLst>
+      <p:ext uri="{BB962C8B-B14F-4D97-AF65-F5344CB8AC3E}">
+        <p14:creationId xmlns:p14="http://schemas.microsoft.com/office/powerpoint/2010/main" val="1876488071"/>
       </p:ext>
     </p:extLst>
   </p:cSld>
@@ -13732,7 +16151,7 @@
           </a:lstStyle>
           <a:p>
             <a:r>
-              <a:rPr lang="en-US" dirty="0"/>
+              <a:rPr lang="en-US"/>
               <a:t>Click to edit Master title style</a:t>
             </a:r>
           </a:p>
@@ -13811,7 +16230,7 @@
           </a:lstStyle>
           <a:p>
             <a:r>
-              <a:rPr lang="en-US" dirty="0"/>
+              <a:rPr lang="en-US"/>
               <a:t>Click to edit Master subtitle style</a:t>
             </a:r>
           </a:p>
@@ -13840,7 +16259,7 @@
           <a:p>
             <a:fld id="{655A5808-3B61-48CC-92EF-85AC2E0DFA56}" type="datetime2">
               <a:rPr lang="en-US" smtClean="0"/>
-              <a:t>Saturday, June 19, 2021</a:t>
+              <a:t>Tuesday, June 22, 2021</a:t>
             </a:fld>
             <a:endParaRPr lang="en-US"/>
           </a:p>
@@ -14038,7 +16457,7 @@
           <a:p>
             <a:fld id="{735E98AF-4574-4509-BF7A-519ACD5BF826}" type="datetime2">
               <a:rPr lang="en-US" smtClean="0"/>
-              <a:t>Saturday, June 19, 2021</a:t>
+              <a:t>Tuesday, June 22, 2021</a:t>
             </a:fld>
             <a:endParaRPr lang="en-US"/>
           </a:p>
@@ -14158,7 +16577,6 @@
               <a:rPr lang="en-US"/>
               <a:t>Click to edit Master title style</a:t>
             </a:r>
-            <a:endParaRPr lang="en-US" dirty="0"/>
           </a:p>
         </p:txBody>
       </p:sp>
@@ -14221,7 +16639,6 @@
               <a:rPr lang="en-US"/>
               <a:t>Fifth level</a:t>
             </a:r>
-            <a:endParaRPr lang="en-US" dirty="0"/>
           </a:p>
         </p:txBody>
       </p:sp>
@@ -14248,7 +16665,7 @@
           <a:p>
             <a:fld id="{93DD97D4-9636-490F-85D0-E926C2B6F3B1}" type="datetime2">
               <a:rPr lang="en-US" smtClean="0"/>
-              <a:t>Saturday, June 19, 2021</a:t>
+              <a:t>Tuesday, June 22, 2021</a:t>
             </a:fld>
             <a:endParaRPr lang="en-US"/>
           </a:p>
@@ -14363,7 +16780,6 @@
               <a:rPr lang="en-US"/>
               <a:t>Click to edit Master title style</a:t>
             </a:r>
-            <a:endParaRPr lang="en-US" dirty="0"/>
           </a:p>
         </p:txBody>
       </p:sp>
@@ -14447,7 +16863,7 @@
           <a:p>
             <a:fld id="{2F3AF3C6-0FD4-4939-991C-00DDE5C56815}" type="datetime2">
               <a:rPr lang="en-US" smtClean="0"/>
-              <a:t>Saturday, June 19, 2021</a:t>
+              <a:t>Tuesday, June 22, 2021</a:t>
             </a:fld>
             <a:endParaRPr lang="en-US"/>
           </a:p>
@@ -14576,7 +16992,6 @@
               <a:rPr lang="en-US"/>
               <a:t>Click to edit Master title style</a:t>
             </a:r>
-            <a:endParaRPr lang="en-US" dirty="0"/>
           </a:p>
         </p:txBody>
       </p:sp>
@@ -14728,7 +17143,7 @@
           <a:p>
             <a:fld id="{86807482-8128-47C6-A8DD-6452B0291CFF}" type="datetime2">
               <a:rPr lang="en-US" smtClean="0"/>
-              <a:t>Saturday, June 19, 2021</a:t>
+              <a:t>Tuesday, June 22, 2021</a:t>
             </a:fld>
             <a:endParaRPr lang="en-US"/>
           </a:p>
@@ -14843,7 +17258,6 @@
               <a:rPr lang="en-US"/>
               <a:t>Click to edit Master title style</a:t>
             </a:r>
-            <a:endParaRPr lang="en-US" dirty="0"/>
           </a:p>
         </p:txBody>
       </p:sp>
@@ -14906,7 +17320,6 @@
               <a:rPr lang="en-US"/>
               <a:t>Fifth level</a:t>
             </a:r>
-            <a:endParaRPr lang="en-US" dirty="0"/>
           </a:p>
         </p:txBody>
       </p:sp>
@@ -14969,7 +17382,6 @@
               <a:rPr lang="en-US"/>
               <a:t>Fifth level</a:t>
             </a:r>
-            <a:endParaRPr lang="en-US" dirty="0"/>
           </a:p>
         </p:txBody>
       </p:sp>
@@ -14996,7 +17408,7 @@
           <a:p>
             <a:fld id="{37903F25-275E-41DE-BE3B-EBF0DB49F9B1}" type="datetime2">
               <a:rPr lang="en-US" smtClean="0"/>
-              <a:t>Saturday, June 19, 2021</a:t>
+              <a:t>Tuesday, June 22, 2021</a:t>
             </a:fld>
             <a:endParaRPr lang="en-US"/>
           </a:p>
@@ -15216,7 +17628,6 @@
               <a:rPr lang="en-US"/>
               <a:t>Fifth level</a:t>
             </a:r>
-            <a:endParaRPr lang="en-US" dirty="0"/>
           </a:p>
         </p:txBody>
       </p:sp>
@@ -15350,7 +17761,6 @@
               <a:rPr lang="en-US"/>
               <a:t>Fifth level</a:t>
             </a:r>
-            <a:endParaRPr lang="en-US" dirty="0"/>
           </a:p>
         </p:txBody>
       </p:sp>
@@ -15377,7 +17787,7 @@
           <a:p>
             <a:fld id="{EE475572-4A44-4171-84AA-64D42C8050A6}" type="datetime2">
               <a:rPr lang="en-US" smtClean="0"/>
-              <a:t>Saturday, June 19, 2021</a:t>
+              <a:t>Tuesday, June 22, 2021</a:t>
             </a:fld>
             <a:endParaRPr lang="en-US"/>
           </a:p>
@@ -15462,7 +17872,6 @@
               <a:rPr lang="en-US"/>
               <a:t>Click to edit Master title style</a:t>
             </a:r>
-            <a:endParaRPr lang="en-US" dirty="0"/>
           </a:p>
         </p:txBody>
       </p:sp>
@@ -15547,7 +17956,7 @@
           <a:p>
             <a:fld id="{C4C1612E-528E-4FD5-9E9E-E15F1108F171}" type="datetime2">
               <a:rPr lang="en-US" smtClean="0"/>
-              <a:t>Saturday, June 19, 2021</a:t>
+              <a:t>Tuesday, June 22, 2021</a:t>
             </a:fld>
             <a:endParaRPr lang="en-US"/>
           </a:p>
@@ -15660,7 +18069,7 @@
           <a:p>
             <a:fld id="{D4F6D862-A06D-436F-A92E-EBAAD50B6E50}" type="datetime2">
               <a:rPr lang="en-US" smtClean="0"/>
-              <a:t>Saturday, June 19, 2021</a:t>
+              <a:t>Tuesday, June 22, 2021</a:t>
             </a:fld>
             <a:endParaRPr lang="en-US"/>
           </a:p>
@@ -15787,7 +18196,6 @@
               <a:rPr lang="en-US"/>
               <a:t>Click to edit Master title style</a:t>
             </a:r>
-            <a:endParaRPr lang="en-US" dirty="0"/>
           </a:p>
         </p:txBody>
       </p:sp>
@@ -15849,35 +18257,35 @@
           <a:p>
             <a:pPr lvl="0"/>
             <a:r>
-              <a:rPr lang="en-US" dirty="0"/>
+              <a:rPr lang="en-US"/>
               <a:t>Click to edit Master text styles</a:t>
             </a:r>
           </a:p>
           <a:p>
             <a:pPr lvl="1"/>
             <a:r>
-              <a:rPr lang="en-US" dirty="0"/>
+              <a:rPr lang="en-US"/>
               <a:t>Second level</a:t>
             </a:r>
           </a:p>
           <a:p>
             <a:pPr lvl="2"/>
             <a:r>
-              <a:rPr lang="en-US" dirty="0"/>
+              <a:rPr lang="en-US"/>
               <a:t>Third level</a:t>
             </a:r>
           </a:p>
           <a:p>
             <a:pPr lvl="3"/>
             <a:r>
-              <a:rPr lang="en-US" dirty="0"/>
+              <a:rPr lang="en-US"/>
               <a:t>Fourth level</a:t>
             </a:r>
           </a:p>
           <a:p>
             <a:pPr lvl="4"/>
             <a:r>
-              <a:rPr lang="en-US" dirty="0"/>
+              <a:rPr lang="en-US"/>
               <a:t>Fifth level</a:t>
             </a:r>
           </a:p>
@@ -15977,7 +18385,7 @@
           <a:p>
             <a:fld id="{B73E0B7D-2260-4809-8F0A-9E5F3E24F169}" type="datetime2">
               <a:rPr lang="en-US" smtClean="0"/>
-              <a:t>Saturday, June 19, 2021</a:t>
+              <a:t>Tuesday, June 22, 2021</a:t>
             </a:fld>
             <a:endParaRPr lang="en-US"/>
           </a:p>
@@ -16101,7 +18509,6 @@
               <a:rPr lang="en-US"/>
               <a:t>Click to edit Master title style</a:t>
             </a:r>
-            <a:endParaRPr lang="en-US" dirty="0"/>
           </a:p>
         </p:txBody>
       </p:sp>
@@ -16269,7 +18676,7 @@
           <a:p>
             <a:fld id="{3C8E4735-C637-46A3-94EB-AB3AC4188D2F}" type="datetime2">
               <a:rPr lang="en-US" smtClean="0"/>
-              <a:t>Saturday, June 19, 2021</a:t>
+              <a:t>Tuesday, June 22, 2021</a:t>
             </a:fld>
             <a:endParaRPr lang="en-US"/>
           </a:p>
@@ -16524,7 +18931,7 @@
           <a:lstStyle/>
           <a:p>
             <a:r>
-              <a:rPr lang="en-US" dirty="0"/>
+              <a:rPr lang="en-US"/>
               <a:t>Click to edit Master title style</a:t>
             </a:r>
           </a:p>
@@ -16563,35 +18970,35 @@
           <a:p>
             <a:pPr lvl="0"/>
             <a:r>
-              <a:rPr lang="en-US" dirty="0"/>
+              <a:rPr lang="en-US"/>
               <a:t>Click to edit Master text styles</a:t>
             </a:r>
           </a:p>
           <a:p>
             <a:pPr lvl="1"/>
             <a:r>
-              <a:rPr lang="en-US" dirty="0"/>
+              <a:rPr lang="en-US"/>
               <a:t>Second level</a:t>
             </a:r>
           </a:p>
           <a:p>
             <a:pPr lvl="2"/>
             <a:r>
-              <a:rPr lang="en-US" dirty="0"/>
+              <a:rPr lang="en-US"/>
               <a:t>Third level</a:t>
             </a:r>
           </a:p>
           <a:p>
             <a:pPr lvl="3"/>
             <a:r>
-              <a:rPr lang="en-US" dirty="0"/>
+              <a:rPr lang="en-US"/>
               <a:t>Fourth level</a:t>
             </a:r>
           </a:p>
           <a:p>
             <a:pPr lvl="4"/>
             <a:r>
-              <a:rPr lang="en-US" dirty="0"/>
+              <a:rPr lang="en-US"/>
               <a:t>Fifth level</a:t>
             </a:r>
           </a:p>
@@ -16637,9 +19044,9 @@
             <a:fld id="{AE0C963C-C1DB-4AFD-9DDC-0691666BF49B}" type="datetime2">
               <a:rPr lang="en-US" smtClean="0"/>
               <a:pPr/>
-              <a:t>Saturday, June 19, 2021</a:t>
+              <a:t>Tuesday, June 22, 2021</a:t>
             </a:fld>
-            <a:endParaRPr lang="en-US" cap="all" dirty="0"/>
+            <a:endParaRPr lang="en-US" cap="all"/>
           </a:p>
         </p:txBody>
       </p:sp>
@@ -16728,7 +19135,7 @@
               <a:pPr/>
               <a:t>‹#›</a:t>
             </a:fld>
-            <a:endParaRPr lang="en-US" sz="800" dirty="0"/>
+            <a:endParaRPr lang="en-US" sz="800"/>
           </a:p>
         </p:txBody>
       </p:sp>
@@ -17435,7 +19842,7 @@
           <a:lstStyle/>
           <a:p>
             <a:pPr algn="ctr"/>
-            <a:endParaRPr lang="en-US" dirty="0"/>
+            <a:endParaRPr lang="en-US"/>
           </a:p>
         </p:txBody>
       </p:sp>
@@ -17463,7 +19870,7 @@
           <a:p>
             <a:pPr algn="l"/>
             <a:r>
-              <a:rPr lang="pl-PL" dirty="0">
+              <a:rPr lang="pl-PL">
                 <a:solidFill>
                   <a:schemeClr val="bg1"/>
                 </a:solidFill>
@@ -17497,7 +19904,7 @@
           <a:p>
             <a:pPr algn="l"/>
             <a:r>
-              <a:rPr lang="pl-PL" sz="1400" dirty="0">
+              <a:rPr lang="pl-PL" sz="1400">
                 <a:solidFill>
                   <a:schemeClr val="bg1"/>
                 </a:solidFill>
@@ -17508,7 +19915,7 @@
           <a:p>
             <a:pPr algn="l"/>
             <a:r>
-              <a:rPr lang="pl-PL" sz="1400" dirty="0">
+              <a:rPr lang="pl-PL" sz="1400">
                 <a:solidFill>
                   <a:schemeClr val="bg1"/>
                 </a:solidFill>
@@ -17519,7 +19926,7 @@
           <a:p>
             <a:pPr algn="l"/>
             <a:r>
-              <a:rPr lang="pl-PL" sz="1400" dirty="0">
+              <a:rPr lang="pl-PL" sz="1400">
                 <a:solidFill>
                   <a:schemeClr val="bg1"/>
                 </a:solidFill>
@@ -17530,7 +19937,7 @@
           <a:p>
             <a:pPr algn="l"/>
             <a:r>
-              <a:rPr lang="pl-PL" sz="1400" dirty="0" err="1">
+              <a:rPr lang="pl-PL" sz="1400" err="1">
                 <a:solidFill>
                   <a:schemeClr val="bg1"/>
                 </a:solidFill>
@@ -17538,7 +19945,7 @@
               <a:t>MORSKYi</a:t>
             </a:r>
             <a:r>
-              <a:rPr lang="pl-PL" sz="1400" dirty="0">
+              <a:rPr lang="pl-PL" sz="1400">
                 <a:solidFill>
                   <a:schemeClr val="bg1"/>
                 </a:solidFill>
@@ -17546,14 +19953,14 @@
               <a:t> </a:t>
             </a:r>
             <a:r>
-              <a:rPr lang="pl-PL" sz="1400" dirty="0" err="1">
+              <a:rPr lang="pl-PL" sz="1400" err="1">
                 <a:solidFill>
                   <a:schemeClr val="bg1"/>
                 </a:solidFill>
               </a:rPr>
               <a:t>vitalii</a:t>
             </a:r>
-            <a:endParaRPr lang="pl-PL" sz="1400" dirty="0">
+            <a:endParaRPr lang="pl-PL" sz="1400">
               <a:solidFill>
                 <a:schemeClr val="bg1"/>
               </a:solidFill>
@@ -17594,6 +20001,1266 @@
     <p:extLst>
       <p:ext uri="{BB962C8B-B14F-4D97-AF65-F5344CB8AC3E}">
         <p14:creationId xmlns:p14="http://schemas.microsoft.com/office/powerpoint/2010/main" val="650317164"/>
+      </p:ext>
+    </p:extLst>
+  </p:cSld>
+  <p:clrMapOvr>
+    <a:masterClrMapping/>
+  </p:clrMapOvr>
+</p:sld>
+</file>
+
+<file path=ppt/slides/slide10.xml><?xml version="1.0" encoding="utf-8"?>
+<p:sld xmlns:a="http://schemas.openxmlformats.org/drawingml/2006/main" xmlns:r="http://schemas.openxmlformats.org/officeDocument/2006/relationships" xmlns:p="http://schemas.openxmlformats.org/presentationml/2006/main">
+  <p:cSld>
+    <p:bg>
+      <p:bgPr>
+        <a:solidFill>
+          <a:schemeClr val="bg1"/>
+        </a:solidFill>
+        <a:effectLst/>
+      </p:bgPr>
+    </p:bg>
+    <p:spTree>
+      <p:nvGrpSpPr>
+        <p:cNvPr id="1" name=""/>
+        <p:cNvGrpSpPr/>
+        <p:nvPr/>
+      </p:nvGrpSpPr>
+      <p:grpSpPr>
+        <a:xfrm>
+          <a:off x="0" y="0"/>
+          <a:ext cx="0" cy="0"/>
+          <a:chOff x="0" y="0"/>
+          <a:chExt cx="0" cy="0"/>
+        </a:xfrm>
+      </p:grpSpPr>
+      <p:sp useBgFill="1">
+        <p:nvSpPr>
+          <p:cNvPr id="22" name="Rectangle 21">
+            <a:extLst>
+              <a:ext uri="{FF2B5EF4-FFF2-40B4-BE49-F238E27FC236}">
+                <a16:creationId xmlns:a16="http://schemas.microsoft.com/office/drawing/2014/main" id="{E383CC5D-71E8-4CB2-8E4A-F1E4FF6DC9D6}"/>
+              </a:ext>
+              <a:ext uri="{C183D7F6-B498-43B3-948B-1728B52AA6E4}">
+                <adec:decorative xmlns:adec="http://schemas.microsoft.com/office/drawing/2017/decorative" val="1"/>
+              </a:ext>
+            </a:extLst>
+          </p:cNvPr>
+          <p:cNvSpPr>
+            <a:spLocks noGrp="1" noRot="1" noChangeAspect="1" noMove="1" noResize="1" noEditPoints="1" noAdjustHandles="1" noChangeArrowheads="1" noChangeShapeType="1" noTextEdit="1"/>
+          </p:cNvSpPr>
+          <p:nvPr>
+            <p:extLst>
+              <p:ext uri="{386F3935-93C4-4BCD-93E2-E3B085C9AB24}">
+                <p16:designElem xmlns:p16="http://schemas.microsoft.com/office/powerpoint/2015/main" val="1"/>
+              </p:ext>
+            </p:extLst>
+          </p:nvPr>
+        </p:nvSpPr>
+        <p:spPr>
+          <a:xfrm>
+            <a:off x="0" y="0"/>
+            <a:ext cx="12192000" cy="6858000"/>
+          </a:xfrm>
+          <a:prstGeom prst="rect">
+            <a:avLst/>
+          </a:prstGeom>
+          <a:ln w="12700" cap="flat" cmpd="sng" algn="ctr">
+            <a:noFill/>
+            <a:prstDash val="solid"/>
+            <a:miter lim="800000"/>
+          </a:ln>
+          <a:effectLst/>
+          <a:extLst>
+            <a:ext uri="{91240B29-F687-4F45-9708-019B960494DF}">
+              <a14:hiddenLine xmlns:a14="http://schemas.microsoft.com/office/drawing/2010/main" w="12700" cap="flat" cmpd="sng" algn="ctr">
+                <a:solidFill>
+                  <a:schemeClr val="accent1">
+                    <a:shade val="50000"/>
+                  </a:schemeClr>
+                </a:solidFill>
+                <a:prstDash val="solid"/>
+                <a:miter lim="800000"/>
+              </a14:hiddenLine>
+            </a:ext>
+          </a:extLst>
+        </p:spPr>
+        <p:style>
+          <a:lnRef idx="2">
+            <a:schemeClr val="accent1">
+              <a:shade val="50000"/>
+            </a:schemeClr>
+          </a:lnRef>
+          <a:fillRef idx="1">
+            <a:schemeClr val="accent1"/>
+          </a:fillRef>
+          <a:effectRef idx="0">
+            <a:schemeClr val="accent1"/>
+          </a:effectRef>
+          <a:fontRef idx="minor">
+            <a:schemeClr val="lt1"/>
+          </a:fontRef>
+        </p:style>
+        <p:txBody>
+          <a:bodyPr rtlCol="0" anchor="ctr"/>
+          <a:lstStyle/>
+          <a:p>
+            <a:pPr algn="ctr"/>
+            <a:endParaRPr lang="en-US"/>
+          </a:p>
+        </p:txBody>
+      </p:sp>
+      <p:sp>
+        <p:nvSpPr>
+          <p:cNvPr id="24" name="Rectangle 23">
+            <a:extLst>
+              <a:ext uri="{FF2B5EF4-FFF2-40B4-BE49-F238E27FC236}">
+                <a16:creationId xmlns:a16="http://schemas.microsoft.com/office/drawing/2014/main" id="{E2DA5AC1-43C5-4243-9028-07DBB80D0C95}"/>
+              </a:ext>
+              <a:ext uri="{C183D7F6-B498-43B3-948B-1728B52AA6E4}">
+                <adec:decorative xmlns:adec="http://schemas.microsoft.com/office/drawing/2017/decorative" val="1"/>
+              </a:ext>
+            </a:extLst>
+          </p:cNvPr>
+          <p:cNvSpPr>
+            <a:spLocks noGrp="1" noRot="1" noChangeAspect="1" noMove="1" noResize="1" noEditPoints="1" noAdjustHandles="1" noChangeArrowheads="1" noChangeShapeType="1" noTextEdit="1"/>
+          </p:cNvSpPr>
+          <p:nvPr>
+            <p:extLst>
+              <p:ext uri="{386F3935-93C4-4BCD-93E2-E3B085C9AB24}">
+                <p16:designElem xmlns:p16="http://schemas.microsoft.com/office/powerpoint/2015/main" val="1"/>
+              </p:ext>
+            </p:extLst>
+          </p:nvPr>
+        </p:nvSpPr>
+        <p:spPr>
+          <a:xfrm>
+            <a:off x="0" y="428"/>
+            <a:ext cx="12192000" cy="1600201"/>
+          </a:xfrm>
+          <a:prstGeom prst="rect">
+            <a:avLst/>
+          </a:prstGeom>
+          <a:gradFill>
+            <a:gsLst>
+              <a:gs pos="0">
+                <a:schemeClr val="accent5">
+                  <a:alpha val="83000"/>
+                </a:schemeClr>
+              </a:gs>
+              <a:gs pos="100000">
+                <a:schemeClr val="accent6"/>
+              </a:gs>
+            </a:gsLst>
+            <a:lin ang="15600000" scaled="0"/>
+          </a:gradFill>
+          <a:ln>
+            <a:noFill/>
+          </a:ln>
+        </p:spPr>
+        <p:style>
+          <a:lnRef idx="2">
+            <a:schemeClr val="accent1">
+              <a:shade val="50000"/>
+            </a:schemeClr>
+          </a:lnRef>
+          <a:fillRef idx="1">
+            <a:schemeClr val="accent1"/>
+          </a:fillRef>
+          <a:effectRef idx="0">
+            <a:schemeClr val="accent1"/>
+          </a:effectRef>
+          <a:fontRef idx="minor">
+            <a:schemeClr val="lt1"/>
+          </a:fontRef>
+        </p:style>
+        <p:txBody>
+          <a:bodyPr rtlCol="0" anchor="ctr"/>
+          <a:lstStyle/>
+          <a:p>
+            <a:pPr algn="ctr"/>
+            <a:endParaRPr lang="en-US"/>
+          </a:p>
+        </p:txBody>
+      </p:sp>
+      <p:sp>
+        <p:nvSpPr>
+          <p:cNvPr id="26" name="Rectangle 25">
+            <a:extLst>
+              <a:ext uri="{FF2B5EF4-FFF2-40B4-BE49-F238E27FC236}">
+                <a16:creationId xmlns:a16="http://schemas.microsoft.com/office/drawing/2014/main" id="{8A4EDA1C-27A1-4C83-ACE4-6675EC9245B1}"/>
+              </a:ext>
+              <a:ext uri="{C183D7F6-B498-43B3-948B-1728B52AA6E4}">
+                <adec:decorative xmlns:adec="http://schemas.microsoft.com/office/drawing/2017/decorative" val="1"/>
+              </a:ext>
+            </a:extLst>
+          </p:cNvPr>
+          <p:cNvSpPr>
+            <a:spLocks noGrp="1" noRot="1" noChangeAspect="1" noMove="1" noResize="1" noEditPoints="1" noAdjustHandles="1" noChangeArrowheads="1" noChangeShapeType="1" noTextEdit="1"/>
+          </p:cNvSpPr>
+          <p:nvPr>
+            <p:extLst>
+              <p:ext uri="{386F3935-93C4-4BCD-93E2-E3B085C9AB24}">
+                <p16:designElem xmlns:p16="http://schemas.microsoft.com/office/powerpoint/2015/main" val="1"/>
+              </p:ext>
+            </p:extLst>
+          </p:nvPr>
+        </p:nvSpPr>
+        <p:spPr>
+          <a:xfrm>
+            <a:off x="4399161" y="9109"/>
+            <a:ext cx="7792839" cy="1594270"/>
+          </a:xfrm>
+          <a:prstGeom prst="rect">
+            <a:avLst/>
+          </a:prstGeom>
+          <a:gradFill>
+            <a:gsLst>
+              <a:gs pos="22000">
+                <a:schemeClr val="accent2">
+                  <a:alpha val="0"/>
+                </a:schemeClr>
+              </a:gs>
+              <a:gs pos="99000">
+                <a:schemeClr val="accent2"/>
+              </a:gs>
+            </a:gsLst>
+            <a:lin ang="18600000" scaled="0"/>
+          </a:gradFill>
+          <a:ln>
+            <a:noFill/>
+          </a:ln>
+        </p:spPr>
+        <p:style>
+          <a:lnRef idx="2">
+            <a:schemeClr val="accent1">
+              <a:shade val="50000"/>
+            </a:schemeClr>
+          </a:lnRef>
+          <a:fillRef idx="1">
+            <a:schemeClr val="accent1"/>
+          </a:fillRef>
+          <a:effectRef idx="0">
+            <a:schemeClr val="accent1"/>
+          </a:effectRef>
+          <a:fontRef idx="minor">
+            <a:schemeClr val="lt1"/>
+          </a:fontRef>
+        </p:style>
+        <p:txBody>
+          <a:bodyPr rtlCol="0" anchor="ctr"/>
+          <a:lstStyle/>
+          <a:p>
+            <a:pPr algn="ctr"/>
+            <a:endParaRPr lang="en-US"/>
+          </a:p>
+        </p:txBody>
+      </p:sp>
+      <p:sp>
+        <p:nvSpPr>
+          <p:cNvPr id="28" name="Rectangle 27">
+            <a:extLst>
+              <a:ext uri="{FF2B5EF4-FFF2-40B4-BE49-F238E27FC236}">
+                <a16:creationId xmlns:a16="http://schemas.microsoft.com/office/drawing/2014/main" id="{1C2185E4-B584-4B9D-9440-DEA0FB9D94DF}"/>
+              </a:ext>
+              <a:ext uri="{C183D7F6-B498-43B3-948B-1728B52AA6E4}">
+                <adec:decorative xmlns:adec="http://schemas.microsoft.com/office/drawing/2017/decorative" val="1"/>
+              </a:ext>
+            </a:extLst>
+          </p:cNvPr>
+          <p:cNvSpPr>
+            <a:spLocks noGrp="1" noRot="1" noChangeAspect="1" noMove="1" noResize="1" noEditPoints="1" noAdjustHandles="1" noChangeArrowheads="1" noChangeShapeType="1" noTextEdit="1"/>
+          </p:cNvSpPr>
+          <p:nvPr>
+            <p:extLst>
+              <p:ext uri="{386F3935-93C4-4BCD-93E2-E3B085C9AB24}">
+                <p16:designElem xmlns:p16="http://schemas.microsoft.com/office/powerpoint/2015/main" val="1"/>
+              </p:ext>
+            </p:extLst>
+          </p:nvPr>
+        </p:nvSpPr>
+        <p:spPr>
+          <a:xfrm rot="16200000">
+            <a:off x="9021976" y="-906246"/>
+            <a:ext cx="1602951" cy="3416298"/>
+          </a:xfrm>
+          <a:prstGeom prst="rect">
+            <a:avLst/>
+          </a:prstGeom>
+          <a:gradFill>
+            <a:gsLst>
+              <a:gs pos="45000">
+                <a:schemeClr val="accent4">
+                  <a:alpha val="0"/>
+                </a:schemeClr>
+              </a:gs>
+              <a:gs pos="99000">
+                <a:schemeClr val="accent6">
+                  <a:alpha val="33000"/>
+                </a:schemeClr>
+              </a:gs>
+            </a:gsLst>
+            <a:lin ang="15000000" scaled="0"/>
+          </a:gradFill>
+          <a:ln>
+            <a:noFill/>
+          </a:ln>
+        </p:spPr>
+        <p:style>
+          <a:lnRef idx="2">
+            <a:schemeClr val="accent1">
+              <a:shade val="50000"/>
+            </a:schemeClr>
+          </a:lnRef>
+          <a:fillRef idx="1">
+            <a:schemeClr val="accent1"/>
+          </a:fillRef>
+          <a:effectRef idx="0">
+            <a:schemeClr val="accent1"/>
+          </a:effectRef>
+          <a:fontRef idx="minor">
+            <a:schemeClr val="lt1"/>
+          </a:fontRef>
+        </p:style>
+        <p:txBody>
+          <a:bodyPr rtlCol="0" anchor="ctr"/>
+          <a:lstStyle/>
+          <a:p>
+            <a:pPr algn="ctr"/>
+            <a:endParaRPr lang="en-US"/>
+          </a:p>
+        </p:txBody>
+      </p:sp>
+      <p:sp>
+        <p:nvSpPr>
+          <p:cNvPr id="30" name="Rectangle 29">
+            <a:extLst>
+              <a:ext uri="{FF2B5EF4-FFF2-40B4-BE49-F238E27FC236}">
+                <a16:creationId xmlns:a16="http://schemas.microsoft.com/office/drawing/2014/main" id="{FF33EC8A-EE0A-4395-97E2-DAD467CF734C}"/>
+              </a:ext>
+              <a:ext uri="{C183D7F6-B498-43B3-948B-1728B52AA6E4}">
+                <adec:decorative xmlns:adec="http://schemas.microsoft.com/office/drawing/2017/decorative" val="1"/>
+              </a:ext>
+            </a:extLst>
+          </p:cNvPr>
+          <p:cNvSpPr>
+            <a:spLocks noGrp="1" noRot="1" noChangeAspect="1" noMove="1" noResize="1" noEditPoints="1" noAdjustHandles="1" noChangeArrowheads="1" noChangeShapeType="1" noTextEdit="1"/>
+          </p:cNvSpPr>
+          <p:nvPr>
+            <p:extLst>
+              <p:ext uri="{386F3935-93C4-4BCD-93E2-E3B085C9AB24}">
+                <p16:designElem xmlns:p16="http://schemas.microsoft.com/office/powerpoint/2015/main" val="1"/>
+              </p:ext>
+            </p:extLst>
+          </p:nvPr>
+        </p:nvSpPr>
+        <p:spPr>
+          <a:xfrm rot="10800000">
+            <a:off x="2451242" y="0"/>
+            <a:ext cx="9729549" cy="1600198"/>
+          </a:xfrm>
+          <a:prstGeom prst="rect">
+            <a:avLst/>
+          </a:prstGeom>
+          <a:gradFill>
+            <a:gsLst>
+              <a:gs pos="0">
+                <a:schemeClr val="accent5">
+                  <a:alpha val="30000"/>
+                </a:schemeClr>
+              </a:gs>
+              <a:gs pos="99000">
+                <a:schemeClr val="accent5">
+                  <a:alpha val="0"/>
+                </a:schemeClr>
+              </a:gs>
+            </a:gsLst>
+            <a:lin ang="19800000" scaled="0"/>
+          </a:gradFill>
+          <a:ln>
+            <a:noFill/>
+          </a:ln>
+        </p:spPr>
+        <p:style>
+          <a:lnRef idx="2">
+            <a:schemeClr val="accent1">
+              <a:shade val="50000"/>
+            </a:schemeClr>
+          </a:lnRef>
+          <a:fillRef idx="1">
+            <a:schemeClr val="accent1"/>
+          </a:fillRef>
+          <a:effectRef idx="0">
+            <a:schemeClr val="accent1"/>
+          </a:effectRef>
+          <a:fontRef idx="minor">
+            <a:schemeClr val="lt1"/>
+          </a:fontRef>
+        </p:style>
+        <p:txBody>
+          <a:bodyPr rtlCol="0" anchor="ctr"/>
+          <a:lstStyle/>
+          <a:p>
+            <a:pPr algn="ctr"/>
+            <a:endParaRPr lang="en-US"/>
+          </a:p>
+        </p:txBody>
+      </p:sp>
+      <p:sp>
+        <p:nvSpPr>
+          <p:cNvPr id="32" name="Rectangle 31">
+            <a:extLst>
+              <a:ext uri="{FF2B5EF4-FFF2-40B4-BE49-F238E27FC236}">
+                <a16:creationId xmlns:a16="http://schemas.microsoft.com/office/drawing/2014/main" id="{FF85DA95-16A4-404E-9BFF-27F8E4FC78AA}"/>
+              </a:ext>
+              <a:ext uri="{C183D7F6-B498-43B3-948B-1728B52AA6E4}">
+                <adec:decorative xmlns:adec="http://schemas.microsoft.com/office/drawing/2017/decorative" val="1"/>
+              </a:ext>
+            </a:extLst>
+          </p:cNvPr>
+          <p:cNvSpPr>
+            <a:spLocks noGrp="1" noRot="1" noChangeAspect="1" noMove="1" noResize="1" noEditPoints="1" noAdjustHandles="1" noChangeArrowheads="1" noChangeShapeType="1" noTextEdit="1"/>
+          </p:cNvSpPr>
+          <p:nvPr>
+            <p:extLst>
+              <p:ext uri="{386F3935-93C4-4BCD-93E2-E3B085C9AB24}">
+                <p16:designElem xmlns:p16="http://schemas.microsoft.com/office/powerpoint/2015/main" val="1"/>
+              </p:ext>
+            </p:extLst>
+          </p:nvPr>
+        </p:nvSpPr>
+        <p:spPr>
+          <a:xfrm>
+            <a:off x="-2" y="430"/>
+            <a:ext cx="7910111" cy="1600198"/>
+          </a:xfrm>
+          <a:prstGeom prst="rect">
+            <a:avLst/>
+          </a:prstGeom>
+          <a:gradFill>
+            <a:gsLst>
+              <a:gs pos="0">
+                <a:schemeClr val="accent5">
+                  <a:alpha val="21000"/>
+                </a:schemeClr>
+              </a:gs>
+              <a:gs pos="99000">
+                <a:schemeClr val="accent5">
+                  <a:alpha val="0"/>
+                </a:schemeClr>
+              </a:gs>
+            </a:gsLst>
+            <a:lin ang="20400000" scaled="0"/>
+          </a:gradFill>
+          <a:ln>
+            <a:noFill/>
+          </a:ln>
+        </p:spPr>
+        <p:style>
+          <a:lnRef idx="2">
+            <a:schemeClr val="accent1">
+              <a:shade val="50000"/>
+            </a:schemeClr>
+          </a:lnRef>
+          <a:fillRef idx="1">
+            <a:schemeClr val="accent1"/>
+          </a:fillRef>
+          <a:effectRef idx="0">
+            <a:schemeClr val="accent1"/>
+          </a:effectRef>
+          <a:fontRef idx="minor">
+            <a:schemeClr val="lt1"/>
+          </a:fontRef>
+        </p:style>
+        <p:txBody>
+          <a:bodyPr rtlCol="0" anchor="ctr"/>
+          <a:lstStyle/>
+          <a:p>
+            <a:pPr algn="ctr"/>
+            <a:endParaRPr lang="en-US"/>
+          </a:p>
+        </p:txBody>
+      </p:sp>
+      <p:sp>
+        <p:nvSpPr>
+          <p:cNvPr id="2" name="Tytuł 1">
+            <a:extLst>
+              <a:ext uri="{FF2B5EF4-FFF2-40B4-BE49-F238E27FC236}">
+                <a16:creationId xmlns:a16="http://schemas.microsoft.com/office/drawing/2014/main" id="{275706B1-01E7-4180-A7B8-C5E70A5A7B0E}"/>
+              </a:ext>
+            </a:extLst>
+          </p:cNvPr>
+          <p:cNvSpPr>
+            <a:spLocks noGrp="1"/>
+          </p:cNvSpPr>
+          <p:nvPr>
+            <p:ph type="title"/>
+          </p:nvPr>
+        </p:nvSpPr>
+        <p:spPr>
+          <a:xfrm>
+            <a:off x="1157084" y="374427"/>
+            <a:ext cx="10374517" cy="971512"/>
+          </a:xfrm>
+        </p:spPr>
+        <p:txBody>
+          <a:bodyPr anchor="ctr">
+            <a:normAutofit/>
+          </a:bodyPr>
+          <a:lstStyle/>
+          <a:p>
+            <a:r>
+              <a:rPr lang="pl-PL" sz="3200">
+                <a:solidFill>
+                  <a:schemeClr val="bg1"/>
+                </a:solidFill>
+              </a:rPr>
+              <a:t>Plany komercjalizacji</a:t>
+            </a:r>
+          </a:p>
+        </p:txBody>
+      </p:sp>
+      <p:graphicFrame>
+        <p:nvGraphicFramePr>
+          <p:cNvPr id="18" name="Symbol zastępczy zawartości 2">
+            <a:extLst>
+              <a:ext uri="{FF2B5EF4-FFF2-40B4-BE49-F238E27FC236}">
+                <a16:creationId xmlns:a16="http://schemas.microsoft.com/office/drawing/2014/main" id="{8C0365D9-3025-4B01-8DA0-10D50D4E9759}"/>
+              </a:ext>
+            </a:extLst>
+          </p:cNvPr>
+          <p:cNvGraphicFramePr>
+            <a:graphicFrameLocks noGrp="1"/>
+          </p:cNvGraphicFramePr>
+          <p:nvPr>
+            <p:ph idx="1"/>
+            <p:extLst>
+              <p:ext uri="{D42A27DB-BD31-4B8C-83A1-F6EECF244321}">
+                <p14:modId xmlns:p14="http://schemas.microsoft.com/office/powerpoint/2010/main" val="1933543267"/>
+              </p:ext>
+            </p:extLst>
+          </p:nvPr>
+        </p:nvGraphicFramePr>
+        <p:xfrm>
+          <a:off x="579474" y="2062715"/>
+          <a:ext cx="11033029" cy="4189229"/>
+        </p:xfrm>
+        <a:graphic>
+          <a:graphicData uri="http://schemas.openxmlformats.org/drawingml/2006/diagram">
+            <dgm:relIds xmlns:dgm="http://schemas.openxmlformats.org/drawingml/2006/diagram" xmlns:r="http://schemas.openxmlformats.org/officeDocument/2006/relationships" r:dm="rId3" r:lo="rId4" r:qs="rId5" r:cs="rId6"/>
+          </a:graphicData>
+        </a:graphic>
+      </p:graphicFrame>
+    </p:spTree>
+    <p:extLst>
+      <p:ext uri="{BB962C8B-B14F-4D97-AF65-F5344CB8AC3E}">
+        <p14:creationId xmlns:p14="http://schemas.microsoft.com/office/powerpoint/2010/main" val="2662186153"/>
+      </p:ext>
+    </p:extLst>
+  </p:cSld>
+  <p:clrMapOvr>
+    <a:masterClrMapping/>
+  </p:clrMapOvr>
+</p:sld>
+</file>
+
+<file path=ppt/slides/slide11.xml><?xml version="1.0" encoding="utf-8"?>
+<p:sld xmlns:a="http://schemas.openxmlformats.org/drawingml/2006/main" xmlns:r="http://schemas.openxmlformats.org/officeDocument/2006/relationships" xmlns:p="http://schemas.openxmlformats.org/presentationml/2006/main">
+  <p:cSld>
+    <p:bg>
+      <p:bgPr>
+        <a:solidFill>
+          <a:schemeClr val="bg1"/>
+        </a:solidFill>
+        <a:effectLst/>
+      </p:bgPr>
+    </p:bg>
+    <p:spTree>
+      <p:nvGrpSpPr>
+        <p:cNvPr id="1" name=""/>
+        <p:cNvGrpSpPr/>
+        <p:nvPr/>
+      </p:nvGrpSpPr>
+      <p:grpSpPr>
+        <a:xfrm>
+          <a:off x="0" y="0"/>
+          <a:ext cx="0" cy="0"/>
+          <a:chOff x="0" y="0"/>
+          <a:chExt cx="0" cy="0"/>
+        </a:xfrm>
+      </p:grpSpPr>
+      <p:sp>
+        <p:nvSpPr>
+          <p:cNvPr id="8" name="Rectangle 7">
+            <a:extLst>
+              <a:ext uri="{FF2B5EF4-FFF2-40B4-BE49-F238E27FC236}">
+                <a16:creationId xmlns:a16="http://schemas.microsoft.com/office/drawing/2014/main" id="{BD4C0BBB-0042-4603-A226-6117F3FD5B3C}"/>
+              </a:ext>
+              <a:ext uri="{C183D7F6-B498-43B3-948B-1728B52AA6E4}">
+                <adec:decorative xmlns:adec="http://schemas.microsoft.com/office/drawing/2017/decorative" val="1"/>
+              </a:ext>
+            </a:extLst>
+          </p:cNvPr>
+          <p:cNvSpPr>
+            <a:spLocks noGrp="1" noRot="1" noChangeAspect="1" noMove="1" noResize="1" noEditPoints="1" noAdjustHandles="1" noChangeArrowheads="1" noChangeShapeType="1" noTextEdit="1"/>
+          </p:cNvSpPr>
+          <p:nvPr>
+            <p:extLst>
+              <p:ext uri="{386F3935-93C4-4BCD-93E2-E3B085C9AB24}">
+                <p16:designElem xmlns:p16="http://schemas.microsoft.com/office/powerpoint/2015/main" val="1"/>
+              </p:ext>
+            </p:extLst>
+          </p:nvPr>
+        </p:nvSpPr>
+        <p:spPr>
+          <a:xfrm rot="10800000" flipH="1">
+            <a:off x="0" y="6400799"/>
+            <a:ext cx="12192000" cy="456773"/>
+          </a:xfrm>
+          <a:prstGeom prst="rect">
+            <a:avLst/>
+          </a:prstGeom>
+          <a:gradFill>
+            <a:gsLst>
+              <a:gs pos="14000">
+                <a:schemeClr val="accent4">
+                  <a:alpha val="28000"/>
+                </a:schemeClr>
+              </a:gs>
+              <a:gs pos="100000">
+                <a:schemeClr val="accent5">
+                  <a:alpha val="85000"/>
+                </a:schemeClr>
+              </a:gs>
+            </a:gsLst>
+            <a:lin ang="6000000" scaled="0"/>
+          </a:gradFill>
+          <a:ln>
+            <a:noFill/>
+          </a:ln>
+        </p:spPr>
+        <p:style>
+          <a:lnRef idx="2">
+            <a:schemeClr val="accent1">
+              <a:shade val="50000"/>
+            </a:schemeClr>
+          </a:lnRef>
+          <a:fillRef idx="1">
+            <a:schemeClr val="accent1"/>
+          </a:fillRef>
+          <a:effectRef idx="0">
+            <a:schemeClr val="accent1"/>
+          </a:effectRef>
+          <a:fontRef idx="minor">
+            <a:schemeClr val="lt1"/>
+          </a:fontRef>
+        </p:style>
+        <p:txBody>
+          <a:bodyPr rtlCol="0" anchor="ctr"/>
+          <a:lstStyle/>
+          <a:p>
+            <a:pPr algn="ctr"/>
+            <a:endParaRPr lang="en-US"/>
+          </a:p>
+        </p:txBody>
+      </p:sp>
+      <p:sp>
+        <p:nvSpPr>
+          <p:cNvPr id="10" name="Rectangle 9">
+            <a:extLst>
+              <a:ext uri="{FF2B5EF4-FFF2-40B4-BE49-F238E27FC236}">
+                <a16:creationId xmlns:a16="http://schemas.microsoft.com/office/drawing/2014/main" id="{EC44F520-2598-460E-9F91-B02F60830CA2}"/>
+              </a:ext>
+              <a:ext uri="{C183D7F6-B498-43B3-948B-1728B52AA6E4}">
+                <adec:decorative xmlns:adec="http://schemas.microsoft.com/office/drawing/2017/decorative" val="1"/>
+              </a:ext>
+            </a:extLst>
+          </p:cNvPr>
+          <p:cNvSpPr>
+            <a:spLocks noGrp="1" noRot="1" noChangeAspect="1" noMove="1" noResize="1" noEditPoints="1" noAdjustHandles="1" noChangeArrowheads="1" noChangeShapeType="1" noTextEdit="1"/>
+          </p:cNvSpPr>
+          <p:nvPr>
+            <p:extLst>
+              <p:ext uri="{386F3935-93C4-4BCD-93E2-E3B085C9AB24}">
+                <p16:designElem xmlns:p16="http://schemas.microsoft.com/office/powerpoint/2015/main" val="1"/>
+              </p:ext>
+            </p:extLst>
+          </p:nvPr>
+        </p:nvSpPr>
+        <p:spPr>
+          <a:xfrm flipH="1">
+            <a:off x="4038600" y="6400799"/>
+            <a:ext cx="8153398" cy="456772"/>
+          </a:xfrm>
+          <a:prstGeom prst="rect">
+            <a:avLst/>
+          </a:prstGeom>
+          <a:gradFill>
+            <a:gsLst>
+              <a:gs pos="9000">
+                <a:schemeClr val="accent2">
+                  <a:lumMod val="60000"/>
+                  <a:lumOff val="40000"/>
+                  <a:alpha val="55000"/>
+                </a:schemeClr>
+              </a:gs>
+              <a:gs pos="99000">
+                <a:schemeClr val="accent2"/>
+              </a:gs>
+            </a:gsLst>
+            <a:lin ang="14400000" scaled="0"/>
+          </a:gradFill>
+          <a:ln>
+            <a:noFill/>
+          </a:ln>
+        </p:spPr>
+        <p:style>
+          <a:lnRef idx="2">
+            <a:schemeClr val="accent1">
+              <a:shade val="50000"/>
+            </a:schemeClr>
+          </a:lnRef>
+          <a:fillRef idx="1">
+            <a:schemeClr val="accent1"/>
+          </a:fillRef>
+          <a:effectRef idx="0">
+            <a:schemeClr val="accent1"/>
+          </a:effectRef>
+          <a:fontRef idx="minor">
+            <a:schemeClr val="lt1"/>
+          </a:fontRef>
+        </p:style>
+        <p:txBody>
+          <a:bodyPr rtlCol="0" anchor="ctr"/>
+          <a:lstStyle/>
+          <a:p>
+            <a:pPr algn="ctr"/>
+            <a:endParaRPr lang="en-US"/>
+          </a:p>
+        </p:txBody>
+      </p:sp>
+      <p:sp useBgFill="1">
+        <p:nvSpPr>
+          <p:cNvPr id="12" name="Rectangle 11">
+            <a:extLst>
+              <a:ext uri="{FF2B5EF4-FFF2-40B4-BE49-F238E27FC236}">
+                <a16:creationId xmlns:a16="http://schemas.microsoft.com/office/drawing/2014/main" id="{7404E292-5FAB-47E8-A663-A07530CED8FF}"/>
+              </a:ext>
+              <a:ext uri="{C183D7F6-B498-43B3-948B-1728B52AA6E4}">
+                <adec:decorative xmlns:adec="http://schemas.microsoft.com/office/drawing/2017/decorative" val="1"/>
+              </a:ext>
+            </a:extLst>
+          </p:cNvPr>
+          <p:cNvSpPr>
+            <a:spLocks noGrp="1" noRot="1" noChangeAspect="1" noMove="1" noResize="1" noEditPoints="1" noAdjustHandles="1" noChangeArrowheads="1" noChangeShapeType="1" noTextEdit="1"/>
+          </p:cNvSpPr>
+          <p:nvPr>
+            <p:extLst>
+              <p:ext uri="{386F3935-93C4-4BCD-93E2-E3B085C9AB24}">
+                <p16:designElem xmlns:p16="http://schemas.microsoft.com/office/powerpoint/2015/main" val="1"/>
+              </p:ext>
+            </p:extLst>
+          </p:nvPr>
+        </p:nvSpPr>
+        <p:spPr>
+          <a:xfrm>
+            <a:off x="0" y="0"/>
+            <a:ext cx="12192000" cy="6858000"/>
+          </a:xfrm>
+          <a:prstGeom prst="rect">
+            <a:avLst/>
+          </a:prstGeom>
+          <a:ln w="12700" cap="flat" cmpd="sng" algn="ctr">
+            <a:noFill/>
+            <a:prstDash val="solid"/>
+            <a:miter lim="800000"/>
+          </a:ln>
+          <a:effectLst/>
+          <a:extLst>
+            <a:ext uri="{91240B29-F687-4F45-9708-019B960494DF}">
+              <a14:hiddenLine xmlns:a14="http://schemas.microsoft.com/office/drawing/2010/main" w="12700" cap="flat" cmpd="sng" algn="ctr">
+                <a:solidFill>
+                  <a:schemeClr val="accent1">
+                    <a:shade val="50000"/>
+                  </a:schemeClr>
+                </a:solidFill>
+                <a:prstDash val="solid"/>
+                <a:miter lim="800000"/>
+              </a14:hiddenLine>
+            </a:ext>
+          </a:extLst>
+        </p:spPr>
+        <p:style>
+          <a:lnRef idx="2">
+            <a:schemeClr val="accent1">
+              <a:shade val="50000"/>
+            </a:schemeClr>
+          </a:lnRef>
+          <a:fillRef idx="1">
+            <a:schemeClr val="accent1"/>
+          </a:fillRef>
+          <a:effectRef idx="0">
+            <a:schemeClr val="accent1"/>
+          </a:effectRef>
+          <a:fontRef idx="minor">
+            <a:schemeClr val="lt1"/>
+          </a:fontRef>
+        </p:style>
+        <p:txBody>
+          <a:bodyPr rtlCol="0" anchor="ctr"/>
+          <a:lstStyle/>
+          <a:p>
+            <a:pPr algn="ctr"/>
+            <a:endParaRPr lang="en-US"/>
+          </a:p>
+        </p:txBody>
+      </p:sp>
+      <p:sp>
+        <p:nvSpPr>
+          <p:cNvPr id="14" name="Rectangle 13">
+            <a:extLst>
+              <a:ext uri="{FF2B5EF4-FFF2-40B4-BE49-F238E27FC236}">
+                <a16:creationId xmlns:a16="http://schemas.microsoft.com/office/drawing/2014/main" id="{D80FF8ED-64CE-400C-A4D5-9F943FC264DE}"/>
+              </a:ext>
+              <a:ext uri="{C183D7F6-B498-43B3-948B-1728B52AA6E4}">
+                <adec:decorative xmlns:adec="http://schemas.microsoft.com/office/drawing/2017/decorative" val="1"/>
+              </a:ext>
+            </a:extLst>
+          </p:cNvPr>
+          <p:cNvSpPr>
+            <a:spLocks noGrp="1" noRot="1" noChangeAspect="1" noMove="1" noResize="1" noEditPoints="1" noAdjustHandles="1" noChangeArrowheads="1" noChangeShapeType="1" noTextEdit="1"/>
+          </p:cNvSpPr>
+          <p:nvPr>
+            <p:extLst>
+              <p:ext uri="{386F3935-93C4-4BCD-93E2-E3B085C9AB24}">
+                <p16:designElem xmlns:p16="http://schemas.microsoft.com/office/powerpoint/2015/main" val="1"/>
+              </p:ext>
+            </p:extLst>
+          </p:nvPr>
+        </p:nvSpPr>
+        <p:spPr>
+          <a:xfrm rot="10800000" flipH="1">
+            <a:off x="0" y="0"/>
+            <a:ext cx="12191999" cy="6858000"/>
+          </a:xfrm>
+          <a:prstGeom prst="rect">
+            <a:avLst/>
+          </a:prstGeom>
+          <a:gradFill>
+            <a:gsLst>
+              <a:gs pos="0">
+                <a:schemeClr val="accent5">
+                  <a:alpha val="75000"/>
+                </a:schemeClr>
+              </a:gs>
+              <a:gs pos="100000">
+                <a:schemeClr val="accent2">
+                  <a:lumMod val="60000"/>
+                  <a:lumOff val="40000"/>
+                </a:schemeClr>
+              </a:gs>
+            </a:gsLst>
+            <a:lin ang="13800000" scaled="0"/>
+          </a:gradFill>
+          <a:ln>
+            <a:noFill/>
+          </a:ln>
+        </p:spPr>
+        <p:style>
+          <a:lnRef idx="2">
+            <a:schemeClr val="accent1">
+              <a:shade val="50000"/>
+            </a:schemeClr>
+          </a:lnRef>
+          <a:fillRef idx="1">
+            <a:schemeClr val="accent1"/>
+          </a:fillRef>
+          <a:effectRef idx="0">
+            <a:schemeClr val="accent1"/>
+          </a:effectRef>
+          <a:fontRef idx="minor">
+            <a:schemeClr val="lt1"/>
+          </a:fontRef>
+        </p:style>
+        <p:txBody>
+          <a:bodyPr rtlCol="0" anchor="ctr"/>
+          <a:lstStyle/>
+          <a:p>
+            <a:pPr algn="ctr"/>
+            <a:endParaRPr lang="en-US"/>
+          </a:p>
+        </p:txBody>
+      </p:sp>
+      <p:sp>
+        <p:nvSpPr>
+          <p:cNvPr id="16" name="Rectangle 15">
+            <a:extLst>
+              <a:ext uri="{FF2B5EF4-FFF2-40B4-BE49-F238E27FC236}">
+                <a16:creationId xmlns:a16="http://schemas.microsoft.com/office/drawing/2014/main" id="{568868AD-100D-45F3-B11E-8A2936712B9E}"/>
+              </a:ext>
+              <a:ext uri="{C183D7F6-B498-43B3-948B-1728B52AA6E4}">
+                <adec:decorative xmlns:adec="http://schemas.microsoft.com/office/drawing/2017/decorative" val="1"/>
+              </a:ext>
+            </a:extLst>
+          </p:cNvPr>
+          <p:cNvSpPr>
+            <a:spLocks noGrp="1" noRot="1" noChangeAspect="1" noMove="1" noResize="1" noEditPoints="1" noAdjustHandles="1" noChangeArrowheads="1" noChangeShapeType="1" noTextEdit="1"/>
+          </p:cNvSpPr>
+          <p:nvPr>
+            <p:extLst>
+              <p:ext uri="{386F3935-93C4-4BCD-93E2-E3B085C9AB24}">
+                <p16:designElem xmlns:p16="http://schemas.microsoft.com/office/powerpoint/2015/main" val="1"/>
+              </p:ext>
+            </p:extLst>
+          </p:nvPr>
+        </p:nvSpPr>
+        <p:spPr>
+          <a:xfrm rot="10800000">
+            <a:off x="0" y="0"/>
+            <a:ext cx="12191999" cy="6858000"/>
+          </a:xfrm>
+          <a:prstGeom prst="rect">
+            <a:avLst/>
+          </a:prstGeom>
+          <a:gradFill>
+            <a:gsLst>
+              <a:gs pos="49000">
+                <a:schemeClr val="accent5">
+                  <a:alpha val="50000"/>
+                </a:schemeClr>
+              </a:gs>
+              <a:gs pos="100000">
+                <a:schemeClr val="accent2">
+                  <a:alpha val="74000"/>
+                </a:schemeClr>
+              </a:gs>
+            </a:gsLst>
+            <a:lin ang="15000000" scaled="0"/>
+          </a:gradFill>
+          <a:ln>
+            <a:noFill/>
+          </a:ln>
+        </p:spPr>
+        <p:style>
+          <a:lnRef idx="2">
+            <a:schemeClr val="accent1">
+              <a:shade val="50000"/>
+            </a:schemeClr>
+          </a:lnRef>
+          <a:fillRef idx="1">
+            <a:schemeClr val="accent1"/>
+          </a:fillRef>
+          <a:effectRef idx="0">
+            <a:schemeClr val="accent1"/>
+          </a:effectRef>
+          <a:fontRef idx="minor">
+            <a:schemeClr val="lt1"/>
+          </a:fontRef>
+        </p:style>
+        <p:txBody>
+          <a:bodyPr rtlCol="0" anchor="ctr"/>
+          <a:lstStyle/>
+          <a:p>
+            <a:pPr algn="ctr"/>
+            <a:endParaRPr lang="en-US"/>
+          </a:p>
+        </p:txBody>
+      </p:sp>
+      <p:sp>
+        <p:nvSpPr>
+          <p:cNvPr id="18" name="Rectangle 17">
+            <a:extLst>
+              <a:ext uri="{FF2B5EF4-FFF2-40B4-BE49-F238E27FC236}">
+                <a16:creationId xmlns:a16="http://schemas.microsoft.com/office/drawing/2014/main" id="{714742CC-05F9-44AC-AF98-AB6EF810E47D}"/>
+              </a:ext>
+              <a:ext uri="{C183D7F6-B498-43B3-948B-1728B52AA6E4}">
+                <adec:decorative xmlns:adec="http://schemas.microsoft.com/office/drawing/2017/decorative" val="1"/>
+              </a:ext>
+            </a:extLst>
+          </p:cNvPr>
+          <p:cNvSpPr>
+            <a:spLocks noGrp="1" noRot="1" noChangeAspect="1" noMove="1" noResize="1" noEditPoints="1" noAdjustHandles="1" noChangeArrowheads="1" noChangeShapeType="1" noTextEdit="1"/>
+          </p:cNvSpPr>
+          <p:nvPr>
+            <p:extLst>
+              <p:ext uri="{386F3935-93C4-4BCD-93E2-E3B085C9AB24}">
+                <p16:designElem xmlns:p16="http://schemas.microsoft.com/office/powerpoint/2015/main" val="1"/>
+              </p:ext>
+            </p:extLst>
+          </p:nvPr>
+        </p:nvSpPr>
+        <p:spPr>
+          <a:xfrm rot="10800000" flipH="1">
+            <a:off x="-2" y="0"/>
+            <a:ext cx="6096001" cy="6858000"/>
+          </a:xfrm>
+          <a:prstGeom prst="rect">
+            <a:avLst/>
+          </a:prstGeom>
+          <a:gradFill>
+            <a:gsLst>
+              <a:gs pos="0">
+                <a:schemeClr val="accent2">
+                  <a:alpha val="17000"/>
+                </a:schemeClr>
+              </a:gs>
+              <a:gs pos="85000">
+                <a:schemeClr val="accent4">
+                  <a:alpha val="40000"/>
+                </a:schemeClr>
+              </a:gs>
+            </a:gsLst>
+            <a:lin ang="14400000" scaled="0"/>
+          </a:gradFill>
+          <a:ln>
+            <a:noFill/>
+          </a:ln>
+        </p:spPr>
+        <p:style>
+          <a:lnRef idx="2">
+            <a:schemeClr val="accent1">
+              <a:shade val="50000"/>
+            </a:schemeClr>
+          </a:lnRef>
+          <a:fillRef idx="1">
+            <a:schemeClr val="accent1"/>
+          </a:fillRef>
+          <a:effectRef idx="0">
+            <a:schemeClr val="accent1"/>
+          </a:effectRef>
+          <a:fontRef idx="minor">
+            <a:schemeClr val="lt1"/>
+          </a:fontRef>
+        </p:style>
+        <p:txBody>
+          <a:bodyPr rtlCol="0" anchor="ctr"/>
+          <a:lstStyle/>
+          <a:p>
+            <a:pPr algn="ctr"/>
+            <a:endParaRPr lang="en-US"/>
+          </a:p>
+        </p:txBody>
+      </p:sp>
+      <p:sp>
+        <p:nvSpPr>
+          <p:cNvPr id="20" name="Freeform: Shape 13">
+            <a:extLst>
+              <a:ext uri="{FF2B5EF4-FFF2-40B4-BE49-F238E27FC236}">
+                <a16:creationId xmlns:a16="http://schemas.microsoft.com/office/drawing/2014/main" id="{853C77DB-C7E3-4B1F-9AD0-1EB2982A8659}"/>
+              </a:ext>
+              <a:ext uri="{C183D7F6-B498-43B3-948B-1728B52AA6E4}">
+                <adec:decorative xmlns:adec="http://schemas.microsoft.com/office/drawing/2017/decorative" val="1"/>
+              </a:ext>
+            </a:extLst>
+          </p:cNvPr>
+          <p:cNvSpPr>
+            <a:spLocks noGrp="1" noRot="1" noChangeAspect="1" noMove="1" noResize="1" noEditPoints="1" noAdjustHandles="1" noChangeArrowheads="1" noChangeShapeType="1" noTextEdit="1"/>
+          </p:cNvSpPr>
+          <p:nvPr>
+            <p:extLst>
+              <p:ext uri="{386F3935-93C4-4BCD-93E2-E3B085C9AB24}">
+                <p16:designElem xmlns:p16="http://schemas.microsoft.com/office/powerpoint/2015/main" val="1"/>
+              </p:ext>
+            </p:extLst>
+          </p:nvPr>
+        </p:nvSpPr>
+        <p:spPr>
+          <a:xfrm rot="5400000" flipH="1">
+            <a:off x="3460656" y="-2569189"/>
+            <a:ext cx="5115722" cy="10255626"/>
+          </a:xfrm>
+          <a:custGeom>
+            <a:avLst/>
+            <a:gdLst>
+              <a:gd name="connsiteX0" fmla="*/ 2065105 w 2065105"/>
+              <a:gd name="connsiteY0" fmla="*/ 0 h 4139967"/>
+              <a:gd name="connsiteX1" fmla="*/ 2065105 w 2065105"/>
+              <a:gd name="connsiteY1" fmla="*/ 4139967 h 4139967"/>
+              <a:gd name="connsiteX2" fmla="*/ 1858573 w 2065105"/>
+              <a:gd name="connsiteY2" fmla="*/ 4129538 h 4139967"/>
+              <a:gd name="connsiteX3" fmla="*/ 0 w 2065105"/>
+              <a:gd name="connsiteY3" fmla="*/ 2069983 h 4139967"/>
+              <a:gd name="connsiteX4" fmla="*/ 1858573 w 2065105"/>
+              <a:gd name="connsiteY4" fmla="*/ 10428 h 4139967"/>
+            </a:gdLst>
+            <a:ahLst/>
+            <a:cxnLst>
+              <a:cxn ang="0">
+                <a:pos x="connsiteX0" y="connsiteY0"/>
+              </a:cxn>
+              <a:cxn ang="0">
+                <a:pos x="connsiteX1" y="connsiteY1"/>
+              </a:cxn>
+              <a:cxn ang="0">
+                <a:pos x="connsiteX2" y="connsiteY2"/>
+              </a:cxn>
+              <a:cxn ang="0">
+                <a:pos x="connsiteX3" y="connsiteY3"/>
+              </a:cxn>
+              <a:cxn ang="0">
+                <a:pos x="connsiteX4" y="connsiteY4"/>
+              </a:cxn>
+            </a:cxnLst>
+            <a:rect l="l" t="t" r="r" b="b"/>
+            <a:pathLst>
+              <a:path w="2065105" h="4139967">
+                <a:moveTo>
+                  <a:pt x="2065105" y="0"/>
+                </a:moveTo>
+                <a:lnTo>
+                  <a:pt x="2065105" y="4139967"/>
+                </a:lnTo>
+                <a:lnTo>
+                  <a:pt x="1858573" y="4129538"/>
+                </a:lnTo>
+                <a:cubicBezTo>
+                  <a:pt x="814640" y="4023521"/>
+                  <a:pt x="0" y="3141887"/>
+                  <a:pt x="0" y="2069983"/>
+                </a:cubicBezTo>
+                <a:cubicBezTo>
+                  <a:pt x="0" y="998079"/>
+                  <a:pt x="814640" y="116446"/>
+                  <a:pt x="1858573" y="10428"/>
+                </a:cubicBezTo>
+                <a:close/>
+              </a:path>
+            </a:pathLst>
+          </a:custGeom>
+          <a:gradFill flip="none" rotWithShape="1">
+            <a:gsLst>
+              <a:gs pos="7000">
+                <a:schemeClr val="accent4">
+                  <a:lumMod val="60000"/>
+                  <a:lumOff val="40000"/>
+                  <a:alpha val="3000"/>
+                </a:schemeClr>
+              </a:gs>
+              <a:gs pos="100000">
+                <a:schemeClr val="accent4">
+                  <a:lumMod val="60000"/>
+                  <a:lumOff val="40000"/>
+                  <a:alpha val="37000"/>
+                </a:schemeClr>
+              </a:gs>
+            </a:gsLst>
+            <a:lin ang="2700000" scaled="1"/>
+            <a:tileRect/>
+          </a:gradFill>
+          <a:ln>
+            <a:noFill/>
+          </a:ln>
+        </p:spPr>
+        <p:style>
+          <a:lnRef idx="2">
+            <a:schemeClr val="accent1">
+              <a:shade val="50000"/>
+            </a:schemeClr>
+          </a:lnRef>
+          <a:fillRef idx="1">
+            <a:schemeClr val="accent1"/>
+          </a:fillRef>
+          <a:effectRef idx="0">
+            <a:schemeClr val="accent1"/>
+          </a:effectRef>
+          <a:fontRef idx="minor">
+            <a:schemeClr val="lt1"/>
+          </a:fontRef>
+        </p:style>
+        <p:txBody>
+          <a:bodyPr rtlCol="0" anchor="ctr"/>
+          <a:lstStyle/>
+          <a:p>
+            <a:pPr algn="ctr"/>
+            <a:endParaRPr lang="en-US"/>
+          </a:p>
+        </p:txBody>
+      </p:sp>
+      <p:pic>
+        <p:nvPicPr>
+          <p:cNvPr id="4" name="Obraz 4" descr="Obraz zawierający tekst&#10;&#10;Opis wygenerowany automatycznie">
+            <a:extLst>
+              <a:ext uri="{FF2B5EF4-FFF2-40B4-BE49-F238E27FC236}">
+                <a16:creationId xmlns:a16="http://schemas.microsoft.com/office/drawing/2014/main" id="{0F1616CE-1727-4485-A6DC-9688CD5FD2D0}"/>
+              </a:ext>
+            </a:extLst>
+          </p:cNvPr>
+          <p:cNvPicPr>
+            <a:picLocks noChangeAspect="1"/>
+          </p:cNvPicPr>
+          <p:nvPr/>
+        </p:nvPicPr>
+        <p:blipFill>
+          <a:blip r:embed="rId2"/>
+          <a:stretch>
+            <a:fillRect/>
+          </a:stretch>
+        </p:blipFill>
+        <p:spPr>
+          <a:xfrm>
+            <a:off x="3462441" y="1098466"/>
+            <a:ext cx="5108027" cy="726379"/>
+          </a:xfrm>
+          <a:prstGeom prst="rect">
+            <a:avLst/>
+          </a:prstGeom>
+          <a:ln>
+            <a:noFill/>
+          </a:ln>
+          <a:effectLst>
+            <a:outerShdw blurRad="292100" dist="139700" dir="2700000" algn="tl" rotWithShape="0">
+              <a:srgbClr val="333333">
+                <a:alpha val="65000"/>
+              </a:srgbClr>
+            </a:outerShdw>
+          </a:effectLst>
+        </p:spPr>
+      </p:pic>
+      <p:pic>
+        <p:nvPicPr>
+          <p:cNvPr id="5" name="Obraz 5">
+            <a:extLst>
+              <a:ext uri="{FF2B5EF4-FFF2-40B4-BE49-F238E27FC236}">
+                <a16:creationId xmlns:a16="http://schemas.microsoft.com/office/drawing/2014/main" id="{D3817BF0-C02C-410A-9DFD-E6D9D9596D7D}"/>
+              </a:ext>
+            </a:extLst>
+          </p:cNvPr>
+          <p:cNvPicPr>
+            <a:picLocks noChangeAspect="1"/>
+          </p:cNvPicPr>
+          <p:nvPr/>
+        </p:nvPicPr>
+        <p:blipFill>
+          <a:blip r:embed="rId3"/>
+          <a:stretch>
+            <a:fillRect/>
+          </a:stretch>
+        </p:blipFill>
+        <p:spPr>
+          <a:xfrm>
+            <a:off x="2189019" y="2168583"/>
+            <a:ext cx="7813962" cy="4086397"/>
+          </a:xfrm>
+          <a:prstGeom prst="rect">
+            <a:avLst/>
+          </a:prstGeom>
+          <a:ln>
+            <a:noFill/>
+          </a:ln>
+          <a:effectLst>
+            <a:outerShdw blurRad="292100" dist="139700" dir="2700000" algn="tl" rotWithShape="0">
+              <a:srgbClr val="333333">
+                <a:alpha val="65000"/>
+              </a:srgbClr>
+            </a:outerShdw>
+          </a:effectLst>
+        </p:spPr>
+      </p:pic>
+    </p:spTree>
+    <p:extLst>
+      <p:ext uri="{BB962C8B-B14F-4D97-AF65-F5344CB8AC3E}">
+        <p14:creationId xmlns:p14="http://schemas.microsoft.com/office/powerpoint/2010/main" val="2514305297"/>
       </p:ext>
     </p:extLst>
   </p:cSld>
@@ -17848,7 +21515,7 @@
           <a:lstStyle/>
           <a:p>
             <a:pPr algn="ctr"/>
-            <a:endParaRPr lang="en-US" dirty="0"/>
+            <a:endParaRPr lang="en-US"/>
           </a:p>
         </p:txBody>
       </p:sp>
@@ -17923,7 +21590,7 @@
           <a:lstStyle/>
           <a:p>
             <a:pPr algn="ctr"/>
-            <a:endParaRPr lang="en-US" dirty="0"/>
+            <a:endParaRPr lang="en-US"/>
           </a:p>
         </p:txBody>
       </p:sp>
@@ -18148,7 +21815,7 @@
           <a:lstStyle/>
           <a:p>
             <a:pPr algn="ctr"/>
-            <a:endParaRPr lang="en-US" dirty="0"/>
+            <a:endParaRPr lang="en-US"/>
           </a:p>
         </p:txBody>
       </p:sp>
@@ -18181,14 +21848,14 @@
           <a:lstStyle/>
           <a:p>
             <a:r>
-              <a:rPr lang="en-US" sz="3200" dirty="0" err="1">
+              <a:rPr lang="en-US" sz="3200" err="1">
                 <a:solidFill>
                   <a:schemeClr val="bg1"/>
                 </a:solidFill>
               </a:rPr>
               <a:t>Architektura</a:t>
             </a:r>
-            <a:endParaRPr lang="pl-PL" dirty="0" err="1"/>
+            <a:endParaRPr lang="pl-PL" err="1"/>
           </a:p>
         </p:txBody>
       </p:sp>
@@ -18261,62 +21928,62 @@
               </a:spcBef>
             </a:pPr>
             <a:r>
-              <a:rPr lang="en-US" sz="1600" b="1" cap="all" spc="600" dirty="0" err="1"/>
+              <a:rPr lang="en-US" sz="1600" b="1" cap="all" spc="600" err="1"/>
               <a:t>Wykrywanie</a:t>
             </a:r>
             <a:r>
-              <a:rPr lang="en-US" sz="1600" b="1" cap="all" spc="600" dirty="0"/>
-              <a:t> </a:t>
-            </a:r>
-            <a:r>
-              <a:rPr lang="en-US" sz="1600" b="1" cap="all" spc="600" dirty="0" err="1"/>
+              <a:rPr lang="en-US" sz="1600" b="1" cap="all" spc="600"/>
+              <a:t> </a:t>
+            </a:r>
+            <a:r>
+              <a:rPr lang="en-US" sz="1600" b="1" cap="all" spc="600" err="1"/>
               <a:t>podejrzanych</a:t>
             </a:r>
             <a:r>
-              <a:rPr lang="en-US" sz="1600" b="1" cap="all" spc="600" dirty="0"/>
-              <a:t> </a:t>
-            </a:r>
-            <a:r>
-              <a:rPr lang="en-US" sz="1600" b="1" cap="all" spc="600" dirty="0" err="1"/>
+              <a:rPr lang="en-US" sz="1600" b="1" cap="all" spc="600"/>
+              <a:t> </a:t>
+            </a:r>
+            <a:r>
+              <a:rPr lang="en-US" sz="1600" b="1" cap="all" spc="600" err="1"/>
               <a:t>adresów</a:t>
             </a:r>
             <a:r>
-              <a:rPr lang="en-US" sz="1600" b="1" cap="all" spc="600" dirty="0"/>
+              <a:rPr lang="en-US" sz="1600" b="1" cap="all" spc="600"/>
               <a:t> URL </a:t>
             </a:r>
             <a:r>
-              <a:rPr lang="en-US" sz="1600" b="1" cap="all" spc="600" dirty="0" err="1"/>
+              <a:rPr lang="en-US" sz="1600" b="1" cap="all" spc="600" err="1"/>
               <a:t>zanim</a:t>
             </a:r>
             <a:r>
-              <a:rPr lang="en-US" sz="1600" b="1" cap="all" spc="600" dirty="0"/>
-              <a:t> </a:t>
-            </a:r>
-            <a:r>
-              <a:rPr lang="en-US" sz="1600" b="1" cap="all" spc="600" dirty="0" err="1"/>
+              <a:rPr lang="en-US" sz="1600" b="1" cap="all" spc="600"/>
+              <a:t> </a:t>
+            </a:r>
+            <a:r>
+              <a:rPr lang="en-US" sz="1600" b="1" cap="all" spc="600" err="1"/>
               <a:t>zostaną</a:t>
             </a:r>
             <a:r>
-              <a:rPr lang="en-US" sz="1600" b="1" cap="all" spc="600" dirty="0"/>
-              <a:t> </a:t>
-            </a:r>
-            <a:r>
-              <a:rPr lang="en-US" sz="1600" b="1" cap="all" spc="600" dirty="0" err="1"/>
+              <a:rPr lang="en-US" sz="1600" b="1" cap="all" spc="600"/>
+              <a:t> </a:t>
+            </a:r>
+            <a:r>
+              <a:rPr lang="en-US" sz="1600" b="1" cap="all" spc="600" err="1"/>
               <a:t>umieszczone</a:t>
             </a:r>
             <a:r>
-              <a:rPr lang="en-US" sz="1600" b="1" cap="all" spc="600" dirty="0"/>
+              <a:rPr lang="en-US" sz="1600" b="1" cap="all" spc="600"/>
               <a:t> w </a:t>
             </a:r>
             <a:r>
-              <a:rPr lang="en-US" sz="1600" b="1" cap="all" spc="600" dirty="0" err="1"/>
+              <a:rPr lang="en-US" sz="1600" b="1" cap="all" spc="600" err="1"/>
               <a:t>filtrach</a:t>
             </a:r>
             <a:r>
-              <a:rPr lang="en-US" sz="1600" b="1" cap="all" spc="600" dirty="0"/>
+              <a:rPr lang="en-US" sz="1600" b="1" cap="all" spc="600"/>
               <a:t>.</a:t>
             </a:r>
-            <a:endParaRPr lang="pl-PL" dirty="0"/>
+            <a:endParaRPr lang="pl-PL"/>
           </a:p>
         </p:txBody>
       </p:sp>
@@ -18733,7 +22400,7 @@
           <a:lstStyle/>
           <a:p>
             <a:pPr algn="ctr"/>
-            <a:endParaRPr lang="en-US" dirty="0"/>
+            <a:endParaRPr lang="en-US"/>
           </a:p>
         </p:txBody>
       </p:sp>
@@ -18766,7 +22433,7 @@
           <a:lstStyle/>
           <a:p>
             <a:r>
-              <a:rPr lang="pl-PL" sz="3200" dirty="0">
+              <a:rPr lang="pl-PL" sz="3200">
                 <a:solidFill>
                   <a:schemeClr val="bg1"/>
                 </a:solidFill>
@@ -19215,7 +22882,7 @@
           <a:lstStyle/>
           <a:p>
             <a:pPr algn="ctr"/>
-            <a:endParaRPr lang="en-US" dirty="0"/>
+            <a:endParaRPr lang="en-US"/>
           </a:p>
         </p:txBody>
       </p:sp>
@@ -19248,7 +22915,7 @@
           <a:lstStyle/>
           <a:p>
             <a:r>
-              <a:rPr lang="pl-PL" sz="3200" dirty="0">
+              <a:rPr lang="pl-PL" sz="3200">
                 <a:solidFill>
                   <a:schemeClr val="bg1"/>
                 </a:solidFill>
@@ -19290,7 +22957,7 @@
           <a:lstStyle/>
           <a:p>
             <a:r>
-              <a:rPr lang="pl-PL" sz="2400" dirty="0">
+              <a:rPr lang="pl-PL" sz="2400">
                 <a:solidFill>
                   <a:srgbClr val="000000"/>
                 </a:solidFill>
@@ -19302,7 +22969,7 @@
           </a:p>
           <a:p>
             <a:r>
-              <a:rPr lang="pl-PL" sz="2400" dirty="0">
+              <a:rPr lang="pl-PL" sz="2400">
                 <a:solidFill>
                   <a:srgbClr val="000000"/>
                 </a:solidFill>
@@ -19312,7 +22979,7 @@
               <a:t>- Cały model ma </a:t>
             </a:r>
             <a:r>
-              <a:rPr lang="pl-PL" sz="2400" dirty="0" err="1">
+              <a:rPr lang="pl-PL" sz="2400" err="1">
                 <a:solidFill>
                   <a:srgbClr val="000000"/>
                 </a:solidFill>
@@ -19322,7 +22989,7 @@
               <a:t>accuracy</a:t>
             </a:r>
             <a:r>
-              <a:rPr lang="pl-PL" sz="2400" dirty="0">
+              <a:rPr lang="pl-PL" sz="2400">
                 <a:solidFill>
                   <a:srgbClr val="000000"/>
                 </a:solidFill>
@@ -19332,7 +22999,7 @@
               <a:t> </a:t>
             </a:r>
             <a:r>
-              <a:rPr lang="pl-PL" sz="2400" dirty="0" err="1">
+              <a:rPr lang="pl-PL" sz="2400" err="1">
                 <a:solidFill>
                   <a:srgbClr val="000000"/>
                 </a:solidFill>
@@ -19342,7 +23009,7 @@
               <a:t>score</a:t>
             </a:r>
             <a:r>
-              <a:rPr lang="pl-PL" sz="2400" dirty="0">
+              <a:rPr lang="pl-PL" sz="2400">
                 <a:solidFill>
                   <a:srgbClr val="000000"/>
                 </a:solidFill>
@@ -19359,7 +23026,7 @@
           </a:p>
           <a:p>
             <a:r>
-              <a:rPr lang="pl-PL" sz="2400" dirty="0">
+              <a:rPr lang="pl-PL" sz="2400">
                 <a:solidFill>
                   <a:srgbClr val="000000"/>
                 </a:solidFill>
@@ -19376,7 +23043,7 @@
           </a:p>
           <a:p>
             <a:r>
-              <a:rPr lang="pl-PL" sz="2400" dirty="0">
+              <a:rPr lang="pl-PL" sz="2400">
                 <a:solidFill>
                   <a:srgbClr val="000000"/>
                 </a:solidFill>
@@ -19512,7 +23179,7 @@
           </a:bodyPr>
           <a:lstStyle/>
           <a:p>
-            <a:endParaRPr lang="pl-PL" dirty="0"/>
+            <a:endParaRPr lang="pl-PL"/>
           </a:p>
         </p:txBody>
       </p:sp>
@@ -19929,7 +23596,7 @@
           <a:lstStyle/>
           <a:p>
             <a:pPr algn="ctr"/>
-            <a:endParaRPr lang="en-US" dirty="0"/>
+            <a:endParaRPr lang="en-US"/>
           </a:p>
         </p:txBody>
       </p:sp>
@@ -19962,7 +23629,7 @@
           <a:lstStyle/>
           <a:p>
             <a:r>
-              <a:rPr lang="pl-PL" sz="3200" dirty="0">
+              <a:rPr lang="pl-PL" sz="3200">
                 <a:solidFill>
                   <a:schemeClr val="bg1"/>
                 </a:solidFill>
@@ -19987,7 +23654,7 @@
           <p:nvPr/>
         </p:nvPicPr>
         <p:blipFill rotWithShape="1">
-          <a:blip r:embed="rId2"/>
+          <a:blip r:embed="rId3"/>
           <a:srcRect r="357" b="67732"/>
           <a:stretch/>
         </p:blipFill>
@@ -20016,7 +23683,7 @@
           <p:nvPr/>
         </p:nvPicPr>
         <p:blipFill rotWithShape="1">
-          <a:blip r:embed="rId3"/>
+          <a:blip r:embed="rId4"/>
           <a:srcRect r="179" b="66879"/>
           <a:stretch/>
         </p:blipFill>
@@ -20687,7 +24354,7 @@
           <a:lstStyle/>
           <a:p>
             <a:pPr algn="ctr"/>
-            <a:endParaRPr lang="en-US" dirty="0"/>
+            <a:endParaRPr lang="en-US"/>
           </a:p>
         </p:txBody>
       </p:sp>
@@ -20721,61 +24388,66 @@
           <a:p>
             <a:pPr algn="r"/>
             <a:r>
+              <a:rPr lang="en-US" sz="1600" spc="750" err="1">
+                <a:solidFill>
+                  <a:schemeClr val="bg1"/>
+                </a:solidFill>
+              </a:rPr>
+              <a:t>Przygotowanie</a:t>
+            </a:r>
+            <a:r>
               <a:rPr lang="en-US" sz="1800" spc="750">
                 <a:solidFill>
                   <a:schemeClr val="bg1"/>
                 </a:solidFill>
               </a:rPr>
-              <a:t>Przygotowaie</a:t>
-            </a:r>
-            <a:r>
-              <a:rPr lang="en-US" sz="1800" spc="750" dirty="0">
+              <a:t> </a:t>
+            </a:r>
+            <a:r>
+              <a:rPr lang="en-US" sz="1600" spc="750" err="1">
                 <a:solidFill>
                   <a:schemeClr val="bg1"/>
                 </a:solidFill>
               </a:rPr>
-              <a:t> </a:t>
-            </a:r>
-            <a:r>
-              <a:rPr lang="en-US" sz="1800" spc="750">
+              <a:t>danych</a:t>
+            </a:r>
+            <a:r>
+              <a:rPr lang="en-US" sz="1600" spc="750">
                 <a:solidFill>
                   <a:schemeClr val="bg1"/>
                 </a:solidFill>
               </a:rPr>
-              <a:t>danych</a:t>
-            </a:r>
-            <a:r>
-              <a:rPr lang="en-US" sz="1800" spc="750" dirty="0">
+              <a:t> </a:t>
+            </a:r>
+            <a:r>
+              <a:rPr lang="en-US" sz="1600" spc="750" err="1">
                 <a:solidFill>
                   <a:schemeClr val="bg1"/>
                 </a:solidFill>
               </a:rPr>
-              <a:t> </a:t>
-            </a:r>
-            <a:r>
-              <a:rPr lang="en-US" sz="1800" spc="750">
+              <a:t>dla</a:t>
+            </a:r>
+            <a:r>
+              <a:rPr lang="en-US" sz="1600" spc="750">
                 <a:solidFill>
                   <a:schemeClr val="bg1"/>
                 </a:solidFill>
               </a:rPr>
-              <a:t>dla</a:t>
-            </a:r>
-            <a:r>
-              <a:rPr lang="en-US" sz="1800" spc="750" dirty="0">
+              <a:t> </a:t>
+            </a:r>
+            <a:r>
+              <a:rPr lang="en-US" sz="1600" spc="750" err="1">
                 <a:solidFill>
                   <a:schemeClr val="bg1"/>
                 </a:solidFill>
               </a:rPr>
-              <a:t> </a:t>
-            </a:r>
-            <a:r>
-              <a:rPr lang="en-US" sz="1800" spc="750">
-                <a:solidFill>
-                  <a:schemeClr val="bg1"/>
-                </a:solidFill>
-              </a:rPr>
               <a:t>modelu</a:t>
             </a:r>
+            <a:endParaRPr lang="en-US" sz="1600" spc="750">
+              <a:solidFill>
+                <a:schemeClr val="bg1"/>
+              </a:solidFill>
+            </a:endParaRPr>
           </a:p>
         </p:txBody>
       </p:sp>
@@ -21222,7 +24894,7 @@
           <a:lstStyle/>
           <a:p>
             <a:pPr algn="ctr"/>
-            <a:endParaRPr lang="en-US" dirty="0"/>
+            <a:endParaRPr lang="en-US"/>
           </a:p>
         </p:txBody>
       </p:sp>
@@ -21255,18 +24927,13 @@
           <a:lstStyle/>
           <a:p>
             <a:r>
-              <a:rPr lang="pl-PL" sz="3200" dirty="0">
+              <a:rPr lang="pl-PL" sz="3200">
                 <a:solidFill>
                   <a:schemeClr val="bg1"/>
                 </a:solidFill>
               </a:rPr>
               <a:t>Wybrane metryki</a:t>
             </a:r>
-            <a:endParaRPr lang="pl-PL" sz="3200">
-              <a:solidFill>
-                <a:schemeClr val="bg1"/>
-              </a:solidFill>
-            </a:endParaRPr>
           </a:p>
         </p:txBody>
       </p:sp>
@@ -21292,7 +24959,7 @@
         </p:xfrm>
         <a:graphic>
           <a:graphicData uri="http://schemas.openxmlformats.org/drawingml/2006/diagram">
-            <dgm:relIds xmlns:dgm="http://schemas.openxmlformats.org/drawingml/2006/diagram" xmlns:r="http://schemas.openxmlformats.org/officeDocument/2006/relationships" r:dm="rId2" r:lo="rId3" r:qs="rId4" r:cs="rId5"/>
+            <dgm:relIds xmlns:dgm="http://schemas.openxmlformats.org/drawingml/2006/diagram" xmlns:r="http://schemas.openxmlformats.org/officeDocument/2006/relationships" r:dm="rId3" r:lo="rId4" r:qs="rId5" r:cs="rId6"/>
           </a:graphicData>
         </a:graphic>
       </p:graphicFrame>
@@ -21334,12 +25001,162 @@
           <a:chExt cx="0" cy="0"/>
         </a:xfrm>
       </p:grpSpPr>
+      <p:sp>
+        <p:nvSpPr>
+          <p:cNvPr id="47" name="Rectangle 46">
+            <a:extLst>
+              <a:ext uri="{FF2B5EF4-FFF2-40B4-BE49-F238E27FC236}">
+                <a16:creationId xmlns:a16="http://schemas.microsoft.com/office/drawing/2014/main" id="{BD4C0BBB-0042-4603-A226-6117F3FD5B3C}"/>
+              </a:ext>
+              <a:ext uri="{C183D7F6-B498-43B3-948B-1728B52AA6E4}">
+                <adec:decorative xmlns:adec="http://schemas.microsoft.com/office/drawing/2017/decorative" val="1"/>
+              </a:ext>
+            </a:extLst>
+          </p:cNvPr>
+          <p:cNvSpPr>
+            <a:spLocks noGrp="1" noRot="1" noChangeAspect="1" noMove="1" noResize="1" noEditPoints="1" noAdjustHandles="1" noChangeArrowheads="1" noChangeShapeType="1" noTextEdit="1"/>
+          </p:cNvSpPr>
+          <p:nvPr>
+            <p:extLst>
+              <p:ext uri="{386F3935-93C4-4BCD-93E2-E3B085C9AB24}">
+                <p16:designElem xmlns:p16="http://schemas.microsoft.com/office/powerpoint/2015/main" val="1"/>
+              </p:ext>
+            </p:extLst>
+          </p:nvPr>
+        </p:nvSpPr>
+        <p:spPr>
+          <a:xfrm rot="10800000" flipH="1">
+            <a:off x="0" y="6400799"/>
+            <a:ext cx="12192000" cy="456773"/>
+          </a:xfrm>
+          <a:prstGeom prst="rect">
+            <a:avLst/>
+          </a:prstGeom>
+          <a:gradFill>
+            <a:gsLst>
+              <a:gs pos="14000">
+                <a:schemeClr val="accent4">
+                  <a:alpha val="28000"/>
+                </a:schemeClr>
+              </a:gs>
+              <a:gs pos="100000">
+                <a:schemeClr val="accent5">
+                  <a:alpha val="85000"/>
+                </a:schemeClr>
+              </a:gs>
+            </a:gsLst>
+            <a:lin ang="6000000" scaled="0"/>
+          </a:gradFill>
+          <a:ln>
+            <a:noFill/>
+          </a:ln>
+        </p:spPr>
+        <p:style>
+          <a:lnRef idx="2">
+            <a:schemeClr val="accent1">
+              <a:shade val="50000"/>
+            </a:schemeClr>
+          </a:lnRef>
+          <a:fillRef idx="1">
+            <a:schemeClr val="accent1"/>
+          </a:fillRef>
+          <a:effectRef idx="0">
+            <a:schemeClr val="accent1"/>
+          </a:effectRef>
+          <a:fontRef idx="minor">
+            <a:schemeClr val="lt1"/>
+          </a:fontRef>
+        </p:style>
+        <p:txBody>
+          <a:bodyPr rtlCol="0" anchor="ctr"/>
+          <a:lstStyle/>
+          <a:p>
+            <a:pPr algn="ctr"/>
+            <a:endParaRPr lang="en-US"/>
+          </a:p>
+        </p:txBody>
+      </p:sp>
+      <p:sp>
+        <p:nvSpPr>
+          <p:cNvPr id="49" name="Rectangle 48">
+            <a:extLst>
+              <a:ext uri="{FF2B5EF4-FFF2-40B4-BE49-F238E27FC236}">
+                <a16:creationId xmlns:a16="http://schemas.microsoft.com/office/drawing/2014/main" id="{EC44F520-2598-460E-9F91-B02F60830CA2}"/>
+              </a:ext>
+              <a:ext uri="{C183D7F6-B498-43B3-948B-1728B52AA6E4}">
+                <adec:decorative xmlns:adec="http://schemas.microsoft.com/office/drawing/2017/decorative" val="1"/>
+              </a:ext>
+            </a:extLst>
+          </p:cNvPr>
+          <p:cNvSpPr>
+            <a:spLocks noGrp="1" noRot="1" noChangeAspect="1" noMove="1" noResize="1" noEditPoints="1" noAdjustHandles="1" noChangeArrowheads="1" noChangeShapeType="1" noTextEdit="1"/>
+          </p:cNvSpPr>
+          <p:nvPr>
+            <p:extLst>
+              <p:ext uri="{386F3935-93C4-4BCD-93E2-E3B085C9AB24}">
+                <p16:designElem xmlns:p16="http://schemas.microsoft.com/office/powerpoint/2015/main" val="1"/>
+              </p:ext>
+            </p:extLst>
+          </p:nvPr>
+        </p:nvSpPr>
+        <p:spPr>
+          <a:xfrm flipH="1">
+            <a:off x="4038600" y="6400799"/>
+            <a:ext cx="8153398" cy="456772"/>
+          </a:xfrm>
+          <a:prstGeom prst="rect">
+            <a:avLst/>
+          </a:prstGeom>
+          <a:gradFill>
+            <a:gsLst>
+              <a:gs pos="9000">
+                <a:schemeClr val="accent2">
+                  <a:lumMod val="60000"/>
+                  <a:lumOff val="40000"/>
+                  <a:alpha val="55000"/>
+                </a:schemeClr>
+              </a:gs>
+              <a:gs pos="99000">
+                <a:schemeClr val="accent2"/>
+              </a:gs>
+            </a:gsLst>
+            <a:lin ang="14400000" scaled="0"/>
+          </a:gradFill>
+          <a:ln>
+            <a:noFill/>
+          </a:ln>
+        </p:spPr>
+        <p:style>
+          <a:lnRef idx="2">
+            <a:schemeClr val="accent1">
+              <a:shade val="50000"/>
+            </a:schemeClr>
+          </a:lnRef>
+          <a:fillRef idx="1">
+            <a:schemeClr val="accent1"/>
+          </a:fillRef>
+          <a:effectRef idx="0">
+            <a:schemeClr val="accent1"/>
+          </a:effectRef>
+          <a:fontRef idx="minor">
+            <a:schemeClr val="lt1"/>
+          </a:fontRef>
+        </p:style>
+        <p:txBody>
+          <a:bodyPr rtlCol="0" anchor="ctr"/>
+          <a:lstStyle/>
+          <a:p>
+            <a:pPr algn="ctr"/>
+            <a:endParaRPr lang="en-US"/>
+          </a:p>
+        </p:txBody>
+      </p:sp>
       <p:sp useBgFill="1">
         <p:nvSpPr>
-          <p:cNvPr id="22" name="Rectangle 21">
+          <p:cNvPr id="51" name="Rectangle 50">
             <a:extLst>
               <a:ext uri="{FF2B5EF4-FFF2-40B4-BE49-F238E27FC236}">
-                <a16:creationId xmlns:a16="http://schemas.microsoft.com/office/drawing/2014/main" id="{E383CC5D-71E8-4CB2-8E4A-F1E4FF6DC9D6}"/>
+                <a16:creationId xmlns:a16="http://schemas.microsoft.com/office/drawing/2014/main" id="{B00C61D4-1494-4B72-A2DD-C16D9ECAD158}"/>
               </a:ext>
               <a:ext uri="{C183D7F6-B498-43B3-948B-1728B52AA6E4}">
                 <adec:decorative xmlns:adec="http://schemas.microsoft.com/office/drawing/2017/decorative" val="1"/>
@@ -21412,10 +25229,10 @@
       </p:sp>
       <p:sp>
         <p:nvSpPr>
-          <p:cNvPr id="24" name="Rectangle 23">
+          <p:cNvPr id="53" name="Rectangle 52">
             <a:extLst>
               <a:ext uri="{FF2B5EF4-FFF2-40B4-BE49-F238E27FC236}">
-                <a16:creationId xmlns:a16="http://schemas.microsoft.com/office/drawing/2014/main" id="{E2DA5AC1-43C5-4243-9028-07DBB80D0C95}"/>
+                <a16:creationId xmlns:a16="http://schemas.microsoft.com/office/drawing/2014/main" id="{A90F64BE-B6DF-4D20-9A3E-DAD003896C0E}"/>
               </a:ext>
               <a:ext uri="{C183D7F6-B498-43B3-948B-1728B52AA6E4}">
                 <adec:decorative xmlns:adec="http://schemas.microsoft.com/office/drawing/2017/decorative" val="1"/>
@@ -21435,8 +25252,8 @@
         </p:nvSpPr>
         <p:spPr>
           <a:xfrm>
-            <a:off x="0" y="428"/>
-            <a:ext cx="12192000" cy="1600201"/>
+            <a:off x="-1" y="-8890"/>
+            <a:ext cx="4038601" cy="6866462"/>
           </a:xfrm>
           <a:prstGeom prst="rect">
             <a:avLst/>
@@ -21444,15 +25261,15 @@
           <a:gradFill>
             <a:gsLst>
               <a:gs pos="0">
-                <a:schemeClr val="accent5">
-                  <a:alpha val="83000"/>
+                <a:schemeClr val="accent5"/>
+              </a:gs>
+              <a:gs pos="100000">
+                <a:schemeClr val="accent4">
+                  <a:alpha val="55000"/>
                 </a:schemeClr>
               </a:gs>
-              <a:gs pos="100000">
-                <a:schemeClr val="accent6"/>
-              </a:gs>
             </a:gsLst>
-            <a:lin ang="15600000" scaled="0"/>
+            <a:lin ang="18000000" scaled="0"/>
           </a:gradFill>
           <a:ln>
             <a:noFill/>
@@ -21485,10 +25302,10 @@
       </p:sp>
       <p:sp>
         <p:nvSpPr>
-          <p:cNvPr id="26" name="Rectangle 25">
+          <p:cNvPr id="55" name="Rectangle 54">
             <a:extLst>
               <a:ext uri="{FF2B5EF4-FFF2-40B4-BE49-F238E27FC236}">
-                <a16:creationId xmlns:a16="http://schemas.microsoft.com/office/drawing/2014/main" id="{8A4EDA1C-27A1-4C83-ACE4-6675EC9245B1}"/>
+                <a16:creationId xmlns:a16="http://schemas.microsoft.com/office/drawing/2014/main" id="{3299ACA5-1949-4821-8FA4-95A78A2097AE}"/>
               </a:ext>
               <a:ext uri="{C183D7F6-B498-43B3-948B-1728B52AA6E4}">
                 <adec:decorative xmlns:adec="http://schemas.microsoft.com/office/drawing/2017/decorative" val="1"/>
@@ -21507,25 +25324,27 @@
           </p:nvPr>
         </p:nvSpPr>
         <p:spPr>
-          <a:xfrm>
-            <a:off x="4399161" y="9109"/>
-            <a:ext cx="7792839" cy="1594270"/>
+          <a:xfrm rot="16200000" flipH="1">
+            <a:off x="-1185328" y="1633640"/>
+            <a:ext cx="6866462" cy="3581401"/>
           </a:xfrm>
           <a:prstGeom prst="rect">
             <a:avLst/>
           </a:prstGeom>
           <a:gradFill>
             <a:gsLst>
-              <a:gs pos="22000">
+              <a:gs pos="0">
                 <a:schemeClr val="accent2">
-                  <a:alpha val="0"/>
+                  <a:alpha val="72000"/>
                 </a:schemeClr>
               </a:gs>
-              <a:gs pos="99000">
-                <a:schemeClr val="accent2"/>
+              <a:gs pos="100000">
+                <a:schemeClr val="accent5">
+                  <a:alpha val="13000"/>
+                </a:schemeClr>
               </a:gs>
             </a:gsLst>
-            <a:lin ang="18600000" scaled="0"/>
+            <a:lin ang="13800000" scaled="0"/>
           </a:gradFill>
           <a:ln>
             <a:noFill/>
@@ -21558,10 +25377,10 @@
       </p:sp>
       <p:sp>
         <p:nvSpPr>
-          <p:cNvPr id="28" name="Rectangle 27">
+          <p:cNvPr id="57" name="Rectangle 56">
             <a:extLst>
               <a:ext uri="{FF2B5EF4-FFF2-40B4-BE49-F238E27FC236}">
-                <a16:creationId xmlns:a16="http://schemas.microsoft.com/office/drawing/2014/main" id="{1C2185E4-B584-4B9D-9440-DEA0FB9D94DF}"/>
+                <a16:creationId xmlns:a16="http://schemas.microsoft.com/office/drawing/2014/main" id="{85559C2F-075A-49B7-8935-4591245136E5}"/>
               </a:ext>
               <a:ext uri="{C183D7F6-B498-43B3-948B-1728B52AA6E4}">
                 <adec:decorative xmlns:adec="http://schemas.microsoft.com/office/drawing/2017/decorative" val="1"/>
@@ -21580,27 +25399,27 @@
           </p:nvPr>
         </p:nvSpPr>
         <p:spPr>
-          <a:xfrm rot="16200000">
-            <a:off x="9021976" y="-906246"/>
-            <a:ext cx="1602951" cy="3416298"/>
+          <a:xfrm>
+            <a:off x="0" y="2232044"/>
+            <a:ext cx="4038600" cy="4634418"/>
           </a:xfrm>
           <a:prstGeom prst="rect">
             <a:avLst/>
           </a:prstGeom>
           <a:gradFill>
             <a:gsLst>
-              <a:gs pos="45000">
-                <a:schemeClr val="accent4">
+              <a:gs pos="0">
+                <a:schemeClr val="accent5">
+                  <a:alpha val="36000"/>
+                </a:schemeClr>
+              </a:gs>
+              <a:gs pos="67000">
+                <a:schemeClr val="accent5">
                   <a:alpha val="0"/>
                 </a:schemeClr>
               </a:gs>
-              <a:gs pos="99000">
-                <a:schemeClr val="accent6">
-                  <a:alpha val="33000"/>
-                </a:schemeClr>
-              </a:gs>
             </a:gsLst>
-            <a:lin ang="15000000" scaled="0"/>
+            <a:lin ang="2400000" scaled="0"/>
           </a:gradFill>
           <a:ln>
             <a:noFill/>
@@ -21633,160 +25452,10 @@
       </p:sp>
       <p:sp>
         <p:nvSpPr>
-          <p:cNvPr id="30" name="Rectangle 29">
-            <a:extLst>
-              <a:ext uri="{FF2B5EF4-FFF2-40B4-BE49-F238E27FC236}">
-                <a16:creationId xmlns:a16="http://schemas.microsoft.com/office/drawing/2014/main" id="{FF33EC8A-EE0A-4395-97E2-DAD467CF734C}"/>
-              </a:ext>
-              <a:ext uri="{C183D7F6-B498-43B3-948B-1728B52AA6E4}">
-                <adec:decorative xmlns:adec="http://schemas.microsoft.com/office/drawing/2017/decorative" val="1"/>
-              </a:ext>
-            </a:extLst>
-          </p:cNvPr>
-          <p:cNvSpPr>
-            <a:spLocks noGrp="1" noRot="1" noChangeAspect="1" noMove="1" noResize="1" noEditPoints="1" noAdjustHandles="1" noChangeArrowheads="1" noChangeShapeType="1" noTextEdit="1"/>
-          </p:cNvSpPr>
-          <p:nvPr>
-            <p:extLst>
-              <p:ext uri="{386F3935-93C4-4BCD-93E2-E3B085C9AB24}">
-                <p16:designElem xmlns:p16="http://schemas.microsoft.com/office/powerpoint/2015/main" val="1"/>
-              </p:ext>
-            </p:extLst>
-          </p:nvPr>
-        </p:nvSpPr>
-        <p:spPr>
-          <a:xfrm rot="10800000">
-            <a:off x="2451242" y="0"/>
-            <a:ext cx="9729549" cy="1600198"/>
-          </a:xfrm>
-          <a:prstGeom prst="rect">
-            <a:avLst/>
-          </a:prstGeom>
-          <a:gradFill>
-            <a:gsLst>
-              <a:gs pos="0">
-                <a:schemeClr val="accent5">
-                  <a:alpha val="30000"/>
-                </a:schemeClr>
-              </a:gs>
-              <a:gs pos="99000">
-                <a:schemeClr val="accent5">
-                  <a:alpha val="0"/>
-                </a:schemeClr>
-              </a:gs>
-            </a:gsLst>
-            <a:lin ang="19800000" scaled="0"/>
-          </a:gradFill>
-          <a:ln>
-            <a:noFill/>
-          </a:ln>
-        </p:spPr>
-        <p:style>
-          <a:lnRef idx="2">
-            <a:schemeClr val="accent1">
-              <a:shade val="50000"/>
-            </a:schemeClr>
-          </a:lnRef>
-          <a:fillRef idx="1">
-            <a:schemeClr val="accent1"/>
-          </a:fillRef>
-          <a:effectRef idx="0">
-            <a:schemeClr val="accent1"/>
-          </a:effectRef>
-          <a:fontRef idx="minor">
-            <a:schemeClr val="lt1"/>
-          </a:fontRef>
-        </p:style>
-        <p:txBody>
-          <a:bodyPr rtlCol="0" anchor="ctr"/>
-          <a:lstStyle/>
-          <a:p>
-            <a:pPr algn="ctr"/>
-            <a:endParaRPr lang="en-US"/>
-          </a:p>
-        </p:txBody>
-      </p:sp>
-      <p:sp>
-        <p:nvSpPr>
-          <p:cNvPr id="32" name="Rectangle 31">
-            <a:extLst>
-              <a:ext uri="{FF2B5EF4-FFF2-40B4-BE49-F238E27FC236}">
-                <a16:creationId xmlns:a16="http://schemas.microsoft.com/office/drawing/2014/main" id="{FF85DA95-16A4-404E-9BFF-27F8E4FC78AA}"/>
-              </a:ext>
-              <a:ext uri="{C183D7F6-B498-43B3-948B-1728B52AA6E4}">
-                <adec:decorative xmlns:adec="http://schemas.microsoft.com/office/drawing/2017/decorative" val="1"/>
-              </a:ext>
-            </a:extLst>
-          </p:cNvPr>
-          <p:cNvSpPr>
-            <a:spLocks noGrp="1" noRot="1" noChangeAspect="1" noMove="1" noResize="1" noEditPoints="1" noAdjustHandles="1" noChangeArrowheads="1" noChangeShapeType="1" noTextEdit="1"/>
-          </p:cNvSpPr>
-          <p:nvPr>
-            <p:extLst>
-              <p:ext uri="{386F3935-93C4-4BCD-93E2-E3B085C9AB24}">
-                <p16:designElem xmlns:p16="http://schemas.microsoft.com/office/powerpoint/2015/main" val="1"/>
-              </p:ext>
-            </p:extLst>
-          </p:nvPr>
-        </p:nvSpPr>
-        <p:spPr>
-          <a:xfrm>
-            <a:off x="-2" y="430"/>
-            <a:ext cx="7910111" cy="1600198"/>
-          </a:xfrm>
-          <a:prstGeom prst="rect">
-            <a:avLst/>
-          </a:prstGeom>
-          <a:gradFill>
-            <a:gsLst>
-              <a:gs pos="0">
-                <a:schemeClr val="accent5">
-                  <a:alpha val="21000"/>
-                </a:schemeClr>
-              </a:gs>
-              <a:gs pos="99000">
-                <a:schemeClr val="accent5">
-                  <a:alpha val="0"/>
-                </a:schemeClr>
-              </a:gs>
-            </a:gsLst>
-            <a:lin ang="20400000" scaled="0"/>
-          </a:gradFill>
-          <a:ln>
-            <a:noFill/>
-          </a:ln>
-        </p:spPr>
-        <p:style>
-          <a:lnRef idx="2">
-            <a:schemeClr val="accent1">
-              <a:shade val="50000"/>
-            </a:schemeClr>
-          </a:lnRef>
-          <a:fillRef idx="1">
-            <a:schemeClr val="accent1"/>
-          </a:fillRef>
-          <a:effectRef idx="0">
-            <a:schemeClr val="accent1"/>
-          </a:effectRef>
-          <a:fontRef idx="minor">
-            <a:schemeClr val="lt1"/>
-          </a:fontRef>
-        </p:style>
-        <p:txBody>
-          <a:bodyPr rtlCol="0" anchor="ctr"/>
-          <a:lstStyle/>
-          <a:p>
-            <a:pPr algn="ctr"/>
-            <a:endParaRPr lang="en-US"/>
-          </a:p>
-        </p:txBody>
-      </p:sp>
-      <p:sp>
-        <p:nvSpPr>
           <p:cNvPr id="2" name="Tytuł 1">
             <a:extLst>
               <a:ext uri="{FF2B5EF4-FFF2-40B4-BE49-F238E27FC236}">
-                <a16:creationId xmlns:a16="http://schemas.microsoft.com/office/drawing/2014/main" id="{349FA639-7E47-4285-8C00-84B2F1B08201}"/>
+                <a16:creationId xmlns:a16="http://schemas.microsoft.com/office/drawing/2014/main" id="{0440DDB3-B26E-46AD-871F-BF50DC440576}"/>
               </a:ext>
             </a:extLst>
           </p:cNvPr>
@@ -21799,62 +25468,153 @@
         </p:nvSpPr>
         <p:spPr>
           <a:xfrm>
-            <a:off x="1157084" y="374427"/>
-            <a:ext cx="10374517" cy="971512"/>
+            <a:off x="764275" y="2565779"/>
+            <a:ext cx="2838733" cy="3043452"/>
           </a:xfrm>
         </p:spPr>
         <p:txBody>
-          <a:bodyPr anchor="ctr">
+          <a:bodyPr vert="horz" lIns="0" tIns="0" rIns="0" bIns="0" rtlCol="0" anchor="t">
             <a:normAutofit/>
           </a:bodyPr>
           <a:lstStyle/>
           <a:p>
             <a:r>
-              <a:rPr lang="pl-PL" sz="3200" dirty="0">
+              <a:rPr lang="en-US" sz="2200" spc="750">
                 <a:solidFill>
                   <a:schemeClr val="bg1"/>
                 </a:solidFill>
               </a:rPr>
-              <a:t>Plany na przyszłość</a:t>
+              <a:t>Wykresy wybranych metryk</a:t>
             </a:r>
           </a:p>
         </p:txBody>
       </p:sp>
-      <p:graphicFrame>
-        <p:nvGraphicFramePr>
-          <p:cNvPr id="18" name="Symbol zastępczy zawartości 2">
+      <p:pic>
+        <p:nvPicPr>
+          <p:cNvPr id="4" name="Obraz 4">
             <a:extLst>
               <a:ext uri="{FF2B5EF4-FFF2-40B4-BE49-F238E27FC236}">
-                <a16:creationId xmlns:a16="http://schemas.microsoft.com/office/drawing/2014/main" id="{0F8E310B-578F-4E9E-A102-B50EA03D278D}"/>
+                <a16:creationId xmlns:a16="http://schemas.microsoft.com/office/drawing/2014/main" id="{58C441C3-0039-448F-BEF8-18C4755CB366}"/>
               </a:ext>
             </a:extLst>
           </p:cNvPr>
-          <p:cNvGraphicFramePr>
-            <a:graphicFrameLocks noGrp="1"/>
-          </p:cNvGraphicFramePr>
+          <p:cNvPicPr>
+            <a:picLocks noGrp="1" noChangeAspect="1"/>
+          </p:cNvPicPr>
           <p:nvPr>
             <p:ph idx="1"/>
-            <p:extLst>
-              <p:ext uri="{D42A27DB-BD31-4B8C-83A1-F6EECF244321}">
-                <p14:modId xmlns:p14="http://schemas.microsoft.com/office/powerpoint/2010/main" val="4021606912"/>
-              </p:ext>
-            </p:extLst>
           </p:nvPr>
-        </p:nvGraphicFramePr>
-        <p:xfrm>
-          <a:off x="579474" y="2062715"/>
-          <a:ext cx="11033029" cy="4189229"/>
-        </p:xfrm>
-        <a:graphic>
-          <a:graphicData uri="http://schemas.openxmlformats.org/drawingml/2006/diagram">
-            <dgm:relIds xmlns:dgm="http://schemas.openxmlformats.org/drawingml/2006/diagram" xmlns:r="http://schemas.openxmlformats.org/officeDocument/2006/relationships" r:dm="rId2" r:lo="rId3" r:qs="rId4" r:cs="rId5"/>
-          </a:graphicData>
-        </a:graphic>
-      </p:graphicFrame>
+        </p:nvPicPr>
+        <p:blipFill>
+          <a:blip r:embed="rId3"/>
+          <a:stretch>
+            <a:fillRect/>
+          </a:stretch>
+        </p:blipFill>
+        <p:spPr>
+          <a:xfrm>
+            <a:off x="4465991" y="943369"/>
+            <a:ext cx="3404094" cy="2354324"/>
+          </a:xfrm>
+          <a:prstGeom prst="rect">
+            <a:avLst/>
+          </a:prstGeom>
+        </p:spPr>
+      </p:pic>
+      <p:pic>
+        <p:nvPicPr>
+          <p:cNvPr id="8" name="Obraz 8">
+            <a:extLst>
+              <a:ext uri="{FF2B5EF4-FFF2-40B4-BE49-F238E27FC236}">
+                <a16:creationId xmlns:a16="http://schemas.microsoft.com/office/drawing/2014/main" id="{085F9FE1-E1DC-424E-935E-B3A965F39DB0}"/>
+              </a:ext>
+            </a:extLst>
+          </p:cNvPr>
+          <p:cNvPicPr>
+            <a:picLocks noChangeAspect="1"/>
+          </p:cNvPicPr>
+          <p:nvPr/>
+        </p:nvPicPr>
+        <p:blipFill>
+          <a:blip r:embed="rId4"/>
+          <a:stretch>
+            <a:fillRect/>
+          </a:stretch>
+        </p:blipFill>
+        <p:spPr>
+          <a:xfrm>
+            <a:off x="8192462" y="873083"/>
+            <a:ext cx="3542338" cy="2424609"/>
+          </a:xfrm>
+          <a:prstGeom prst="rect">
+            <a:avLst/>
+          </a:prstGeom>
+        </p:spPr>
+      </p:pic>
+      <p:pic>
+        <p:nvPicPr>
+          <p:cNvPr id="7" name="Obraz 7">
+            <a:extLst>
+              <a:ext uri="{FF2B5EF4-FFF2-40B4-BE49-F238E27FC236}">
+                <a16:creationId xmlns:a16="http://schemas.microsoft.com/office/drawing/2014/main" id="{381BAD30-F8C5-46F4-93B1-244BE49B169B}"/>
+              </a:ext>
+            </a:extLst>
+          </p:cNvPr>
+          <p:cNvPicPr>
+            <a:picLocks noChangeAspect="1"/>
+          </p:cNvPicPr>
+          <p:nvPr/>
+        </p:nvPicPr>
+        <p:blipFill>
+          <a:blip r:embed="rId5"/>
+          <a:stretch>
+            <a:fillRect/>
+          </a:stretch>
+        </p:blipFill>
+        <p:spPr>
+          <a:xfrm>
+            <a:off x="4465991" y="3619426"/>
+            <a:ext cx="3404094" cy="2329986"/>
+          </a:xfrm>
+          <a:prstGeom prst="rect">
+            <a:avLst/>
+          </a:prstGeom>
+        </p:spPr>
+      </p:pic>
+      <p:pic>
+        <p:nvPicPr>
+          <p:cNvPr id="5" name="Obraz 5">
+            <a:extLst>
+              <a:ext uri="{FF2B5EF4-FFF2-40B4-BE49-F238E27FC236}">
+                <a16:creationId xmlns:a16="http://schemas.microsoft.com/office/drawing/2014/main" id="{CF29FA92-6CD0-4FB0-80AB-95A79C580D5F}"/>
+              </a:ext>
+            </a:extLst>
+          </p:cNvPr>
+          <p:cNvPicPr>
+            <a:picLocks noChangeAspect="1"/>
+          </p:cNvPicPr>
+          <p:nvPr/>
+        </p:nvPicPr>
+        <p:blipFill>
+          <a:blip r:embed="rId6"/>
+          <a:stretch>
+            <a:fillRect/>
+          </a:stretch>
+        </p:blipFill>
+        <p:spPr>
+          <a:xfrm>
+            <a:off x="8192462" y="3619426"/>
+            <a:ext cx="3542338" cy="2241824"/>
+          </a:xfrm>
+          <a:prstGeom prst="rect">
+            <a:avLst/>
+          </a:prstGeom>
+        </p:spPr>
+      </p:pic>
     </p:spTree>
     <p:extLst>
       <p:ext uri="{BB962C8B-B14F-4D97-AF65-F5344CB8AC3E}">
-        <p14:creationId xmlns:p14="http://schemas.microsoft.com/office/powerpoint/2010/main" val="2886757825"/>
+        <p14:creationId xmlns:p14="http://schemas.microsoft.com/office/powerpoint/2010/main" val="2898992028"/>
       </p:ext>
     </p:extLst>
   </p:cSld>
@@ -22107,7 +25867,7 @@
           <a:lstStyle/>
           <a:p>
             <a:pPr algn="ctr"/>
-            <a:endParaRPr lang="en-US" dirty="0"/>
+            <a:endParaRPr lang="en-US"/>
           </a:p>
         </p:txBody>
       </p:sp>
@@ -22182,7 +25942,7 @@
           <a:lstStyle/>
           <a:p>
             <a:pPr algn="ctr"/>
-            <a:endParaRPr lang="en-US" dirty="0"/>
+            <a:endParaRPr lang="en-US"/>
           </a:p>
         </p:txBody>
       </p:sp>
@@ -22341,7 +26101,7 @@
           <p:cNvPr id="2" name="Tytuł 1">
             <a:extLst>
               <a:ext uri="{FF2B5EF4-FFF2-40B4-BE49-F238E27FC236}">
-                <a16:creationId xmlns:a16="http://schemas.microsoft.com/office/drawing/2014/main" id="{275706B1-01E7-4180-A7B8-C5E70A5A7B0E}"/>
+                <a16:creationId xmlns:a16="http://schemas.microsoft.com/office/drawing/2014/main" id="{349FA639-7E47-4285-8C00-84B2F1B08201}"/>
               </a:ext>
             </a:extLst>
           </p:cNvPr>
@@ -22365,12 +26125,12 @@
           <a:lstStyle/>
           <a:p>
             <a:r>
-              <a:rPr lang="pl-PL" sz="3200" dirty="0">
+              <a:rPr lang="pl-PL" sz="3200">
                 <a:solidFill>
                   <a:schemeClr val="bg1"/>
                 </a:solidFill>
               </a:rPr>
-              <a:t>Plany komercjalizacji</a:t>
+              <a:t>Plany na przyszłość</a:t>
             </a:r>
           </a:p>
         </p:txBody>
@@ -22380,7 +26140,7 @@
           <p:cNvPr id="18" name="Symbol zastępczy zawartości 2">
             <a:extLst>
               <a:ext uri="{FF2B5EF4-FFF2-40B4-BE49-F238E27FC236}">
-                <a16:creationId xmlns:a16="http://schemas.microsoft.com/office/drawing/2014/main" id="{8C0365D9-3025-4B01-8DA0-10D50D4E9759}"/>
+                <a16:creationId xmlns:a16="http://schemas.microsoft.com/office/drawing/2014/main" id="{0F8E310B-578F-4E9E-A102-B50EA03D278D}"/>
               </a:ext>
             </a:extLst>
           </p:cNvPr>
@@ -22391,7 +26151,7 @@
             <p:ph idx="1"/>
             <p:extLst>
               <p:ext uri="{D42A27DB-BD31-4B8C-83A1-F6EECF244321}">
-                <p14:modId xmlns:p14="http://schemas.microsoft.com/office/powerpoint/2010/main" val="1933543267"/>
+                <p14:modId xmlns:p14="http://schemas.microsoft.com/office/powerpoint/2010/main" val="4021606912"/>
               </p:ext>
             </p:extLst>
           </p:nvPr>
@@ -22402,14 +26162,14 @@
         </p:xfrm>
         <a:graphic>
           <a:graphicData uri="http://schemas.openxmlformats.org/drawingml/2006/diagram">
-            <dgm:relIds xmlns:dgm="http://schemas.openxmlformats.org/drawingml/2006/diagram" xmlns:r="http://schemas.openxmlformats.org/officeDocument/2006/relationships" r:dm="rId2" r:lo="rId3" r:qs="rId4" r:cs="rId5"/>
+            <dgm:relIds xmlns:dgm="http://schemas.openxmlformats.org/drawingml/2006/diagram" xmlns:r="http://schemas.openxmlformats.org/officeDocument/2006/relationships" r:dm="rId3" r:lo="rId4" r:qs="rId5" r:cs="rId6"/>
           </a:graphicData>
         </a:graphic>
       </p:graphicFrame>
     </p:spTree>
     <p:extLst>
       <p:ext uri="{BB962C8B-B14F-4D97-AF65-F5344CB8AC3E}">
-        <p14:creationId xmlns:p14="http://schemas.microsoft.com/office/powerpoint/2010/main" val="2662186153"/>
+        <p14:creationId xmlns:p14="http://schemas.microsoft.com/office/powerpoint/2010/main" val="2886757825"/>
       </p:ext>
     </p:extLst>
   </p:cSld>
